--- a/status_quo.pptx
+++ b/status_quo.pptx
@@ -67,7 +67,7 @@
       </p:grpSpPr>
       <p:sp>
         <p:nvSpPr>
-          <p:cNvPr id="26" name="PlaceHolder 1"/>
+          <p:cNvPr id="23" name="PlaceHolder 1"/>
           <p:cNvSpPr>
             <a:spLocks noGrp="1"/>
           </p:cNvSpPr>
@@ -77,8 +77,8 @@
         </p:nvSpPr>
         <p:spPr>
           <a:xfrm>
-            <a:off x="838080" y="365040"/>
-            <a:ext cx="10515240" cy="1325160"/>
+            <a:off x="609480" y="273600"/>
+            <a:ext cx="10972440" cy="1144800"/>
           </a:xfrm>
           <a:prstGeom prst="rect">
             <a:avLst/>
@@ -87,18 +87,16 @@
         <p:txBody>
           <a:bodyPr lIns="0" rIns="0" tIns="0" bIns="0" anchor="ctr"/>
           <a:p>
-            <a:endParaRPr b="0" lang="de-DE" sz="1800" spc="-1" strike="noStrike">
-              <a:solidFill>
-                <a:srgbClr val="000000"/>
-              </a:solidFill>
-              <a:latin typeface="Calibri"/>
-            </a:endParaRPr>
-          </a:p>
-        </p:txBody>
-      </p:sp>
-      <p:sp>
-        <p:nvSpPr>
-          <p:cNvPr id="27" name="PlaceHolder 2"/>
+            <a:pPr algn="ctr"/>
+            <a:endParaRPr b="0" lang="en-US" sz="4400" spc="-1" strike="noStrike">
+              <a:latin typeface="Arial"/>
+            </a:endParaRPr>
+          </a:p>
+        </p:txBody>
+      </p:sp>
+      <p:sp>
+        <p:nvSpPr>
+          <p:cNvPr id="24" name="PlaceHolder 2"/>
           <p:cNvSpPr>
             <a:spLocks noGrp="1"/>
           </p:cNvSpPr>
@@ -108,8 +106,8 @@
         </p:nvSpPr>
         <p:spPr>
           <a:xfrm>
-            <a:off x="838080" y="1825560"/>
-            <a:ext cx="10515240" cy="2075040"/>
+            <a:off x="609480" y="1604520"/>
+            <a:ext cx="10972440" cy="1896840"/>
           </a:xfrm>
           <a:prstGeom prst="rect">
             <a:avLst/>
@@ -120,18 +118,15 @@
             <a:normAutofit/>
           </a:bodyPr>
           <a:p>
-            <a:endParaRPr b="0" lang="de-DE" sz="2800" spc="-1" strike="noStrike">
-              <a:solidFill>
-                <a:srgbClr val="ffffff"/>
-              </a:solidFill>
-              <a:latin typeface="Calibri"/>
-            </a:endParaRPr>
-          </a:p>
-        </p:txBody>
-      </p:sp>
-      <p:sp>
-        <p:nvSpPr>
-          <p:cNvPr id="28" name="PlaceHolder 3"/>
+            <a:endParaRPr b="0" lang="en-US" sz="3200" spc="-1" strike="noStrike">
+              <a:latin typeface="Arial"/>
+            </a:endParaRPr>
+          </a:p>
+        </p:txBody>
+      </p:sp>
+      <p:sp>
+        <p:nvSpPr>
+          <p:cNvPr id="25" name="PlaceHolder 3"/>
           <p:cNvSpPr>
             <a:spLocks noGrp="1"/>
           </p:cNvSpPr>
@@ -141,8 +136,8 @@
         </p:nvSpPr>
         <p:spPr>
           <a:xfrm>
-            <a:off x="838080" y="4098240"/>
-            <a:ext cx="10515240" cy="2075040"/>
+            <a:off x="609480" y="3682080"/>
+            <a:ext cx="10972440" cy="1896840"/>
           </a:xfrm>
           <a:prstGeom prst="rect">
             <a:avLst/>
@@ -153,11 +148,8 @@
             <a:normAutofit/>
           </a:bodyPr>
           <a:p>
-            <a:endParaRPr b="0" lang="de-DE" sz="2800" spc="-1" strike="noStrike">
-              <a:solidFill>
-                <a:srgbClr val="ffffff"/>
-              </a:solidFill>
-              <a:latin typeface="Calibri"/>
+            <a:endParaRPr b="0" lang="en-US" sz="3200" spc="-1" strike="noStrike">
+              <a:latin typeface="Arial"/>
             </a:endParaRPr>
           </a:p>
         </p:txBody>
@@ -186,7 +178,7 @@
       </p:grpSpPr>
       <p:sp>
         <p:nvSpPr>
-          <p:cNvPr id="29" name="PlaceHolder 1"/>
+          <p:cNvPr id="26" name="PlaceHolder 1"/>
           <p:cNvSpPr>
             <a:spLocks noGrp="1"/>
           </p:cNvSpPr>
@@ -196,8 +188,8 @@
         </p:nvSpPr>
         <p:spPr>
           <a:xfrm>
-            <a:off x="838080" y="365040"/>
-            <a:ext cx="10515240" cy="1325160"/>
+            <a:off x="609480" y="273600"/>
+            <a:ext cx="10972440" cy="1144800"/>
           </a:xfrm>
           <a:prstGeom prst="rect">
             <a:avLst/>
@@ -206,18 +198,16 @@
         <p:txBody>
           <a:bodyPr lIns="0" rIns="0" tIns="0" bIns="0" anchor="ctr"/>
           <a:p>
-            <a:endParaRPr b="0" lang="de-DE" sz="1800" spc="-1" strike="noStrike">
-              <a:solidFill>
-                <a:srgbClr val="000000"/>
-              </a:solidFill>
-              <a:latin typeface="Calibri"/>
-            </a:endParaRPr>
-          </a:p>
-        </p:txBody>
-      </p:sp>
-      <p:sp>
-        <p:nvSpPr>
-          <p:cNvPr id="30" name="PlaceHolder 2"/>
+            <a:pPr algn="ctr"/>
+            <a:endParaRPr b="0" lang="en-US" sz="4400" spc="-1" strike="noStrike">
+              <a:latin typeface="Arial"/>
+            </a:endParaRPr>
+          </a:p>
+        </p:txBody>
+      </p:sp>
+      <p:sp>
+        <p:nvSpPr>
+          <p:cNvPr id="27" name="PlaceHolder 2"/>
           <p:cNvSpPr>
             <a:spLocks noGrp="1"/>
           </p:cNvSpPr>
@@ -227,8 +217,8 @@
         </p:nvSpPr>
         <p:spPr>
           <a:xfrm>
-            <a:off x="838080" y="1825560"/>
-            <a:ext cx="5131080" cy="2075040"/>
+            <a:off x="609480" y="1604520"/>
+            <a:ext cx="5354280" cy="1896840"/>
           </a:xfrm>
           <a:prstGeom prst="rect">
             <a:avLst/>
@@ -239,18 +229,15 @@
             <a:normAutofit/>
           </a:bodyPr>
           <a:p>
-            <a:endParaRPr b="0" lang="de-DE" sz="2800" spc="-1" strike="noStrike">
-              <a:solidFill>
-                <a:srgbClr val="ffffff"/>
-              </a:solidFill>
-              <a:latin typeface="Calibri"/>
-            </a:endParaRPr>
-          </a:p>
-        </p:txBody>
-      </p:sp>
-      <p:sp>
-        <p:nvSpPr>
-          <p:cNvPr id="31" name="PlaceHolder 3"/>
+            <a:endParaRPr b="0" lang="en-US" sz="3200" spc="-1" strike="noStrike">
+              <a:latin typeface="Arial"/>
+            </a:endParaRPr>
+          </a:p>
+        </p:txBody>
+      </p:sp>
+      <p:sp>
+        <p:nvSpPr>
+          <p:cNvPr id="28" name="PlaceHolder 3"/>
           <p:cNvSpPr>
             <a:spLocks noGrp="1"/>
           </p:cNvSpPr>
@@ -260,8 +247,8 @@
         </p:nvSpPr>
         <p:spPr>
           <a:xfrm>
-            <a:off x="6226200" y="1825560"/>
-            <a:ext cx="5131080" cy="2075040"/>
+            <a:off x="6231960" y="1604520"/>
+            <a:ext cx="5354280" cy="1896840"/>
           </a:xfrm>
           <a:prstGeom prst="rect">
             <a:avLst/>
@@ -272,18 +259,15 @@
             <a:normAutofit/>
           </a:bodyPr>
           <a:p>
-            <a:endParaRPr b="0" lang="de-DE" sz="2800" spc="-1" strike="noStrike">
-              <a:solidFill>
-                <a:srgbClr val="ffffff"/>
-              </a:solidFill>
-              <a:latin typeface="Calibri"/>
-            </a:endParaRPr>
-          </a:p>
-        </p:txBody>
-      </p:sp>
-      <p:sp>
-        <p:nvSpPr>
-          <p:cNvPr id="32" name="PlaceHolder 4"/>
+            <a:endParaRPr b="0" lang="en-US" sz="3200" spc="-1" strike="noStrike">
+              <a:latin typeface="Arial"/>
+            </a:endParaRPr>
+          </a:p>
+        </p:txBody>
+      </p:sp>
+      <p:sp>
+        <p:nvSpPr>
+          <p:cNvPr id="29" name="PlaceHolder 4"/>
           <p:cNvSpPr>
             <a:spLocks noGrp="1"/>
           </p:cNvSpPr>
@@ -293,8 +277,8 @@
         </p:nvSpPr>
         <p:spPr>
           <a:xfrm>
-            <a:off x="838080" y="4098240"/>
-            <a:ext cx="5131080" cy="2075040"/>
+            <a:off x="609480" y="3682080"/>
+            <a:ext cx="5354280" cy="1896840"/>
           </a:xfrm>
           <a:prstGeom prst="rect">
             <a:avLst/>
@@ -305,18 +289,15 @@
             <a:normAutofit/>
           </a:bodyPr>
           <a:p>
-            <a:endParaRPr b="0" lang="de-DE" sz="2800" spc="-1" strike="noStrike">
-              <a:solidFill>
-                <a:srgbClr val="ffffff"/>
-              </a:solidFill>
-              <a:latin typeface="Calibri"/>
-            </a:endParaRPr>
-          </a:p>
-        </p:txBody>
-      </p:sp>
-      <p:sp>
-        <p:nvSpPr>
-          <p:cNvPr id="33" name="PlaceHolder 5"/>
+            <a:endParaRPr b="0" lang="en-US" sz="3200" spc="-1" strike="noStrike">
+              <a:latin typeface="Arial"/>
+            </a:endParaRPr>
+          </a:p>
+        </p:txBody>
+      </p:sp>
+      <p:sp>
+        <p:nvSpPr>
+          <p:cNvPr id="30" name="PlaceHolder 5"/>
           <p:cNvSpPr>
             <a:spLocks noGrp="1"/>
           </p:cNvSpPr>
@@ -326,8 +307,8 @@
         </p:nvSpPr>
         <p:spPr>
           <a:xfrm>
-            <a:off x="6226200" y="4098240"/>
-            <a:ext cx="5131080" cy="2075040"/>
+            <a:off x="6231960" y="3682080"/>
+            <a:ext cx="5354280" cy="1896840"/>
           </a:xfrm>
           <a:prstGeom prst="rect">
             <a:avLst/>
@@ -338,11 +319,8 @@
             <a:normAutofit/>
           </a:bodyPr>
           <a:p>
-            <a:endParaRPr b="0" lang="de-DE" sz="2800" spc="-1" strike="noStrike">
-              <a:solidFill>
-                <a:srgbClr val="ffffff"/>
-              </a:solidFill>
-              <a:latin typeface="Calibri"/>
+            <a:endParaRPr b="0" lang="en-US" sz="3200" spc="-1" strike="noStrike">
+              <a:latin typeface="Arial"/>
             </a:endParaRPr>
           </a:p>
         </p:txBody>
@@ -371,7 +349,7 @@
       </p:grpSpPr>
       <p:sp>
         <p:nvSpPr>
-          <p:cNvPr id="34" name="PlaceHolder 1"/>
+          <p:cNvPr id="31" name="PlaceHolder 1"/>
           <p:cNvSpPr>
             <a:spLocks noGrp="1"/>
           </p:cNvSpPr>
@@ -381,8 +359,8 @@
         </p:nvSpPr>
         <p:spPr>
           <a:xfrm>
-            <a:off x="838080" y="365040"/>
-            <a:ext cx="10515240" cy="1325160"/>
+            <a:off x="609480" y="273600"/>
+            <a:ext cx="10972440" cy="1144800"/>
           </a:xfrm>
           <a:prstGeom prst="rect">
             <a:avLst/>
@@ -391,18 +369,16 @@
         <p:txBody>
           <a:bodyPr lIns="0" rIns="0" tIns="0" bIns="0" anchor="ctr"/>
           <a:p>
-            <a:endParaRPr b="0" lang="de-DE" sz="1800" spc="-1" strike="noStrike">
-              <a:solidFill>
-                <a:srgbClr val="000000"/>
-              </a:solidFill>
-              <a:latin typeface="Calibri"/>
-            </a:endParaRPr>
-          </a:p>
-        </p:txBody>
-      </p:sp>
-      <p:sp>
-        <p:nvSpPr>
-          <p:cNvPr id="35" name="PlaceHolder 2"/>
+            <a:pPr algn="ctr"/>
+            <a:endParaRPr b="0" lang="en-US" sz="4400" spc="-1" strike="noStrike">
+              <a:latin typeface="Arial"/>
+            </a:endParaRPr>
+          </a:p>
+        </p:txBody>
+      </p:sp>
+      <p:sp>
+        <p:nvSpPr>
+          <p:cNvPr id="32" name="PlaceHolder 2"/>
           <p:cNvSpPr>
             <a:spLocks noGrp="1"/>
           </p:cNvSpPr>
@@ -412,8 +388,8 @@
         </p:nvSpPr>
         <p:spPr>
           <a:xfrm>
-            <a:off x="838080" y="1825560"/>
-            <a:ext cx="3385800" cy="2075040"/>
+            <a:off x="609480" y="1604520"/>
+            <a:ext cx="3533040" cy="1896840"/>
           </a:xfrm>
           <a:prstGeom prst="rect">
             <a:avLst/>
@@ -424,18 +400,15 @@
             <a:normAutofit/>
           </a:bodyPr>
           <a:p>
-            <a:endParaRPr b="0" lang="de-DE" sz="2800" spc="-1" strike="noStrike">
-              <a:solidFill>
-                <a:srgbClr val="ffffff"/>
-              </a:solidFill>
-              <a:latin typeface="Calibri"/>
-            </a:endParaRPr>
-          </a:p>
-        </p:txBody>
-      </p:sp>
-      <p:sp>
-        <p:nvSpPr>
-          <p:cNvPr id="36" name="PlaceHolder 3"/>
+            <a:endParaRPr b="0" lang="en-US" sz="3200" spc="-1" strike="noStrike">
+              <a:latin typeface="Arial"/>
+            </a:endParaRPr>
+          </a:p>
+        </p:txBody>
+      </p:sp>
+      <p:sp>
+        <p:nvSpPr>
+          <p:cNvPr id="33" name="PlaceHolder 3"/>
           <p:cNvSpPr>
             <a:spLocks noGrp="1"/>
           </p:cNvSpPr>
@@ -445,8 +418,8 @@
         </p:nvSpPr>
         <p:spPr>
           <a:xfrm>
-            <a:off x="4393440" y="1825560"/>
-            <a:ext cx="3385800" cy="2075040"/>
+            <a:off x="4319640" y="1604520"/>
+            <a:ext cx="3533040" cy="1896840"/>
           </a:xfrm>
           <a:prstGeom prst="rect">
             <a:avLst/>
@@ -457,18 +430,15 @@
             <a:normAutofit/>
           </a:bodyPr>
           <a:p>
-            <a:endParaRPr b="0" lang="de-DE" sz="2800" spc="-1" strike="noStrike">
-              <a:solidFill>
-                <a:srgbClr val="ffffff"/>
-              </a:solidFill>
-              <a:latin typeface="Calibri"/>
-            </a:endParaRPr>
-          </a:p>
-        </p:txBody>
-      </p:sp>
-      <p:sp>
-        <p:nvSpPr>
-          <p:cNvPr id="37" name="PlaceHolder 4"/>
+            <a:endParaRPr b="0" lang="en-US" sz="3200" spc="-1" strike="noStrike">
+              <a:latin typeface="Arial"/>
+            </a:endParaRPr>
+          </a:p>
+        </p:txBody>
+      </p:sp>
+      <p:sp>
+        <p:nvSpPr>
+          <p:cNvPr id="34" name="PlaceHolder 4"/>
           <p:cNvSpPr>
             <a:spLocks noGrp="1"/>
           </p:cNvSpPr>
@@ -478,8 +448,8 @@
         </p:nvSpPr>
         <p:spPr>
           <a:xfrm>
-            <a:off x="7949160" y="1825560"/>
-            <a:ext cx="3385800" cy="2075040"/>
+            <a:off x="8029800" y="1604520"/>
+            <a:ext cx="3533040" cy="1896840"/>
           </a:xfrm>
           <a:prstGeom prst="rect">
             <a:avLst/>
@@ -490,18 +460,15 @@
             <a:normAutofit/>
           </a:bodyPr>
           <a:p>
-            <a:endParaRPr b="0" lang="de-DE" sz="2800" spc="-1" strike="noStrike">
-              <a:solidFill>
-                <a:srgbClr val="ffffff"/>
-              </a:solidFill>
-              <a:latin typeface="Calibri"/>
-            </a:endParaRPr>
-          </a:p>
-        </p:txBody>
-      </p:sp>
-      <p:sp>
-        <p:nvSpPr>
-          <p:cNvPr id="38" name="PlaceHolder 5"/>
+            <a:endParaRPr b="0" lang="en-US" sz="3200" spc="-1" strike="noStrike">
+              <a:latin typeface="Arial"/>
+            </a:endParaRPr>
+          </a:p>
+        </p:txBody>
+      </p:sp>
+      <p:sp>
+        <p:nvSpPr>
+          <p:cNvPr id="35" name="PlaceHolder 5"/>
           <p:cNvSpPr>
             <a:spLocks noGrp="1"/>
           </p:cNvSpPr>
@@ -511,8 +478,8 @@
         </p:nvSpPr>
         <p:spPr>
           <a:xfrm>
-            <a:off x="838080" y="4098240"/>
-            <a:ext cx="3385800" cy="2075040"/>
+            <a:off x="609480" y="3682080"/>
+            <a:ext cx="3533040" cy="1896840"/>
           </a:xfrm>
           <a:prstGeom prst="rect">
             <a:avLst/>
@@ -523,18 +490,15 @@
             <a:normAutofit/>
           </a:bodyPr>
           <a:p>
-            <a:endParaRPr b="0" lang="de-DE" sz="2800" spc="-1" strike="noStrike">
-              <a:solidFill>
-                <a:srgbClr val="ffffff"/>
-              </a:solidFill>
-              <a:latin typeface="Calibri"/>
-            </a:endParaRPr>
-          </a:p>
-        </p:txBody>
-      </p:sp>
-      <p:sp>
-        <p:nvSpPr>
-          <p:cNvPr id="39" name="PlaceHolder 6"/>
+            <a:endParaRPr b="0" lang="en-US" sz="3200" spc="-1" strike="noStrike">
+              <a:latin typeface="Arial"/>
+            </a:endParaRPr>
+          </a:p>
+        </p:txBody>
+      </p:sp>
+      <p:sp>
+        <p:nvSpPr>
+          <p:cNvPr id="36" name="PlaceHolder 6"/>
           <p:cNvSpPr>
             <a:spLocks noGrp="1"/>
           </p:cNvSpPr>
@@ -544,8 +508,8 @@
         </p:nvSpPr>
         <p:spPr>
           <a:xfrm>
-            <a:off x="4393440" y="4098240"/>
-            <a:ext cx="3385800" cy="2075040"/>
+            <a:off x="4319640" y="3682080"/>
+            <a:ext cx="3533040" cy="1896840"/>
           </a:xfrm>
           <a:prstGeom prst="rect">
             <a:avLst/>
@@ -556,18 +520,15 @@
             <a:normAutofit/>
           </a:bodyPr>
           <a:p>
-            <a:endParaRPr b="0" lang="de-DE" sz="2800" spc="-1" strike="noStrike">
-              <a:solidFill>
-                <a:srgbClr val="ffffff"/>
-              </a:solidFill>
-              <a:latin typeface="Calibri"/>
-            </a:endParaRPr>
-          </a:p>
-        </p:txBody>
-      </p:sp>
-      <p:sp>
-        <p:nvSpPr>
-          <p:cNvPr id="40" name="PlaceHolder 7"/>
+            <a:endParaRPr b="0" lang="en-US" sz="3200" spc="-1" strike="noStrike">
+              <a:latin typeface="Arial"/>
+            </a:endParaRPr>
+          </a:p>
+        </p:txBody>
+      </p:sp>
+      <p:sp>
+        <p:nvSpPr>
+          <p:cNvPr id="37" name="PlaceHolder 7"/>
           <p:cNvSpPr>
             <a:spLocks noGrp="1"/>
           </p:cNvSpPr>
@@ -577,8 +538,8 @@
         </p:nvSpPr>
         <p:spPr>
           <a:xfrm>
-            <a:off x="7949160" y="4098240"/>
-            <a:ext cx="3385800" cy="2075040"/>
+            <a:off x="8029800" y="3682080"/>
+            <a:ext cx="3533040" cy="1896840"/>
           </a:xfrm>
           <a:prstGeom prst="rect">
             <a:avLst/>
@@ -589,11 +550,8 @@
             <a:normAutofit/>
           </a:bodyPr>
           <a:p>
-            <a:endParaRPr b="0" lang="de-DE" sz="2800" spc="-1" strike="noStrike">
-              <a:solidFill>
-                <a:srgbClr val="ffffff"/>
-              </a:solidFill>
-              <a:latin typeface="Calibri"/>
+            <a:endParaRPr b="0" lang="en-US" sz="3200" spc="-1" strike="noStrike">
+              <a:latin typeface="Arial"/>
             </a:endParaRPr>
           </a:p>
         </p:txBody>
@@ -644,7 +602,7 @@
       </p:grpSpPr>
       <p:sp>
         <p:nvSpPr>
-          <p:cNvPr id="46" name="PlaceHolder 1"/>
+          <p:cNvPr id="40" name="PlaceHolder 1"/>
           <p:cNvSpPr>
             <a:spLocks noGrp="1"/>
           </p:cNvSpPr>
@@ -654,8 +612,8 @@
         </p:nvSpPr>
         <p:spPr>
           <a:xfrm>
-            <a:off x="838080" y="365040"/>
-            <a:ext cx="10515240" cy="1325160"/>
+            <a:off x="609480" y="273600"/>
+            <a:ext cx="10972440" cy="1144800"/>
           </a:xfrm>
           <a:prstGeom prst="rect">
             <a:avLst/>
@@ -664,18 +622,16 @@
         <p:txBody>
           <a:bodyPr lIns="0" rIns="0" tIns="0" bIns="0" anchor="ctr"/>
           <a:p>
-            <a:endParaRPr b="0" lang="de-DE" sz="1800" spc="-1" strike="noStrike">
-              <a:solidFill>
-                <a:srgbClr val="000000"/>
-              </a:solidFill>
-              <a:latin typeface="Calibri"/>
-            </a:endParaRPr>
-          </a:p>
-        </p:txBody>
-      </p:sp>
-      <p:sp>
-        <p:nvSpPr>
-          <p:cNvPr id="47" name="PlaceHolder 2"/>
+            <a:pPr algn="ctr"/>
+            <a:endParaRPr b="0" lang="en-US" sz="4400" spc="-1" strike="noStrike">
+              <a:latin typeface="Arial"/>
+            </a:endParaRPr>
+          </a:p>
+        </p:txBody>
+      </p:sp>
+      <p:sp>
+        <p:nvSpPr>
+          <p:cNvPr id="41" name="PlaceHolder 2"/>
           <p:cNvSpPr>
             <a:spLocks noGrp="1"/>
           </p:cNvSpPr>
@@ -685,8 +641,8 @@
         </p:nvSpPr>
         <p:spPr>
           <a:xfrm>
-            <a:off x="838080" y="1825560"/>
-            <a:ext cx="10515240" cy="4350960"/>
+            <a:off x="609480" y="1604520"/>
+            <a:ext cx="10972440" cy="3977280"/>
           </a:xfrm>
           <a:prstGeom prst="rect">
             <a:avLst/>
@@ -726,7 +682,7 @@
       </p:grpSpPr>
       <p:sp>
         <p:nvSpPr>
-          <p:cNvPr id="48" name="PlaceHolder 1"/>
+          <p:cNvPr id="42" name="PlaceHolder 1"/>
           <p:cNvSpPr>
             <a:spLocks noGrp="1"/>
           </p:cNvSpPr>
@@ -736,8 +692,8 @@
         </p:nvSpPr>
         <p:spPr>
           <a:xfrm>
-            <a:off x="838080" y="365040"/>
-            <a:ext cx="10515240" cy="1325160"/>
+            <a:off x="609480" y="273600"/>
+            <a:ext cx="10972440" cy="1144800"/>
           </a:xfrm>
           <a:prstGeom prst="rect">
             <a:avLst/>
@@ -746,18 +702,16 @@
         <p:txBody>
           <a:bodyPr lIns="0" rIns="0" tIns="0" bIns="0" anchor="ctr"/>
           <a:p>
-            <a:endParaRPr b="0" lang="de-DE" sz="1800" spc="-1" strike="noStrike">
-              <a:solidFill>
-                <a:srgbClr val="000000"/>
-              </a:solidFill>
-              <a:latin typeface="Calibri"/>
-            </a:endParaRPr>
-          </a:p>
-        </p:txBody>
-      </p:sp>
-      <p:sp>
-        <p:nvSpPr>
-          <p:cNvPr id="49" name="PlaceHolder 2"/>
+            <a:pPr algn="ctr"/>
+            <a:endParaRPr b="0" lang="en-US" sz="4400" spc="-1" strike="noStrike">
+              <a:latin typeface="Arial"/>
+            </a:endParaRPr>
+          </a:p>
+        </p:txBody>
+      </p:sp>
+      <p:sp>
+        <p:nvSpPr>
+          <p:cNvPr id="43" name="PlaceHolder 2"/>
           <p:cNvSpPr>
             <a:spLocks noGrp="1"/>
           </p:cNvSpPr>
@@ -767,8 +721,8 @@
         </p:nvSpPr>
         <p:spPr>
           <a:xfrm>
-            <a:off x="838080" y="1825560"/>
-            <a:ext cx="10515240" cy="4350960"/>
+            <a:off x="609480" y="1604520"/>
+            <a:ext cx="10972440" cy="3977280"/>
           </a:xfrm>
           <a:prstGeom prst="rect">
             <a:avLst/>
@@ -779,11 +733,8 @@
             <a:normAutofit/>
           </a:bodyPr>
           <a:p>
-            <a:endParaRPr b="0" lang="de-DE" sz="2800" spc="-1" strike="noStrike">
-              <a:solidFill>
-                <a:srgbClr val="ffffff"/>
-              </a:solidFill>
-              <a:latin typeface="Calibri"/>
+            <a:endParaRPr b="0" lang="en-US" sz="3200" spc="-1" strike="noStrike">
+              <a:latin typeface="Arial"/>
             </a:endParaRPr>
           </a:p>
         </p:txBody>
@@ -812,7 +763,7 @@
       </p:grpSpPr>
       <p:sp>
         <p:nvSpPr>
-          <p:cNvPr id="50" name="PlaceHolder 1"/>
+          <p:cNvPr id="44" name="PlaceHolder 1"/>
           <p:cNvSpPr>
             <a:spLocks noGrp="1"/>
           </p:cNvSpPr>
@@ -822,8 +773,8 @@
         </p:nvSpPr>
         <p:spPr>
           <a:xfrm>
-            <a:off x="838080" y="365040"/>
-            <a:ext cx="10515240" cy="1325160"/>
+            <a:off x="609480" y="273600"/>
+            <a:ext cx="10972440" cy="1144800"/>
           </a:xfrm>
           <a:prstGeom prst="rect">
             <a:avLst/>
@@ -832,18 +783,16 @@
         <p:txBody>
           <a:bodyPr lIns="0" rIns="0" tIns="0" bIns="0" anchor="ctr"/>
           <a:p>
-            <a:endParaRPr b="0" lang="de-DE" sz="1800" spc="-1" strike="noStrike">
-              <a:solidFill>
-                <a:srgbClr val="000000"/>
-              </a:solidFill>
-              <a:latin typeface="Calibri"/>
-            </a:endParaRPr>
-          </a:p>
-        </p:txBody>
-      </p:sp>
-      <p:sp>
-        <p:nvSpPr>
-          <p:cNvPr id="51" name="PlaceHolder 2"/>
+            <a:pPr algn="ctr"/>
+            <a:endParaRPr b="0" lang="en-US" sz="4400" spc="-1" strike="noStrike">
+              <a:latin typeface="Arial"/>
+            </a:endParaRPr>
+          </a:p>
+        </p:txBody>
+      </p:sp>
+      <p:sp>
+        <p:nvSpPr>
+          <p:cNvPr id="45" name="PlaceHolder 2"/>
           <p:cNvSpPr>
             <a:spLocks noGrp="1"/>
           </p:cNvSpPr>
@@ -853,8 +802,8 @@
         </p:nvSpPr>
         <p:spPr>
           <a:xfrm>
-            <a:off x="838080" y="1825560"/>
-            <a:ext cx="5131080" cy="4350960"/>
+            <a:off x="609480" y="1604520"/>
+            <a:ext cx="5354280" cy="3977280"/>
           </a:xfrm>
           <a:prstGeom prst="rect">
             <a:avLst/>
@@ -865,18 +814,15 @@
             <a:normAutofit/>
           </a:bodyPr>
           <a:p>
-            <a:endParaRPr b="0" lang="de-DE" sz="2800" spc="-1" strike="noStrike">
-              <a:solidFill>
-                <a:srgbClr val="ffffff"/>
-              </a:solidFill>
-              <a:latin typeface="Calibri"/>
-            </a:endParaRPr>
-          </a:p>
-        </p:txBody>
-      </p:sp>
-      <p:sp>
-        <p:nvSpPr>
-          <p:cNvPr id="52" name="PlaceHolder 3"/>
+            <a:endParaRPr b="0" lang="en-US" sz="3200" spc="-1" strike="noStrike">
+              <a:latin typeface="Arial"/>
+            </a:endParaRPr>
+          </a:p>
+        </p:txBody>
+      </p:sp>
+      <p:sp>
+        <p:nvSpPr>
+          <p:cNvPr id="46" name="PlaceHolder 3"/>
           <p:cNvSpPr>
             <a:spLocks noGrp="1"/>
           </p:cNvSpPr>
@@ -886,8 +832,8 @@
         </p:nvSpPr>
         <p:spPr>
           <a:xfrm>
-            <a:off x="6226200" y="1825560"/>
-            <a:ext cx="5131080" cy="4350960"/>
+            <a:off x="6231960" y="1604520"/>
+            <a:ext cx="5354280" cy="3977280"/>
           </a:xfrm>
           <a:prstGeom prst="rect">
             <a:avLst/>
@@ -898,11 +844,8 @@
             <a:normAutofit/>
           </a:bodyPr>
           <a:p>
-            <a:endParaRPr b="0" lang="de-DE" sz="2800" spc="-1" strike="noStrike">
-              <a:solidFill>
-                <a:srgbClr val="ffffff"/>
-              </a:solidFill>
-              <a:latin typeface="Calibri"/>
+            <a:endParaRPr b="0" lang="en-US" sz="3200" spc="-1" strike="noStrike">
+              <a:latin typeface="Arial"/>
             </a:endParaRPr>
           </a:p>
         </p:txBody>
@@ -931,7 +874,7 @@
       </p:grpSpPr>
       <p:sp>
         <p:nvSpPr>
-          <p:cNvPr id="53" name="PlaceHolder 1"/>
+          <p:cNvPr id="47" name="PlaceHolder 1"/>
           <p:cNvSpPr>
             <a:spLocks noGrp="1"/>
           </p:cNvSpPr>
@@ -941,8 +884,8 @@
         </p:nvSpPr>
         <p:spPr>
           <a:xfrm>
-            <a:off x="838080" y="365040"/>
-            <a:ext cx="10515240" cy="1325160"/>
+            <a:off x="609480" y="273600"/>
+            <a:ext cx="10972440" cy="1144800"/>
           </a:xfrm>
           <a:prstGeom prst="rect">
             <a:avLst/>
@@ -951,11 +894,9 @@
         <p:txBody>
           <a:bodyPr lIns="0" rIns="0" tIns="0" bIns="0" anchor="ctr"/>
           <a:p>
-            <a:endParaRPr b="0" lang="de-DE" sz="1800" spc="-1" strike="noStrike">
-              <a:solidFill>
-                <a:srgbClr val="000000"/>
-              </a:solidFill>
-              <a:latin typeface="Calibri"/>
+            <a:pPr algn="ctr"/>
+            <a:endParaRPr b="0" lang="en-US" sz="4400" spc="-1" strike="noStrike">
+              <a:latin typeface="Arial"/>
             </a:endParaRPr>
           </a:p>
         </p:txBody>
@@ -984,7 +925,7 @@
       </p:grpSpPr>
       <p:sp>
         <p:nvSpPr>
-          <p:cNvPr id="54" name="PlaceHolder 1"/>
+          <p:cNvPr id="48" name="PlaceHolder 1"/>
           <p:cNvSpPr>
             <a:spLocks noGrp="1"/>
           </p:cNvSpPr>
@@ -994,8 +935,8 @@
         </p:nvSpPr>
         <p:spPr>
           <a:xfrm>
-            <a:off x="838080" y="365040"/>
-            <a:ext cx="10515240" cy="6144120"/>
+            <a:off x="609480" y="273600"/>
+            <a:ext cx="10972440" cy="5307840"/>
           </a:xfrm>
           <a:prstGeom prst="rect">
             <a:avLst/>
@@ -1035,7 +976,7 @@
       </p:grpSpPr>
       <p:sp>
         <p:nvSpPr>
-          <p:cNvPr id="55" name="PlaceHolder 1"/>
+          <p:cNvPr id="49" name="PlaceHolder 1"/>
           <p:cNvSpPr>
             <a:spLocks noGrp="1"/>
           </p:cNvSpPr>
@@ -1045,8 +986,8 @@
         </p:nvSpPr>
         <p:spPr>
           <a:xfrm>
-            <a:off x="838080" y="365040"/>
-            <a:ext cx="10515240" cy="1325160"/>
+            <a:off x="609480" y="273600"/>
+            <a:ext cx="10972440" cy="1144800"/>
           </a:xfrm>
           <a:prstGeom prst="rect">
             <a:avLst/>
@@ -1055,18 +996,16 @@
         <p:txBody>
           <a:bodyPr lIns="0" rIns="0" tIns="0" bIns="0" anchor="ctr"/>
           <a:p>
-            <a:endParaRPr b="0" lang="de-DE" sz="1800" spc="-1" strike="noStrike">
-              <a:solidFill>
-                <a:srgbClr val="000000"/>
-              </a:solidFill>
-              <a:latin typeface="Calibri"/>
-            </a:endParaRPr>
-          </a:p>
-        </p:txBody>
-      </p:sp>
-      <p:sp>
-        <p:nvSpPr>
-          <p:cNvPr id="56" name="PlaceHolder 2"/>
+            <a:pPr algn="ctr"/>
+            <a:endParaRPr b="0" lang="en-US" sz="4400" spc="-1" strike="noStrike">
+              <a:latin typeface="Arial"/>
+            </a:endParaRPr>
+          </a:p>
+        </p:txBody>
+      </p:sp>
+      <p:sp>
+        <p:nvSpPr>
+          <p:cNvPr id="50" name="PlaceHolder 2"/>
           <p:cNvSpPr>
             <a:spLocks noGrp="1"/>
           </p:cNvSpPr>
@@ -1076,8 +1015,8 @@
         </p:nvSpPr>
         <p:spPr>
           <a:xfrm>
-            <a:off x="838080" y="1825560"/>
-            <a:ext cx="5131080" cy="2075040"/>
+            <a:off x="609480" y="1604520"/>
+            <a:ext cx="5354280" cy="1896840"/>
           </a:xfrm>
           <a:prstGeom prst="rect">
             <a:avLst/>
@@ -1088,18 +1027,15 @@
             <a:normAutofit/>
           </a:bodyPr>
           <a:p>
-            <a:endParaRPr b="0" lang="de-DE" sz="2800" spc="-1" strike="noStrike">
-              <a:solidFill>
-                <a:srgbClr val="ffffff"/>
-              </a:solidFill>
-              <a:latin typeface="Calibri"/>
-            </a:endParaRPr>
-          </a:p>
-        </p:txBody>
-      </p:sp>
-      <p:sp>
-        <p:nvSpPr>
-          <p:cNvPr id="57" name="PlaceHolder 3"/>
+            <a:endParaRPr b="0" lang="en-US" sz="3200" spc="-1" strike="noStrike">
+              <a:latin typeface="Arial"/>
+            </a:endParaRPr>
+          </a:p>
+        </p:txBody>
+      </p:sp>
+      <p:sp>
+        <p:nvSpPr>
+          <p:cNvPr id="51" name="PlaceHolder 3"/>
           <p:cNvSpPr>
             <a:spLocks noGrp="1"/>
           </p:cNvSpPr>
@@ -1109,8 +1045,8 @@
         </p:nvSpPr>
         <p:spPr>
           <a:xfrm>
-            <a:off x="6226200" y="1825560"/>
-            <a:ext cx="5131080" cy="4350960"/>
+            <a:off x="6231960" y="1604520"/>
+            <a:ext cx="5354280" cy="3977280"/>
           </a:xfrm>
           <a:prstGeom prst="rect">
             <a:avLst/>
@@ -1121,18 +1057,15 @@
             <a:normAutofit/>
           </a:bodyPr>
           <a:p>
-            <a:endParaRPr b="0" lang="de-DE" sz="2800" spc="-1" strike="noStrike">
-              <a:solidFill>
-                <a:srgbClr val="ffffff"/>
-              </a:solidFill>
-              <a:latin typeface="Calibri"/>
-            </a:endParaRPr>
-          </a:p>
-        </p:txBody>
-      </p:sp>
-      <p:sp>
-        <p:nvSpPr>
-          <p:cNvPr id="58" name="PlaceHolder 4"/>
+            <a:endParaRPr b="0" lang="en-US" sz="3200" spc="-1" strike="noStrike">
+              <a:latin typeface="Arial"/>
+            </a:endParaRPr>
+          </a:p>
+        </p:txBody>
+      </p:sp>
+      <p:sp>
+        <p:nvSpPr>
+          <p:cNvPr id="52" name="PlaceHolder 4"/>
           <p:cNvSpPr>
             <a:spLocks noGrp="1"/>
           </p:cNvSpPr>
@@ -1142,8 +1075,8 @@
         </p:nvSpPr>
         <p:spPr>
           <a:xfrm>
-            <a:off x="838080" y="4098240"/>
-            <a:ext cx="5131080" cy="2075040"/>
+            <a:off x="609480" y="3682080"/>
+            <a:ext cx="5354280" cy="1896840"/>
           </a:xfrm>
           <a:prstGeom prst="rect">
             <a:avLst/>
@@ -1154,11 +1087,8 @@
             <a:normAutofit/>
           </a:bodyPr>
           <a:p>
-            <a:endParaRPr b="0" lang="de-DE" sz="2800" spc="-1" strike="noStrike">
-              <a:solidFill>
-                <a:srgbClr val="ffffff"/>
-              </a:solidFill>
-              <a:latin typeface="Calibri"/>
+            <a:endParaRPr b="0" lang="en-US" sz="3200" spc="-1" strike="noStrike">
+              <a:latin typeface="Arial"/>
             </a:endParaRPr>
           </a:p>
         </p:txBody>
@@ -1187,7 +1117,7 @@
       </p:grpSpPr>
       <p:sp>
         <p:nvSpPr>
-          <p:cNvPr id="5" name="PlaceHolder 1"/>
+          <p:cNvPr id="2" name="PlaceHolder 1"/>
           <p:cNvSpPr>
             <a:spLocks noGrp="1"/>
           </p:cNvSpPr>
@@ -1197,8 +1127,8 @@
         </p:nvSpPr>
         <p:spPr>
           <a:xfrm>
-            <a:off x="838080" y="365040"/>
-            <a:ext cx="10515240" cy="1325160"/>
+            <a:off x="609480" y="273600"/>
+            <a:ext cx="10972440" cy="1144800"/>
           </a:xfrm>
           <a:prstGeom prst="rect">
             <a:avLst/>
@@ -1207,18 +1137,16 @@
         <p:txBody>
           <a:bodyPr lIns="0" rIns="0" tIns="0" bIns="0" anchor="ctr"/>
           <a:p>
-            <a:endParaRPr b="0" lang="de-DE" sz="1800" spc="-1" strike="noStrike">
-              <a:solidFill>
-                <a:srgbClr val="000000"/>
-              </a:solidFill>
-              <a:latin typeface="Calibri"/>
-            </a:endParaRPr>
-          </a:p>
-        </p:txBody>
-      </p:sp>
-      <p:sp>
-        <p:nvSpPr>
-          <p:cNvPr id="6" name="PlaceHolder 2"/>
+            <a:pPr algn="ctr"/>
+            <a:endParaRPr b="0" lang="en-US" sz="4400" spc="-1" strike="noStrike">
+              <a:latin typeface="Arial"/>
+            </a:endParaRPr>
+          </a:p>
+        </p:txBody>
+      </p:sp>
+      <p:sp>
+        <p:nvSpPr>
+          <p:cNvPr id="3" name="PlaceHolder 2"/>
           <p:cNvSpPr>
             <a:spLocks noGrp="1"/>
           </p:cNvSpPr>
@@ -1228,8 +1156,8 @@
         </p:nvSpPr>
         <p:spPr>
           <a:xfrm>
-            <a:off x="838080" y="1825560"/>
-            <a:ext cx="10515240" cy="4350960"/>
+            <a:off x="609480" y="1604520"/>
+            <a:ext cx="10972440" cy="3977280"/>
           </a:xfrm>
           <a:prstGeom prst="rect">
             <a:avLst/>
@@ -1269,7 +1197,7 @@
       </p:grpSpPr>
       <p:sp>
         <p:nvSpPr>
-          <p:cNvPr id="59" name="PlaceHolder 1"/>
+          <p:cNvPr id="53" name="PlaceHolder 1"/>
           <p:cNvSpPr>
             <a:spLocks noGrp="1"/>
           </p:cNvSpPr>
@@ -1279,8 +1207,8 @@
         </p:nvSpPr>
         <p:spPr>
           <a:xfrm>
-            <a:off x="838080" y="365040"/>
-            <a:ext cx="10515240" cy="1325160"/>
+            <a:off x="609480" y="273600"/>
+            <a:ext cx="10972440" cy="1144800"/>
           </a:xfrm>
           <a:prstGeom prst="rect">
             <a:avLst/>
@@ -1289,18 +1217,16 @@
         <p:txBody>
           <a:bodyPr lIns="0" rIns="0" tIns="0" bIns="0" anchor="ctr"/>
           <a:p>
-            <a:endParaRPr b="0" lang="de-DE" sz="1800" spc="-1" strike="noStrike">
-              <a:solidFill>
-                <a:srgbClr val="000000"/>
-              </a:solidFill>
-              <a:latin typeface="Calibri"/>
-            </a:endParaRPr>
-          </a:p>
-        </p:txBody>
-      </p:sp>
-      <p:sp>
-        <p:nvSpPr>
-          <p:cNvPr id="60" name="PlaceHolder 2"/>
+            <a:pPr algn="ctr"/>
+            <a:endParaRPr b="0" lang="en-US" sz="4400" spc="-1" strike="noStrike">
+              <a:latin typeface="Arial"/>
+            </a:endParaRPr>
+          </a:p>
+        </p:txBody>
+      </p:sp>
+      <p:sp>
+        <p:nvSpPr>
+          <p:cNvPr id="54" name="PlaceHolder 2"/>
           <p:cNvSpPr>
             <a:spLocks noGrp="1"/>
           </p:cNvSpPr>
@@ -1310,8 +1236,8 @@
         </p:nvSpPr>
         <p:spPr>
           <a:xfrm>
-            <a:off x="838080" y="1825560"/>
-            <a:ext cx="5131080" cy="4350960"/>
+            <a:off x="609480" y="1604520"/>
+            <a:ext cx="5354280" cy="3977280"/>
           </a:xfrm>
           <a:prstGeom prst="rect">
             <a:avLst/>
@@ -1322,18 +1248,15 @@
             <a:normAutofit/>
           </a:bodyPr>
           <a:p>
-            <a:endParaRPr b="0" lang="de-DE" sz="2800" spc="-1" strike="noStrike">
-              <a:solidFill>
-                <a:srgbClr val="ffffff"/>
-              </a:solidFill>
-              <a:latin typeface="Calibri"/>
-            </a:endParaRPr>
-          </a:p>
-        </p:txBody>
-      </p:sp>
-      <p:sp>
-        <p:nvSpPr>
-          <p:cNvPr id="61" name="PlaceHolder 3"/>
+            <a:endParaRPr b="0" lang="en-US" sz="3200" spc="-1" strike="noStrike">
+              <a:latin typeface="Arial"/>
+            </a:endParaRPr>
+          </a:p>
+        </p:txBody>
+      </p:sp>
+      <p:sp>
+        <p:nvSpPr>
+          <p:cNvPr id="55" name="PlaceHolder 3"/>
           <p:cNvSpPr>
             <a:spLocks noGrp="1"/>
           </p:cNvSpPr>
@@ -1343,8 +1266,8 @@
         </p:nvSpPr>
         <p:spPr>
           <a:xfrm>
-            <a:off x="6226200" y="1825560"/>
-            <a:ext cx="5131080" cy="2075040"/>
+            <a:off x="6231960" y="1604520"/>
+            <a:ext cx="5354280" cy="1896840"/>
           </a:xfrm>
           <a:prstGeom prst="rect">
             <a:avLst/>
@@ -1355,18 +1278,15 @@
             <a:normAutofit/>
           </a:bodyPr>
           <a:p>
-            <a:endParaRPr b="0" lang="de-DE" sz="2800" spc="-1" strike="noStrike">
-              <a:solidFill>
-                <a:srgbClr val="ffffff"/>
-              </a:solidFill>
-              <a:latin typeface="Calibri"/>
-            </a:endParaRPr>
-          </a:p>
-        </p:txBody>
-      </p:sp>
-      <p:sp>
-        <p:nvSpPr>
-          <p:cNvPr id="62" name="PlaceHolder 4"/>
+            <a:endParaRPr b="0" lang="en-US" sz="3200" spc="-1" strike="noStrike">
+              <a:latin typeface="Arial"/>
+            </a:endParaRPr>
+          </a:p>
+        </p:txBody>
+      </p:sp>
+      <p:sp>
+        <p:nvSpPr>
+          <p:cNvPr id="56" name="PlaceHolder 4"/>
           <p:cNvSpPr>
             <a:spLocks noGrp="1"/>
           </p:cNvSpPr>
@@ -1376,8 +1296,8 @@
         </p:nvSpPr>
         <p:spPr>
           <a:xfrm>
-            <a:off x="6226200" y="4098240"/>
-            <a:ext cx="5131080" cy="2075040"/>
+            <a:off x="6231960" y="3682080"/>
+            <a:ext cx="5354280" cy="1896840"/>
           </a:xfrm>
           <a:prstGeom prst="rect">
             <a:avLst/>
@@ -1388,11 +1308,8 @@
             <a:normAutofit/>
           </a:bodyPr>
           <a:p>
-            <a:endParaRPr b="0" lang="de-DE" sz="2800" spc="-1" strike="noStrike">
-              <a:solidFill>
-                <a:srgbClr val="ffffff"/>
-              </a:solidFill>
-              <a:latin typeface="Calibri"/>
+            <a:endParaRPr b="0" lang="en-US" sz="3200" spc="-1" strike="noStrike">
+              <a:latin typeface="Arial"/>
             </a:endParaRPr>
           </a:p>
         </p:txBody>
@@ -1421,7 +1338,7 @@
       </p:grpSpPr>
       <p:sp>
         <p:nvSpPr>
-          <p:cNvPr id="63" name="PlaceHolder 1"/>
+          <p:cNvPr id="57" name="PlaceHolder 1"/>
           <p:cNvSpPr>
             <a:spLocks noGrp="1"/>
           </p:cNvSpPr>
@@ -1431,8 +1348,8 @@
         </p:nvSpPr>
         <p:spPr>
           <a:xfrm>
-            <a:off x="838080" y="365040"/>
-            <a:ext cx="10515240" cy="1325160"/>
+            <a:off x="609480" y="273600"/>
+            <a:ext cx="10972440" cy="1144800"/>
           </a:xfrm>
           <a:prstGeom prst="rect">
             <a:avLst/>
@@ -1441,18 +1358,16 @@
         <p:txBody>
           <a:bodyPr lIns="0" rIns="0" tIns="0" bIns="0" anchor="ctr"/>
           <a:p>
-            <a:endParaRPr b="0" lang="de-DE" sz="1800" spc="-1" strike="noStrike">
-              <a:solidFill>
-                <a:srgbClr val="000000"/>
-              </a:solidFill>
-              <a:latin typeface="Calibri"/>
-            </a:endParaRPr>
-          </a:p>
-        </p:txBody>
-      </p:sp>
-      <p:sp>
-        <p:nvSpPr>
-          <p:cNvPr id="64" name="PlaceHolder 2"/>
+            <a:pPr algn="ctr"/>
+            <a:endParaRPr b="0" lang="en-US" sz="4400" spc="-1" strike="noStrike">
+              <a:latin typeface="Arial"/>
+            </a:endParaRPr>
+          </a:p>
+        </p:txBody>
+      </p:sp>
+      <p:sp>
+        <p:nvSpPr>
+          <p:cNvPr id="58" name="PlaceHolder 2"/>
           <p:cNvSpPr>
             <a:spLocks noGrp="1"/>
           </p:cNvSpPr>
@@ -1462,8 +1377,8 @@
         </p:nvSpPr>
         <p:spPr>
           <a:xfrm>
-            <a:off x="838080" y="1825560"/>
-            <a:ext cx="5131080" cy="2075040"/>
+            <a:off x="609480" y="1604520"/>
+            <a:ext cx="5354280" cy="1896840"/>
           </a:xfrm>
           <a:prstGeom prst="rect">
             <a:avLst/>
@@ -1474,18 +1389,15 @@
             <a:normAutofit/>
           </a:bodyPr>
           <a:p>
-            <a:endParaRPr b="0" lang="de-DE" sz="2800" spc="-1" strike="noStrike">
-              <a:solidFill>
-                <a:srgbClr val="ffffff"/>
-              </a:solidFill>
-              <a:latin typeface="Calibri"/>
-            </a:endParaRPr>
-          </a:p>
-        </p:txBody>
-      </p:sp>
-      <p:sp>
-        <p:nvSpPr>
-          <p:cNvPr id="65" name="PlaceHolder 3"/>
+            <a:endParaRPr b="0" lang="en-US" sz="3200" spc="-1" strike="noStrike">
+              <a:latin typeface="Arial"/>
+            </a:endParaRPr>
+          </a:p>
+        </p:txBody>
+      </p:sp>
+      <p:sp>
+        <p:nvSpPr>
+          <p:cNvPr id="59" name="PlaceHolder 3"/>
           <p:cNvSpPr>
             <a:spLocks noGrp="1"/>
           </p:cNvSpPr>
@@ -1495,8 +1407,8 @@
         </p:nvSpPr>
         <p:spPr>
           <a:xfrm>
-            <a:off x="6226200" y="1825560"/>
-            <a:ext cx="5131080" cy="2075040"/>
+            <a:off x="6231960" y="1604520"/>
+            <a:ext cx="5354280" cy="1896840"/>
           </a:xfrm>
           <a:prstGeom prst="rect">
             <a:avLst/>
@@ -1507,18 +1419,15 @@
             <a:normAutofit/>
           </a:bodyPr>
           <a:p>
-            <a:endParaRPr b="0" lang="de-DE" sz="2800" spc="-1" strike="noStrike">
-              <a:solidFill>
-                <a:srgbClr val="ffffff"/>
-              </a:solidFill>
-              <a:latin typeface="Calibri"/>
-            </a:endParaRPr>
-          </a:p>
-        </p:txBody>
-      </p:sp>
-      <p:sp>
-        <p:nvSpPr>
-          <p:cNvPr id="66" name="PlaceHolder 4"/>
+            <a:endParaRPr b="0" lang="en-US" sz="3200" spc="-1" strike="noStrike">
+              <a:latin typeface="Arial"/>
+            </a:endParaRPr>
+          </a:p>
+        </p:txBody>
+      </p:sp>
+      <p:sp>
+        <p:nvSpPr>
+          <p:cNvPr id="60" name="PlaceHolder 4"/>
           <p:cNvSpPr>
             <a:spLocks noGrp="1"/>
           </p:cNvSpPr>
@@ -1528,8 +1437,8 @@
         </p:nvSpPr>
         <p:spPr>
           <a:xfrm>
-            <a:off x="838080" y="4098240"/>
-            <a:ext cx="10515240" cy="2075040"/>
+            <a:off x="609480" y="3682080"/>
+            <a:ext cx="10972440" cy="1896840"/>
           </a:xfrm>
           <a:prstGeom prst="rect">
             <a:avLst/>
@@ -1540,11 +1449,8 @@
             <a:normAutofit/>
           </a:bodyPr>
           <a:p>
-            <a:endParaRPr b="0" lang="de-DE" sz="2800" spc="-1" strike="noStrike">
-              <a:solidFill>
-                <a:srgbClr val="ffffff"/>
-              </a:solidFill>
-              <a:latin typeface="Calibri"/>
+            <a:endParaRPr b="0" lang="en-US" sz="3200" spc="-1" strike="noStrike">
+              <a:latin typeface="Arial"/>
             </a:endParaRPr>
           </a:p>
         </p:txBody>
@@ -1573,7 +1479,7 @@
       </p:grpSpPr>
       <p:sp>
         <p:nvSpPr>
-          <p:cNvPr id="67" name="PlaceHolder 1"/>
+          <p:cNvPr id="61" name="PlaceHolder 1"/>
           <p:cNvSpPr>
             <a:spLocks noGrp="1"/>
           </p:cNvSpPr>
@@ -1583,8 +1489,8 @@
         </p:nvSpPr>
         <p:spPr>
           <a:xfrm>
-            <a:off x="838080" y="365040"/>
-            <a:ext cx="10515240" cy="1325160"/>
+            <a:off x="609480" y="273600"/>
+            <a:ext cx="10972440" cy="1144800"/>
           </a:xfrm>
           <a:prstGeom prst="rect">
             <a:avLst/>
@@ -1593,18 +1499,16 @@
         <p:txBody>
           <a:bodyPr lIns="0" rIns="0" tIns="0" bIns="0" anchor="ctr"/>
           <a:p>
-            <a:endParaRPr b="0" lang="de-DE" sz="1800" spc="-1" strike="noStrike">
-              <a:solidFill>
-                <a:srgbClr val="000000"/>
-              </a:solidFill>
-              <a:latin typeface="Calibri"/>
-            </a:endParaRPr>
-          </a:p>
-        </p:txBody>
-      </p:sp>
-      <p:sp>
-        <p:nvSpPr>
-          <p:cNvPr id="68" name="PlaceHolder 2"/>
+            <a:pPr algn="ctr"/>
+            <a:endParaRPr b="0" lang="en-US" sz="4400" spc="-1" strike="noStrike">
+              <a:latin typeface="Arial"/>
+            </a:endParaRPr>
+          </a:p>
+        </p:txBody>
+      </p:sp>
+      <p:sp>
+        <p:nvSpPr>
+          <p:cNvPr id="62" name="PlaceHolder 2"/>
           <p:cNvSpPr>
             <a:spLocks noGrp="1"/>
           </p:cNvSpPr>
@@ -1614,8 +1518,8 @@
         </p:nvSpPr>
         <p:spPr>
           <a:xfrm>
-            <a:off x="838080" y="1825560"/>
-            <a:ext cx="10515240" cy="2075040"/>
+            <a:off x="609480" y="1604520"/>
+            <a:ext cx="10972440" cy="1896840"/>
           </a:xfrm>
           <a:prstGeom prst="rect">
             <a:avLst/>
@@ -1626,18 +1530,15 @@
             <a:normAutofit/>
           </a:bodyPr>
           <a:p>
-            <a:endParaRPr b="0" lang="de-DE" sz="2800" spc="-1" strike="noStrike">
-              <a:solidFill>
-                <a:srgbClr val="ffffff"/>
-              </a:solidFill>
-              <a:latin typeface="Calibri"/>
-            </a:endParaRPr>
-          </a:p>
-        </p:txBody>
-      </p:sp>
-      <p:sp>
-        <p:nvSpPr>
-          <p:cNvPr id="69" name="PlaceHolder 3"/>
+            <a:endParaRPr b="0" lang="en-US" sz="3200" spc="-1" strike="noStrike">
+              <a:latin typeface="Arial"/>
+            </a:endParaRPr>
+          </a:p>
+        </p:txBody>
+      </p:sp>
+      <p:sp>
+        <p:nvSpPr>
+          <p:cNvPr id="63" name="PlaceHolder 3"/>
           <p:cNvSpPr>
             <a:spLocks noGrp="1"/>
           </p:cNvSpPr>
@@ -1647,8 +1548,8 @@
         </p:nvSpPr>
         <p:spPr>
           <a:xfrm>
-            <a:off x="838080" y="4098240"/>
-            <a:ext cx="10515240" cy="2075040"/>
+            <a:off x="609480" y="3682080"/>
+            <a:ext cx="10972440" cy="1896840"/>
           </a:xfrm>
           <a:prstGeom prst="rect">
             <a:avLst/>
@@ -1659,11 +1560,8 @@
             <a:normAutofit/>
           </a:bodyPr>
           <a:p>
-            <a:endParaRPr b="0" lang="de-DE" sz="2800" spc="-1" strike="noStrike">
-              <a:solidFill>
-                <a:srgbClr val="ffffff"/>
-              </a:solidFill>
-              <a:latin typeface="Calibri"/>
+            <a:endParaRPr b="0" lang="en-US" sz="3200" spc="-1" strike="noStrike">
+              <a:latin typeface="Arial"/>
             </a:endParaRPr>
           </a:p>
         </p:txBody>
@@ -1692,7 +1590,7 @@
       </p:grpSpPr>
       <p:sp>
         <p:nvSpPr>
-          <p:cNvPr id="70" name="PlaceHolder 1"/>
+          <p:cNvPr id="64" name="PlaceHolder 1"/>
           <p:cNvSpPr>
             <a:spLocks noGrp="1"/>
           </p:cNvSpPr>
@@ -1702,8 +1600,8 @@
         </p:nvSpPr>
         <p:spPr>
           <a:xfrm>
-            <a:off x="838080" y="365040"/>
-            <a:ext cx="10515240" cy="1325160"/>
+            <a:off x="609480" y="273600"/>
+            <a:ext cx="10972440" cy="1144800"/>
           </a:xfrm>
           <a:prstGeom prst="rect">
             <a:avLst/>
@@ -1712,18 +1610,16 @@
         <p:txBody>
           <a:bodyPr lIns="0" rIns="0" tIns="0" bIns="0" anchor="ctr"/>
           <a:p>
-            <a:endParaRPr b="0" lang="de-DE" sz="1800" spc="-1" strike="noStrike">
-              <a:solidFill>
-                <a:srgbClr val="000000"/>
-              </a:solidFill>
-              <a:latin typeface="Calibri"/>
-            </a:endParaRPr>
-          </a:p>
-        </p:txBody>
-      </p:sp>
-      <p:sp>
-        <p:nvSpPr>
-          <p:cNvPr id="71" name="PlaceHolder 2"/>
+            <a:pPr algn="ctr"/>
+            <a:endParaRPr b="0" lang="en-US" sz="4400" spc="-1" strike="noStrike">
+              <a:latin typeface="Arial"/>
+            </a:endParaRPr>
+          </a:p>
+        </p:txBody>
+      </p:sp>
+      <p:sp>
+        <p:nvSpPr>
+          <p:cNvPr id="65" name="PlaceHolder 2"/>
           <p:cNvSpPr>
             <a:spLocks noGrp="1"/>
           </p:cNvSpPr>
@@ -1733,8 +1629,8 @@
         </p:nvSpPr>
         <p:spPr>
           <a:xfrm>
-            <a:off x="838080" y="1825560"/>
-            <a:ext cx="5131080" cy="2075040"/>
+            <a:off x="609480" y="1604520"/>
+            <a:ext cx="5354280" cy="1896840"/>
           </a:xfrm>
           <a:prstGeom prst="rect">
             <a:avLst/>
@@ -1745,18 +1641,15 @@
             <a:normAutofit/>
           </a:bodyPr>
           <a:p>
-            <a:endParaRPr b="0" lang="de-DE" sz="2800" spc="-1" strike="noStrike">
-              <a:solidFill>
-                <a:srgbClr val="ffffff"/>
-              </a:solidFill>
-              <a:latin typeface="Calibri"/>
-            </a:endParaRPr>
-          </a:p>
-        </p:txBody>
-      </p:sp>
-      <p:sp>
-        <p:nvSpPr>
-          <p:cNvPr id="72" name="PlaceHolder 3"/>
+            <a:endParaRPr b="0" lang="en-US" sz="3200" spc="-1" strike="noStrike">
+              <a:latin typeface="Arial"/>
+            </a:endParaRPr>
+          </a:p>
+        </p:txBody>
+      </p:sp>
+      <p:sp>
+        <p:nvSpPr>
+          <p:cNvPr id="66" name="PlaceHolder 3"/>
           <p:cNvSpPr>
             <a:spLocks noGrp="1"/>
           </p:cNvSpPr>
@@ -1766,8 +1659,8 @@
         </p:nvSpPr>
         <p:spPr>
           <a:xfrm>
-            <a:off x="6226200" y="1825560"/>
-            <a:ext cx="5131080" cy="2075040"/>
+            <a:off x="6231960" y="1604520"/>
+            <a:ext cx="5354280" cy="1896840"/>
           </a:xfrm>
           <a:prstGeom prst="rect">
             <a:avLst/>
@@ -1778,18 +1671,15 @@
             <a:normAutofit/>
           </a:bodyPr>
           <a:p>
-            <a:endParaRPr b="0" lang="de-DE" sz="2800" spc="-1" strike="noStrike">
-              <a:solidFill>
-                <a:srgbClr val="ffffff"/>
-              </a:solidFill>
-              <a:latin typeface="Calibri"/>
-            </a:endParaRPr>
-          </a:p>
-        </p:txBody>
-      </p:sp>
-      <p:sp>
-        <p:nvSpPr>
-          <p:cNvPr id="73" name="PlaceHolder 4"/>
+            <a:endParaRPr b="0" lang="en-US" sz="3200" spc="-1" strike="noStrike">
+              <a:latin typeface="Arial"/>
+            </a:endParaRPr>
+          </a:p>
+        </p:txBody>
+      </p:sp>
+      <p:sp>
+        <p:nvSpPr>
+          <p:cNvPr id="67" name="PlaceHolder 4"/>
           <p:cNvSpPr>
             <a:spLocks noGrp="1"/>
           </p:cNvSpPr>
@@ -1799,8 +1689,8 @@
         </p:nvSpPr>
         <p:spPr>
           <a:xfrm>
-            <a:off x="838080" y="4098240"/>
-            <a:ext cx="5131080" cy="2075040"/>
+            <a:off x="609480" y="3682080"/>
+            <a:ext cx="5354280" cy="1896840"/>
           </a:xfrm>
           <a:prstGeom prst="rect">
             <a:avLst/>
@@ -1811,18 +1701,15 @@
             <a:normAutofit/>
           </a:bodyPr>
           <a:p>
-            <a:endParaRPr b="0" lang="de-DE" sz="2800" spc="-1" strike="noStrike">
-              <a:solidFill>
-                <a:srgbClr val="ffffff"/>
-              </a:solidFill>
-              <a:latin typeface="Calibri"/>
-            </a:endParaRPr>
-          </a:p>
-        </p:txBody>
-      </p:sp>
-      <p:sp>
-        <p:nvSpPr>
-          <p:cNvPr id="74" name="PlaceHolder 5"/>
+            <a:endParaRPr b="0" lang="en-US" sz="3200" spc="-1" strike="noStrike">
+              <a:latin typeface="Arial"/>
+            </a:endParaRPr>
+          </a:p>
+        </p:txBody>
+      </p:sp>
+      <p:sp>
+        <p:nvSpPr>
+          <p:cNvPr id="68" name="PlaceHolder 5"/>
           <p:cNvSpPr>
             <a:spLocks noGrp="1"/>
           </p:cNvSpPr>
@@ -1832,8 +1719,8 @@
         </p:nvSpPr>
         <p:spPr>
           <a:xfrm>
-            <a:off x="6226200" y="4098240"/>
-            <a:ext cx="5131080" cy="2075040"/>
+            <a:off x="6231960" y="3682080"/>
+            <a:ext cx="5354280" cy="1896840"/>
           </a:xfrm>
           <a:prstGeom prst="rect">
             <a:avLst/>
@@ -1844,11 +1731,8 @@
             <a:normAutofit/>
           </a:bodyPr>
           <a:p>
-            <a:endParaRPr b="0" lang="de-DE" sz="2800" spc="-1" strike="noStrike">
-              <a:solidFill>
-                <a:srgbClr val="ffffff"/>
-              </a:solidFill>
-              <a:latin typeface="Calibri"/>
+            <a:endParaRPr b="0" lang="en-US" sz="3200" spc="-1" strike="noStrike">
+              <a:latin typeface="Arial"/>
             </a:endParaRPr>
           </a:p>
         </p:txBody>
@@ -1877,7 +1761,7 @@
       </p:grpSpPr>
       <p:sp>
         <p:nvSpPr>
-          <p:cNvPr id="75" name="PlaceHolder 1"/>
+          <p:cNvPr id="69" name="PlaceHolder 1"/>
           <p:cNvSpPr>
             <a:spLocks noGrp="1"/>
           </p:cNvSpPr>
@@ -1887,8 +1771,8 @@
         </p:nvSpPr>
         <p:spPr>
           <a:xfrm>
-            <a:off x="838080" y="365040"/>
-            <a:ext cx="10515240" cy="1325160"/>
+            <a:off x="609480" y="273600"/>
+            <a:ext cx="10972440" cy="1144800"/>
           </a:xfrm>
           <a:prstGeom prst="rect">
             <a:avLst/>
@@ -1897,18 +1781,16 @@
         <p:txBody>
           <a:bodyPr lIns="0" rIns="0" tIns="0" bIns="0" anchor="ctr"/>
           <a:p>
-            <a:endParaRPr b="0" lang="de-DE" sz="1800" spc="-1" strike="noStrike">
-              <a:solidFill>
-                <a:srgbClr val="000000"/>
-              </a:solidFill>
-              <a:latin typeface="Calibri"/>
-            </a:endParaRPr>
-          </a:p>
-        </p:txBody>
-      </p:sp>
-      <p:sp>
-        <p:nvSpPr>
-          <p:cNvPr id="76" name="PlaceHolder 2"/>
+            <a:pPr algn="ctr"/>
+            <a:endParaRPr b="0" lang="en-US" sz="4400" spc="-1" strike="noStrike">
+              <a:latin typeface="Arial"/>
+            </a:endParaRPr>
+          </a:p>
+        </p:txBody>
+      </p:sp>
+      <p:sp>
+        <p:nvSpPr>
+          <p:cNvPr id="70" name="PlaceHolder 2"/>
           <p:cNvSpPr>
             <a:spLocks noGrp="1"/>
           </p:cNvSpPr>
@@ -1918,8 +1800,8 @@
         </p:nvSpPr>
         <p:spPr>
           <a:xfrm>
-            <a:off x="838080" y="1825560"/>
-            <a:ext cx="3385800" cy="2075040"/>
+            <a:off x="609480" y="1604520"/>
+            <a:ext cx="3533040" cy="1896840"/>
           </a:xfrm>
           <a:prstGeom prst="rect">
             <a:avLst/>
@@ -1930,18 +1812,15 @@
             <a:normAutofit/>
           </a:bodyPr>
           <a:p>
-            <a:endParaRPr b="0" lang="de-DE" sz="2800" spc="-1" strike="noStrike">
-              <a:solidFill>
-                <a:srgbClr val="ffffff"/>
-              </a:solidFill>
-              <a:latin typeface="Calibri"/>
-            </a:endParaRPr>
-          </a:p>
-        </p:txBody>
-      </p:sp>
-      <p:sp>
-        <p:nvSpPr>
-          <p:cNvPr id="77" name="PlaceHolder 3"/>
+            <a:endParaRPr b="0" lang="en-US" sz="3200" spc="-1" strike="noStrike">
+              <a:latin typeface="Arial"/>
+            </a:endParaRPr>
+          </a:p>
+        </p:txBody>
+      </p:sp>
+      <p:sp>
+        <p:nvSpPr>
+          <p:cNvPr id="71" name="PlaceHolder 3"/>
           <p:cNvSpPr>
             <a:spLocks noGrp="1"/>
           </p:cNvSpPr>
@@ -1951,8 +1830,8 @@
         </p:nvSpPr>
         <p:spPr>
           <a:xfrm>
-            <a:off x="4393440" y="1825560"/>
-            <a:ext cx="3385800" cy="2075040"/>
+            <a:off x="4319640" y="1604520"/>
+            <a:ext cx="3533040" cy="1896840"/>
           </a:xfrm>
           <a:prstGeom prst="rect">
             <a:avLst/>
@@ -1963,18 +1842,15 @@
             <a:normAutofit/>
           </a:bodyPr>
           <a:p>
-            <a:endParaRPr b="0" lang="de-DE" sz="2800" spc="-1" strike="noStrike">
-              <a:solidFill>
-                <a:srgbClr val="ffffff"/>
-              </a:solidFill>
-              <a:latin typeface="Calibri"/>
-            </a:endParaRPr>
-          </a:p>
-        </p:txBody>
-      </p:sp>
-      <p:sp>
-        <p:nvSpPr>
-          <p:cNvPr id="78" name="PlaceHolder 4"/>
+            <a:endParaRPr b="0" lang="en-US" sz="3200" spc="-1" strike="noStrike">
+              <a:latin typeface="Arial"/>
+            </a:endParaRPr>
+          </a:p>
+        </p:txBody>
+      </p:sp>
+      <p:sp>
+        <p:nvSpPr>
+          <p:cNvPr id="72" name="PlaceHolder 4"/>
           <p:cNvSpPr>
             <a:spLocks noGrp="1"/>
           </p:cNvSpPr>
@@ -1984,8 +1860,8 @@
         </p:nvSpPr>
         <p:spPr>
           <a:xfrm>
-            <a:off x="7949160" y="1825560"/>
-            <a:ext cx="3385800" cy="2075040"/>
+            <a:off x="8029800" y="1604520"/>
+            <a:ext cx="3533040" cy="1896840"/>
           </a:xfrm>
           <a:prstGeom prst="rect">
             <a:avLst/>
@@ -1996,18 +1872,15 @@
             <a:normAutofit/>
           </a:bodyPr>
           <a:p>
-            <a:endParaRPr b="0" lang="de-DE" sz="2800" spc="-1" strike="noStrike">
-              <a:solidFill>
-                <a:srgbClr val="ffffff"/>
-              </a:solidFill>
-              <a:latin typeface="Calibri"/>
-            </a:endParaRPr>
-          </a:p>
-        </p:txBody>
-      </p:sp>
-      <p:sp>
-        <p:nvSpPr>
-          <p:cNvPr id="79" name="PlaceHolder 5"/>
+            <a:endParaRPr b="0" lang="en-US" sz="3200" spc="-1" strike="noStrike">
+              <a:latin typeface="Arial"/>
+            </a:endParaRPr>
+          </a:p>
+        </p:txBody>
+      </p:sp>
+      <p:sp>
+        <p:nvSpPr>
+          <p:cNvPr id="73" name="PlaceHolder 5"/>
           <p:cNvSpPr>
             <a:spLocks noGrp="1"/>
           </p:cNvSpPr>
@@ -2017,8 +1890,8 @@
         </p:nvSpPr>
         <p:spPr>
           <a:xfrm>
-            <a:off x="838080" y="4098240"/>
-            <a:ext cx="3385800" cy="2075040"/>
+            <a:off x="609480" y="3682080"/>
+            <a:ext cx="3533040" cy="1896840"/>
           </a:xfrm>
           <a:prstGeom prst="rect">
             <a:avLst/>
@@ -2029,18 +1902,15 @@
             <a:normAutofit/>
           </a:bodyPr>
           <a:p>
-            <a:endParaRPr b="0" lang="de-DE" sz="2800" spc="-1" strike="noStrike">
-              <a:solidFill>
-                <a:srgbClr val="ffffff"/>
-              </a:solidFill>
-              <a:latin typeface="Calibri"/>
-            </a:endParaRPr>
-          </a:p>
-        </p:txBody>
-      </p:sp>
-      <p:sp>
-        <p:nvSpPr>
-          <p:cNvPr id="80" name="PlaceHolder 6"/>
+            <a:endParaRPr b="0" lang="en-US" sz="3200" spc="-1" strike="noStrike">
+              <a:latin typeface="Arial"/>
+            </a:endParaRPr>
+          </a:p>
+        </p:txBody>
+      </p:sp>
+      <p:sp>
+        <p:nvSpPr>
+          <p:cNvPr id="74" name="PlaceHolder 6"/>
           <p:cNvSpPr>
             <a:spLocks noGrp="1"/>
           </p:cNvSpPr>
@@ -2050,8 +1920,8 @@
         </p:nvSpPr>
         <p:spPr>
           <a:xfrm>
-            <a:off x="4393440" y="4098240"/>
-            <a:ext cx="3385800" cy="2075040"/>
+            <a:off x="4319640" y="3682080"/>
+            <a:ext cx="3533040" cy="1896840"/>
           </a:xfrm>
           <a:prstGeom prst="rect">
             <a:avLst/>
@@ -2062,18 +1932,15 @@
             <a:normAutofit/>
           </a:bodyPr>
           <a:p>
-            <a:endParaRPr b="0" lang="de-DE" sz="2800" spc="-1" strike="noStrike">
-              <a:solidFill>
-                <a:srgbClr val="ffffff"/>
-              </a:solidFill>
-              <a:latin typeface="Calibri"/>
-            </a:endParaRPr>
-          </a:p>
-        </p:txBody>
-      </p:sp>
-      <p:sp>
-        <p:nvSpPr>
-          <p:cNvPr id="81" name="PlaceHolder 7"/>
+            <a:endParaRPr b="0" lang="en-US" sz="3200" spc="-1" strike="noStrike">
+              <a:latin typeface="Arial"/>
+            </a:endParaRPr>
+          </a:p>
+        </p:txBody>
+      </p:sp>
+      <p:sp>
+        <p:nvSpPr>
+          <p:cNvPr id="75" name="PlaceHolder 7"/>
           <p:cNvSpPr>
             <a:spLocks noGrp="1"/>
           </p:cNvSpPr>
@@ -2083,8 +1950,8 @@
         </p:nvSpPr>
         <p:spPr>
           <a:xfrm>
-            <a:off x="7949160" y="4098240"/>
-            <a:ext cx="3385800" cy="2075040"/>
+            <a:off x="8029800" y="3682080"/>
+            <a:ext cx="3533040" cy="1896840"/>
           </a:xfrm>
           <a:prstGeom prst="rect">
             <a:avLst/>
@@ -2095,11 +1962,8 @@
             <a:normAutofit/>
           </a:bodyPr>
           <a:p>
-            <a:endParaRPr b="0" lang="de-DE" sz="2800" spc="-1" strike="noStrike">
-              <a:solidFill>
-                <a:srgbClr val="ffffff"/>
-              </a:solidFill>
-              <a:latin typeface="Calibri"/>
+            <a:endParaRPr b="0" lang="en-US" sz="3200" spc="-1" strike="noStrike">
+              <a:latin typeface="Arial"/>
             </a:endParaRPr>
           </a:p>
         </p:txBody>
@@ -2150,7 +2014,7 @@
       </p:grpSpPr>
       <p:sp>
         <p:nvSpPr>
-          <p:cNvPr id="90" name="PlaceHolder 1"/>
+          <p:cNvPr id="78" name="PlaceHolder 1"/>
           <p:cNvSpPr>
             <a:spLocks noGrp="1"/>
           </p:cNvSpPr>
@@ -2160,8 +2024,8 @@
         </p:nvSpPr>
         <p:spPr>
           <a:xfrm>
-            <a:off x="838080" y="365040"/>
-            <a:ext cx="10515240" cy="1325160"/>
+            <a:off x="609480" y="273600"/>
+            <a:ext cx="10972440" cy="1144800"/>
           </a:xfrm>
           <a:prstGeom prst="rect">
             <a:avLst/>
@@ -2170,18 +2034,16 @@
         <p:txBody>
           <a:bodyPr lIns="0" rIns="0" tIns="0" bIns="0" anchor="ctr"/>
           <a:p>
-            <a:endParaRPr b="0" lang="de-DE" sz="1800" spc="-1" strike="noStrike">
-              <a:solidFill>
-                <a:srgbClr val="000000"/>
-              </a:solidFill>
-              <a:latin typeface="Calibri"/>
-            </a:endParaRPr>
-          </a:p>
-        </p:txBody>
-      </p:sp>
-      <p:sp>
-        <p:nvSpPr>
-          <p:cNvPr id="91" name="PlaceHolder 2"/>
+            <a:pPr algn="ctr"/>
+            <a:endParaRPr b="0" lang="en-US" sz="4400" spc="-1" strike="noStrike">
+              <a:latin typeface="Arial"/>
+            </a:endParaRPr>
+          </a:p>
+        </p:txBody>
+      </p:sp>
+      <p:sp>
+        <p:nvSpPr>
+          <p:cNvPr id="79" name="PlaceHolder 2"/>
           <p:cNvSpPr>
             <a:spLocks noGrp="1"/>
           </p:cNvSpPr>
@@ -2191,8 +2053,8 @@
         </p:nvSpPr>
         <p:spPr>
           <a:xfrm>
-            <a:off x="838080" y="1825560"/>
-            <a:ext cx="10515240" cy="4350960"/>
+            <a:off x="609480" y="1604520"/>
+            <a:ext cx="10972440" cy="3977280"/>
           </a:xfrm>
           <a:prstGeom prst="rect">
             <a:avLst/>
@@ -2232,7 +2094,7 @@
       </p:grpSpPr>
       <p:sp>
         <p:nvSpPr>
-          <p:cNvPr id="92" name="PlaceHolder 1"/>
+          <p:cNvPr id="80" name="PlaceHolder 1"/>
           <p:cNvSpPr>
             <a:spLocks noGrp="1"/>
           </p:cNvSpPr>
@@ -2242,8 +2104,8 @@
         </p:nvSpPr>
         <p:spPr>
           <a:xfrm>
-            <a:off x="838080" y="365040"/>
-            <a:ext cx="10515240" cy="1325160"/>
+            <a:off x="609480" y="273600"/>
+            <a:ext cx="10972440" cy="1144800"/>
           </a:xfrm>
           <a:prstGeom prst="rect">
             <a:avLst/>
@@ -2252,18 +2114,16 @@
         <p:txBody>
           <a:bodyPr lIns="0" rIns="0" tIns="0" bIns="0" anchor="ctr"/>
           <a:p>
-            <a:endParaRPr b="0" lang="de-DE" sz="1800" spc="-1" strike="noStrike">
-              <a:solidFill>
-                <a:srgbClr val="000000"/>
-              </a:solidFill>
-              <a:latin typeface="Calibri"/>
-            </a:endParaRPr>
-          </a:p>
-        </p:txBody>
-      </p:sp>
-      <p:sp>
-        <p:nvSpPr>
-          <p:cNvPr id="93" name="PlaceHolder 2"/>
+            <a:pPr algn="ctr"/>
+            <a:endParaRPr b="0" lang="en-US" sz="4400" spc="-1" strike="noStrike">
+              <a:latin typeface="Arial"/>
+            </a:endParaRPr>
+          </a:p>
+        </p:txBody>
+      </p:sp>
+      <p:sp>
+        <p:nvSpPr>
+          <p:cNvPr id="81" name="PlaceHolder 2"/>
           <p:cNvSpPr>
             <a:spLocks noGrp="1"/>
           </p:cNvSpPr>
@@ -2273,8 +2133,8 @@
         </p:nvSpPr>
         <p:spPr>
           <a:xfrm>
-            <a:off x="838080" y="1825560"/>
-            <a:ext cx="10515240" cy="4350960"/>
+            <a:off x="609480" y="1604520"/>
+            <a:ext cx="10972440" cy="3977280"/>
           </a:xfrm>
           <a:prstGeom prst="rect">
             <a:avLst/>
@@ -2285,11 +2145,8 @@
             <a:normAutofit/>
           </a:bodyPr>
           <a:p>
-            <a:endParaRPr b="0" lang="de-DE" sz="2800" spc="-1" strike="noStrike">
-              <a:solidFill>
-                <a:srgbClr val="ffffff"/>
-              </a:solidFill>
-              <a:latin typeface="Calibri"/>
+            <a:endParaRPr b="0" lang="en-US" sz="3200" spc="-1" strike="noStrike">
+              <a:latin typeface="Arial"/>
             </a:endParaRPr>
           </a:p>
         </p:txBody>
@@ -2318,7 +2175,7 @@
       </p:grpSpPr>
       <p:sp>
         <p:nvSpPr>
-          <p:cNvPr id="94" name="PlaceHolder 1"/>
+          <p:cNvPr id="82" name="PlaceHolder 1"/>
           <p:cNvSpPr>
             <a:spLocks noGrp="1"/>
           </p:cNvSpPr>
@@ -2328,8 +2185,8 @@
         </p:nvSpPr>
         <p:spPr>
           <a:xfrm>
-            <a:off x="838080" y="365040"/>
-            <a:ext cx="10515240" cy="1325160"/>
+            <a:off x="609480" y="273600"/>
+            <a:ext cx="10972440" cy="1144800"/>
           </a:xfrm>
           <a:prstGeom prst="rect">
             <a:avLst/>
@@ -2338,18 +2195,16 @@
         <p:txBody>
           <a:bodyPr lIns="0" rIns="0" tIns="0" bIns="0" anchor="ctr"/>
           <a:p>
-            <a:endParaRPr b="0" lang="de-DE" sz="1800" spc="-1" strike="noStrike">
-              <a:solidFill>
-                <a:srgbClr val="000000"/>
-              </a:solidFill>
-              <a:latin typeface="Calibri"/>
-            </a:endParaRPr>
-          </a:p>
-        </p:txBody>
-      </p:sp>
-      <p:sp>
-        <p:nvSpPr>
-          <p:cNvPr id="95" name="PlaceHolder 2"/>
+            <a:pPr algn="ctr"/>
+            <a:endParaRPr b="0" lang="en-US" sz="4400" spc="-1" strike="noStrike">
+              <a:latin typeface="Arial"/>
+            </a:endParaRPr>
+          </a:p>
+        </p:txBody>
+      </p:sp>
+      <p:sp>
+        <p:nvSpPr>
+          <p:cNvPr id="83" name="PlaceHolder 2"/>
           <p:cNvSpPr>
             <a:spLocks noGrp="1"/>
           </p:cNvSpPr>
@@ -2359,8 +2214,8 @@
         </p:nvSpPr>
         <p:spPr>
           <a:xfrm>
-            <a:off x="838080" y="1825560"/>
-            <a:ext cx="5131080" cy="4350960"/>
+            <a:off x="609480" y="1604520"/>
+            <a:ext cx="5354280" cy="3977280"/>
           </a:xfrm>
           <a:prstGeom prst="rect">
             <a:avLst/>
@@ -2371,18 +2226,15 @@
             <a:normAutofit/>
           </a:bodyPr>
           <a:p>
-            <a:endParaRPr b="0" lang="de-DE" sz="2800" spc="-1" strike="noStrike">
-              <a:solidFill>
-                <a:srgbClr val="ffffff"/>
-              </a:solidFill>
-              <a:latin typeface="Calibri"/>
-            </a:endParaRPr>
-          </a:p>
-        </p:txBody>
-      </p:sp>
-      <p:sp>
-        <p:nvSpPr>
-          <p:cNvPr id="96" name="PlaceHolder 3"/>
+            <a:endParaRPr b="0" lang="en-US" sz="3200" spc="-1" strike="noStrike">
+              <a:latin typeface="Arial"/>
+            </a:endParaRPr>
+          </a:p>
+        </p:txBody>
+      </p:sp>
+      <p:sp>
+        <p:nvSpPr>
+          <p:cNvPr id="84" name="PlaceHolder 3"/>
           <p:cNvSpPr>
             <a:spLocks noGrp="1"/>
           </p:cNvSpPr>
@@ -2392,8 +2244,8 @@
         </p:nvSpPr>
         <p:spPr>
           <a:xfrm>
-            <a:off x="6226200" y="1825560"/>
-            <a:ext cx="5131080" cy="4350960"/>
+            <a:off x="6231960" y="1604520"/>
+            <a:ext cx="5354280" cy="3977280"/>
           </a:xfrm>
           <a:prstGeom prst="rect">
             <a:avLst/>
@@ -2404,11 +2256,8 @@
             <a:normAutofit/>
           </a:bodyPr>
           <a:p>
-            <a:endParaRPr b="0" lang="de-DE" sz="2800" spc="-1" strike="noStrike">
-              <a:solidFill>
-                <a:srgbClr val="ffffff"/>
-              </a:solidFill>
-              <a:latin typeface="Calibri"/>
+            <a:endParaRPr b="0" lang="en-US" sz="3200" spc="-1" strike="noStrike">
+              <a:latin typeface="Arial"/>
             </a:endParaRPr>
           </a:p>
         </p:txBody>
@@ -2437,7 +2286,7 @@
       </p:grpSpPr>
       <p:sp>
         <p:nvSpPr>
-          <p:cNvPr id="97" name="PlaceHolder 1"/>
+          <p:cNvPr id="85" name="PlaceHolder 1"/>
           <p:cNvSpPr>
             <a:spLocks noGrp="1"/>
           </p:cNvSpPr>
@@ -2447,8 +2296,8 @@
         </p:nvSpPr>
         <p:spPr>
           <a:xfrm>
-            <a:off x="838080" y="365040"/>
-            <a:ext cx="10515240" cy="1325160"/>
+            <a:off x="609480" y="273600"/>
+            <a:ext cx="10972440" cy="1144800"/>
           </a:xfrm>
           <a:prstGeom prst="rect">
             <a:avLst/>
@@ -2457,11 +2306,9 @@
         <p:txBody>
           <a:bodyPr lIns="0" rIns="0" tIns="0" bIns="0" anchor="ctr"/>
           <a:p>
-            <a:endParaRPr b="0" lang="de-DE" sz="1800" spc="-1" strike="noStrike">
-              <a:solidFill>
-                <a:srgbClr val="000000"/>
-              </a:solidFill>
-              <a:latin typeface="Calibri"/>
+            <a:pPr algn="ctr"/>
+            <a:endParaRPr b="0" lang="en-US" sz="4400" spc="-1" strike="noStrike">
+              <a:latin typeface="Arial"/>
             </a:endParaRPr>
           </a:p>
         </p:txBody>
@@ -2490,7 +2337,7 @@
       </p:grpSpPr>
       <p:sp>
         <p:nvSpPr>
-          <p:cNvPr id="7" name="PlaceHolder 1"/>
+          <p:cNvPr id="4" name="PlaceHolder 1"/>
           <p:cNvSpPr>
             <a:spLocks noGrp="1"/>
           </p:cNvSpPr>
@@ -2500,8 +2347,8 @@
         </p:nvSpPr>
         <p:spPr>
           <a:xfrm>
-            <a:off x="838080" y="365040"/>
-            <a:ext cx="10515240" cy="1325160"/>
+            <a:off x="609480" y="273600"/>
+            <a:ext cx="10972440" cy="1144800"/>
           </a:xfrm>
           <a:prstGeom prst="rect">
             <a:avLst/>
@@ -2510,18 +2357,16 @@
         <p:txBody>
           <a:bodyPr lIns="0" rIns="0" tIns="0" bIns="0" anchor="ctr"/>
           <a:p>
-            <a:endParaRPr b="0" lang="de-DE" sz="1800" spc="-1" strike="noStrike">
-              <a:solidFill>
-                <a:srgbClr val="000000"/>
-              </a:solidFill>
-              <a:latin typeface="Calibri"/>
-            </a:endParaRPr>
-          </a:p>
-        </p:txBody>
-      </p:sp>
-      <p:sp>
-        <p:nvSpPr>
-          <p:cNvPr id="8" name="PlaceHolder 2"/>
+            <a:pPr algn="ctr"/>
+            <a:endParaRPr b="0" lang="en-US" sz="4400" spc="-1" strike="noStrike">
+              <a:latin typeface="Arial"/>
+            </a:endParaRPr>
+          </a:p>
+        </p:txBody>
+      </p:sp>
+      <p:sp>
+        <p:nvSpPr>
+          <p:cNvPr id="5" name="PlaceHolder 2"/>
           <p:cNvSpPr>
             <a:spLocks noGrp="1"/>
           </p:cNvSpPr>
@@ -2531,8 +2376,8 @@
         </p:nvSpPr>
         <p:spPr>
           <a:xfrm>
-            <a:off x="838080" y="1825560"/>
-            <a:ext cx="10515240" cy="4350960"/>
+            <a:off x="609480" y="1604520"/>
+            <a:ext cx="10972440" cy="3977280"/>
           </a:xfrm>
           <a:prstGeom prst="rect">
             <a:avLst/>
@@ -2543,11 +2388,8 @@
             <a:normAutofit/>
           </a:bodyPr>
           <a:p>
-            <a:endParaRPr b="0" lang="de-DE" sz="2800" spc="-1" strike="noStrike">
-              <a:solidFill>
-                <a:srgbClr val="ffffff"/>
-              </a:solidFill>
-              <a:latin typeface="Calibri"/>
+            <a:endParaRPr b="0" lang="en-US" sz="3200" spc="-1" strike="noStrike">
+              <a:latin typeface="Arial"/>
             </a:endParaRPr>
           </a:p>
         </p:txBody>
@@ -2576,7 +2418,7 @@
       </p:grpSpPr>
       <p:sp>
         <p:nvSpPr>
-          <p:cNvPr id="98" name="PlaceHolder 1"/>
+          <p:cNvPr id="86" name="PlaceHolder 1"/>
           <p:cNvSpPr>
             <a:spLocks noGrp="1"/>
           </p:cNvSpPr>
@@ -2586,8 +2428,8 @@
         </p:nvSpPr>
         <p:spPr>
           <a:xfrm>
-            <a:off x="838080" y="365040"/>
-            <a:ext cx="10515240" cy="6144120"/>
+            <a:off x="609480" y="273600"/>
+            <a:ext cx="10972440" cy="5307840"/>
           </a:xfrm>
           <a:prstGeom prst="rect">
             <a:avLst/>
@@ -2627,7 +2469,7 @@
       </p:grpSpPr>
       <p:sp>
         <p:nvSpPr>
-          <p:cNvPr id="99" name="PlaceHolder 1"/>
+          <p:cNvPr id="87" name="PlaceHolder 1"/>
           <p:cNvSpPr>
             <a:spLocks noGrp="1"/>
           </p:cNvSpPr>
@@ -2637,8 +2479,8 @@
         </p:nvSpPr>
         <p:spPr>
           <a:xfrm>
-            <a:off x="838080" y="365040"/>
-            <a:ext cx="10515240" cy="1325160"/>
+            <a:off x="609480" y="273600"/>
+            <a:ext cx="10972440" cy="1144800"/>
           </a:xfrm>
           <a:prstGeom prst="rect">
             <a:avLst/>
@@ -2647,18 +2489,16 @@
         <p:txBody>
           <a:bodyPr lIns="0" rIns="0" tIns="0" bIns="0" anchor="ctr"/>
           <a:p>
-            <a:endParaRPr b="0" lang="de-DE" sz="1800" spc="-1" strike="noStrike">
-              <a:solidFill>
-                <a:srgbClr val="000000"/>
-              </a:solidFill>
-              <a:latin typeface="Calibri"/>
-            </a:endParaRPr>
-          </a:p>
-        </p:txBody>
-      </p:sp>
-      <p:sp>
-        <p:nvSpPr>
-          <p:cNvPr id="100" name="PlaceHolder 2"/>
+            <a:pPr algn="ctr"/>
+            <a:endParaRPr b="0" lang="en-US" sz="4400" spc="-1" strike="noStrike">
+              <a:latin typeface="Arial"/>
+            </a:endParaRPr>
+          </a:p>
+        </p:txBody>
+      </p:sp>
+      <p:sp>
+        <p:nvSpPr>
+          <p:cNvPr id="88" name="PlaceHolder 2"/>
           <p:cNvSpPr>
             <a:spLocks noGrp="1"/>
           </p:cNvSpPr>
@@ -2668,8 +2508,8 @@
         </p:nvSpPr>
         <p:spPr>
           <a:xfrm>
-            <a:off x="838080" y="1825560"/>
-            <a:ext cx="5131080" cy="2075040"/>
+            <a:off x="609480" y="1604520"/>
+            <a:ext cx="5354280" cy="1896840"/>
           </a:xfrm>
           <a:prstGeom prst="rect">
             <a:avLst/>
@@ -2680,18 +2520,15 @@
             <a:normAutofit/>
           </a:bodyPr>
           <a:p>
-            <a:endParaRPr b="0" lang="de-DE" sz="2800" spc="-1" strike="noStrike">
-              <a:solidFill>
-                <a:srgbClr val="ffffff"/>
-              </a:solidFill>
-              <a:latin typeface="Calibri"/>
-            </a:endParaRPr>
-          </a:p>
-        </p:txBody>
-      </p:sp>
-      <p:sp>
-        <p:nvSpPr>
-          <p:cNvPr id="101" name="PlaceHolder 3"/>
+            <a:endParaRPr b="0" lang="en-US" sz="3200" spc="-1" strike="noStrike">
+              <a:latin typeface="Arial"/>
+            </a:endParaRPr>
+          </a:p>
+        </p:txBody>
+      </p:sp>
+      <p:sp>
+        <p:nvSpPr>
+          <p:cNvPr id="89" name="PlaceHolder 3"/>
           <p:cNvSpPr>
             <a:spLocks noGrp="1"/>
           </p:cNvSpPr>
@@ -2701,8 +2538,8 @@
         </p:nvSpPr>
         <p:spPr>
           <a:xfrm>
-            <a:off x="6226200" y="1825560"/>
-            <a:ext cx="5131080" cy="4350960"/>
+            <a:off x="6231960" y="1604520"/>
+            <a:ext cx="5354280" cy="3977280"/>
           </a:xfrm>
           <a:prstGeom prst="rect">
             <a:avLst/>
@@ -2713,18 +2550,15 @@
             <a:normAutofit/>
           </a:bodyPr>
           <a:p>
-            <a:endParaRPr b="0" lang="de-DE" sz="2800" spc="-1" strike="noStrike">
-              <a:solidFill>
-                <a:srgbClr val="ffffff"/>
-              </a:solidFill>
-              <a:latin typeface="Calibri"/>
-            </a:endParaRPr>
-          </a:p>
-        </p:txBody>
-      </p:sp>
-      <p:sp>
-        <p:nvSpPr>
-          <p:cNvPr id="102" name="PlaceHolder 4"/>
+            <a:endParaRPr b="0" lang="en-US" sz="3200" spc="-1" strike="noStrike">
+              <a:latin typeface="Arial"/>
+            </a:endParaRPr>
+          </a:p>
+        </p:txBody>
+      </p:sp>
+      <p:sp>
+        <p:nvSpPr>
+          <p:cNvPr id="90" name="PlaceHolder 4"/>
           <p:cNvSpPr>
             <a:spLocks noGrp="1"/>
           </p:cNvSpPr>
@@ -2734,8 +2568,8 @@
         </p:nvSpPr>
         <p:spPr>
           <a:xfrm>
-            <a:off x="838080" y="4098240"/>
-            <a:ext cx="5131080" cy="2075040"/>
+            <a:off x="609480" y="3682080"/>
+            <a:ext cx="5354280" cy="1896840"/>
           </a:xfrm>
           <a:prstGeom prst="rect">
             <a:avLst/>
@@ -2746,11 +2580,8 @@
             <a:normAutofit/>
           </a:bodyPr>
           <a:p>
-            <a:endParaRPr b="0" lang="de-DE" sz="2800" spc="-1" strike="noStrike">
-              <a:solidFill>
-                <a:srgbClr val="ffffff"/>
-              </a:solidFill>
-              <a:latin typeface="Calibri"/>
+            <a:endParaRPr b="0" lang="en-US" sz="3200" spc="-1" strike="noStrike">
+              <a:latin typeface="Arial"/>
             </a:endParaRPr>
           </a:p>
         </p:txBody>
@@ -2779,7 +2610,7 @@
       </p:grpSpPr>
       <p:sp>
         <p:nvSpPr>
-          <p:cNvPr id="103" name="PlaceHolder 1"/>
+          <p:cNvPr id="91" name="PlaceHolder 1"/>
           <p:cNvSpPr>
             <a:spLocks noGrp="1"/>
           </p:cNvSpPr>
@@ -2789,8 +2620,8 @@
         </p:nvSpPr>
         <p:spPr>
           <a:xfrm>
-            <a:off x="838080" y="365040"/>
-            <a:ext cx="10515240" cy="1325160"/>
+            <a:off x="609480" y="273600"/>
+            <a:ext cx="10972440" cy="1144800"/>
           </a:xfrm>
           <a:prstGeom prst="rect">
             <a:avLst/>
@@ -2799,18 +2630,16 @@
         <p:txBody>
           <a:bodyPr lIns="0" rIns="0" tIns="0" bIns="0" anchor="ctr"/>
           <a:p>
-            <a:endParaRPr b="0" lang="de-DE" sz="1800" spc="-1" strike="noStrike">
-              <a:solidFill>
-                <a:srgbClr val="000000"/>
-              </a:solidFill>
-              <a:latin typeface="Calibri"/>
-            </a:endParaRPr>
-          </a:p>
-        </p:txBody>
-      </p:sp>
-      <p:sp>
-        <p:nvSpPr>
-          <p:cNvPr id="104" name="PlaceHolder 2"/>
+            <a:pPr algn="ctr"/>
+            <a:endParaRPr b="0" lang="en-US" sz="4400" spc="-1" strike="noStrike">
+              <a:latin typeface="Arial"/>
+            </a:endParaRPr>
+          </a:p>
+        </p:txBody>
+      </p:sp>
+      <p:sp>
+        <p:nvSpPr>
+          <p:cNvPr id="92" name="PlaceHolder 2"/>
           <p:cNvSpPr>
             <a:spLocks noGrp="1"/>
           </p:cNvSpPr>
@@ -2820,8 +2649,8 @@
         </p:nvSpPr>
         <p:spPr>
           <a:xfrm>
-            <a:off x="838080" y="1825560"/>
-            <a:ext cx="5131080" cy="4350960"/>
+            <a:off x="609480" y="1604520"/>
+            <a:ext cx="5354280" cy="3977280"/>
           </a:xfrm>
           <a:prstGeom prst="rect">
             <a:avLst/>
@@ -2832,18 +2661,15 @@
             <a:normAutofit/>
           </a:bodyPr>
           <a:p>
-            <a:endParaRPr b="0" lang="de-DE" sz="2800" spc="-1" strike="noStrike">
-              <a:solidFill>
-                <a:srgbClr val="ffffff"/>
-              </a:solidFill>
-              <a:latin typeface="Calibri"/>
-            </a:endParaRPr>
-          </a:p>
-        </p:txBody>
-      </p:sp>
-      <p:sp>
-        <p:nvSpPr>
-          <p:cNvPr id="105" name="PlaceHolder 3"/>
+            <a:endParaRPr b="0" lang="en-US" sz="3200" spc="-1" strike="noStrike">
+              <a:latin typeface="Arial"/>
+            </a:endParaRPr>
+          </a:p>
+        </p:txBody>
+      </p:sp>
+      <p:sp>
+        <p:nvSpPr>
+          <p:cNvPr id="93" name="PlaceHolder 3"/>
           <p:cNvSpPr>
             <a:spLocks noGrp="1"/>
           </p:cNvSpPr>
@@ -2853,8 +2679,8 @@
         </p:nvSpPr>
         <p:spPr>
           <a:xfrm>
-            <a:off x="6226200" y="1825560"/>
-            <a:ext cx="5131080" cy="2075040"/>
+            <a:off x="6231960" y="1604520"/>
+            <a:ext cx="5354280" cy="1896840"/>
           </a:xfrm>
           <a:prstGeom prst="rect">
             <a:avLst/>
@@ -2865,18 +2691,15 @@
             <a:normAutofit/>
           </a:bodyPr>
           <a:p>
-            <a:endParaRPr b="0" lang="de-DE" sz="2800" spc="-1" strike="noStrike">
-              <a:solidFill>
-                <a:srgbClr val="ffffff"/>
-              </a:solidFill>
-              <a:latin typeface="Calibri"/>
-            </a:endParaRPr>
-          </a:p>
-        </p:txBody>
-      </p:sp>
-      <p:sp>
-        <p:nvSpPr>
-          <p:cNvPr id="106" name="PlaceHolder 4"/>
+            <a:endParaRPr b="0" lang="en-US" sz="3200" spc="-1" strike="noStrike">
+              <a:latin typeface="Arial"/>
+            </a:endParaRPr>
+          </a:p>
+        </p:txBody>
+      </p:sp>
+      <p:sp>
+        <p:nvSpPr>
+          <p:cNvPr id="94" name="PlaceHolder 4"/>
           <p:cNvSpPr>
             <a:spLocks noGrp="1"/>
           </p:cNvSpPr>
@@ -2886,8 +2709,8 @@
         </p:nvSpPr>
         <p:spPr>
           <a:xfrm>
-            <a:off x="6226200" y="4098240"/>
-            <a:ext cx="5131080" cy="2075040"/>
+            <a:off x="6231960" y="3682080"/>
+            <a:ext cx="5354280" cy="1896840"/>
           </a:xfrm>
           <a:prstGeom prst="rect">
             <a:avLst/>
@@ -2898,11 +2721,8 @@
             <a:normAutofit/>
           </a:bodyPr>
           <a:p>
-            <a:endParaRPr b="0" lang="de-DE" sz="2800" spc="-1" strike="noStrike">
-              <a:solidFill>
-                <a:srgbClr val="ffffff"/>
-              </a:solidFill>
-              <a:latin typeface="Calibri"/>
+            <a:endParaRPr b="0" lang="en-US" sz="3200" spc="-1" strike="noStrike">
+              <a:latin typeface="Arial"/>
             </a:endParaRPr>
           </a:p>
         </p:txBody>
@@ -2931,7 +2751,7 @@
       </p:grpSpPr>
       <p:sp>
         <p:nvSpPr>
-          <p:cNvPr id="107" name="PlaceHolder 1"/>
+          <p:cNvPr id="95" name="PlaceHolder 1"/>
           <p:cNvSpPr>
             <a:spLocks noGrp="1"/>
           </p:cNvSpPr>
@@ -2941,8 +2761,8 @@
         </p:nvSpPr>
         <p:spPr>
           <a:xfrm>
-            <a:off x="838080" y="365040"/>
-            <a:ext cx="10515240" cy="1325160"/>
+            <a:off x="609480" y="273600"/>
+            <a:ext cx="10972440" cy="1144800"/>
           </a:xfrm>
           <a:prstGeom prst="rect">
             <a:avLst/>
@@ -2951,18 +2771,16 @@
         <p:txBody>
           <a:bodyPr lIns="0" rIns="0" tIns="0" bIns="0" anchor="ctr"/>
           <a:p>
-            <a:endParaRPr b="0" lang="de-DE" sz="1800" spc="-1" strike="noStrike">
-              <a:solidFill>
-                <a:srgbClr val="000000"/>
-              </a:solidFill>
-              <a:latin typeface="Calibri"/>
-            </a:endParaRPr>
-          </a:p>
-        </p:txBody>
-      </p:sp>
-      <p:sp>
-        <p:nvSpPr>
-          <p:cNvPr id="108" name="PlaceHolder 2"/>
+            <a:pPr algn="ctr"/>
+            <a:endParaRPr b="0" lang="en-US" sz="4400" spc="-1" strike="noStrike">
+              <a:latin typeface="Arial"/>
+            </a:endParaRPr>
+          </a:p>
+        </p:txBody>
+      </p:sp>
+      <p:sp>
+        <p:nvSpPr>
+          <p:cNvPr id="96" name="PlaceHolder 2"/>
           <p:cNvSpPr>
             <a:spLocks noGrp="1"/>
           </p:cNvSpPr>
@@ -2972,8 +2790,8 @@
         </p:nvSpPr>
         <p:spPr>
           <a:xfrm>
-            <a:off x="838080" y="1825560"/>
-            <a:ext cx="5131080" cy="2075040"/>
+            <a:off x="609480" y="1604520"/>
+            <a:ext cx="5354280" cy="1896840"/>
           </a:xfrm>
           <a:prstGeom prst="rect">
             <a:avLst/>
@@ -2984,18 +2802,15 @@
             <a:normAutofit/>
           </a:bodyPr>
           <a:p>
-            <a:endParaRPr b="0" lang="de-DE" sz="2800" spc="-1" strike="noStrike">
-              <a:solidFill>
-                <a:srgbClr val="ffffff"/>
-              </a:solidFill>
-              <a:latin typeface="Calibri"/>
-            </a:endParaRPr>
-          </a:p>
-        </p:txBody>
-      </p:sp>
-      <p:sp>
-        <p:nvSpPr>
-          <p:cNvPr id="109" name="PlaceHolder 3"/>
+            <a:endParaRPr b="0" lang="en-US" sz="3200" spc="-1" strike="noStrike">
+              <a:latin typeface="Arial"/>
+            </a:endParaRPr>
+          </a:p>
+        </p:txBody>
+      </p:sp>
+      <p:sp>
+        <p:nvSpPr>
+          <p:cNvPr id="97" name="PlaceHolder 3"/>
           <p:cNvSpPr>
             <a:spLocks noGrp="1"/>
           </p:cNvSpPr>
@@ -3005,8 +2820,8 @@
         </p:nvSpPr>
         <p:spPr>
           <a:xfrm>
-            <a:off x="6226200" y="1825560"/>
-            <a:ext cx="5131080" cy="2075040"/>
+            <a:off x="6231960" y="1604520"/>
+            <a:ext cx="5354280" cy="1896840"/>
           </a:xfrm>
           <a:prstGeom prst="rect">
             <a:avLst/>
@@ -3017,18 +2832,15 @@
             <a:normAutofit/>
           </a:bodyPr>
           <a:p>
-            <a:endParaRPr b="0" lang="de-DE" sz="2800" spc="-1" strike="noStrike">
-              <a:solidFill>
-                <a:srgbClr val="ffffff"/>
-              </a:solidFill>
-              <a:latin typeface="Calibri"/>
-            </a:endParaRPr>
-          </a:p>
-        </p:txBody>
-      </p:sp>
-      <p:sp>
-        <p:nvSpPr>
-          <p:cNvPr id="110" name="PlaceHolder 4"/>
+            <a:endParaRPr b="0" lang="en-US" sz="3200" spc="-1" strike="noStrike">
+              <a:latin typeface="Arial"/>
+            </a:endParaRPr>
+          </a:p>
+        </p:txBody>
+      </p:sp>
+      <p:sp>
+        <p:nvSpPr>
+          <p:cNvPr id="98" name="PlaceHolder 4"/>
           <p:cNvSpPr>
             <a:spLocks noGrp="1"/>
           </p:cNvSpPr>
@@ -3038,8 +2850,8 @@
         </p:nvSpPr>
         <p:spPr>
           <a:xfrm>
-            <a:off x="838080" y="4098240"/>
-            <a:ext cx="10515240" cy="2075040"/>
+            <a:off x="609480" y="3682080"/>
+            <a:ext cx="10972440" cy="1896840"/>
           </a:xfrm>
           <a:prstGeom prst="rect">
             <a:avLst/>
@@ -3050,11 +2862,8 @@
             <a:normAutofit/>
           </a:bodyPr>
           <a:p>
-            <a:endParaRPr b="0" lang="de-DE" sz="2800" spc="-1" strike="noStrike">
-              <a:solidFill>
-                <a:srgbClr val="ffffff"/>
-              </a:solidFill>
-              <a:latin typeface="Calibri"/>
+            <a:endParaRPr b="0" lang="en-US" sz="3200" spc="-1" strike="noStrike">
+              <a:latin typeface="Arial"/>
             </a:endParaRPr>
           </a:p>
         </p:txBody>
@@ -3083,7 +2892,7 @@
       </p:grpSpPr>
       <p:sp>
         <p:nvSpPr>
-          <p:cNvPr id="111" name="PlaceHolder 1"/>
+          <p:cNvPr id="99" name="PlaceHolder 1"/>
           <p:cNvSpPr>
             <a:spLocks noGrp="1"/>
           </p:cNvSpPr>
@@ -3093,8 +2902,8 @@
         </p:nvSpPr>
         <p:spPr>
           <a:xfrm>
-            <a:off x="838080" y="365040"/>
-            <a:ext cx="10515240" cy="1325160"/>
+            <a:off x="609480" y="273600"/>
+            <a:ext cx="10972440" cy="1144800"/>
           </a:xfrm>
           <a:prstGeom prst="rect">
             <a:avLst/>
@@ -3103,18 +2912,16 @@
         <p:txBody>
           <a:bodyPr lIns="0" rIns="0" tIns="0" bIns="0" anchor="ctr"/>
           <a:p>
-            <a:endParaRPr b="0" lang="de-DE" sz="1800" spc="-1" strike="noStrike">
-              <a:solidFill>
-                <a:srgbClr val="000000"/>
-              </a:solidFill>
-              <a:latin typeface="Calibri"/>
-            </a:endParaRPr>
-          </a:p>
-        </p:txBody>
-      </p:sp>
-      <p:sp>
-        <p:nvSpPr>
-          <p:cNvPr id="112" name="PlaceHolder 2"/>
+            <a:pPr algn="ctr"/>
+            <a:endParaRPr b="0" lang="en-US" sz="4400" spc="-1" strike="noStrike">
+              <a:latin typeface="Arial"/>
+            </a:endParaRPr>
+          </a:p>
+        </p:txBody>
+      </p:sp>
+      <p:sp>
+        <p:nvSpPr>
+          <p:cNvPr id="100" name="PlaceHolder 2"/>
           <p:cNvSpPr>
             <a:spLocks noGrp="1"/>
           </p:cNvSpPr>
@@ -3124,8 +2931,8 @@
         </p:nvSpPr>
         <p:spPr>
           <a:xfrm>
-            <a:off x="838080" y="1825560"/>
-            <a:ext cx="10515240" cy="2075040"/>
+            <a:off x="609480" y="1604520"/>
+            <a:ext cx="10972440" cy="1896840"/>
           </a:xfrm>
           <a:prstGeom prst="rect">
             <a:avLst/>
@@ -3136,18 +2943,15 @@
             <a:normAutofit/>
           </a:bodyPr>
           <a:p>
-            <a:endParaRPr b="0" lang="de-DE" sz="2800" spc="-1" strike="noStrike">
-              <a:solidFill>
-                <a:srgbClr val="ffffff"/>
-              </a:solidFill>
-              <a:latin typeface="Calibri"/>
-            </a:endParaRPr>
-          </a:p>
-        </p:txBody>
-      </p:sp>
-      <p:sp>
-        <p:nvSpPr>
-          <p:cNvPr id="113" name="PlaceHolder 3"/>
+            <a:endParaRPr b="0" lang="en-US" sz="3200" spc="-1" strike="noStrike">
+              <a:latin typeface="Arial"/>
+            </a:endParaRPr>
+          </a:p>
+        </p:txBody>
+      </p:sp>
+      <p:sp>
+        <p:nvSpPr>
+          <p:cNvPr id="101" name="PlaceHolder 3"/>
           <p:cNvSpPr>
             <a:spLocks noGrp="1"/>
           </p:cNvSpPr>
@@ -3157,8 +2961,8 @@
         </p:nvSpPr>
         <p:spPr>
           <a:xfrm>
-            <a:off x="838080" y="4098240"/>
-            <a:ext cx="10515240" cy="2075040"/>
+            <a:off x="609480" y="3682080"/>
+            <a:ext cx="10972440" cy="1896840"/>
           </a:xfrm>
           <a:prstGeom prst="rect">
             <a:avLst/>
@@ -3169,11 +2973,8 @@
             <a:normAutofit/>
           </a:bodyPr>
           <a:p>
-            <a:endParaRPr b="0" lang="de-DE" sz="2800" spc="-1" strike="noStrike">
-              <a:solidFill>
-                <a:srgbClr val="ffffff"/>
-              </a:solidFill>
-              <a:latin typeface="Calibri"/>
+            <a:endParaRPr b="0" lang="en-US" sz="3200" spc="-1" strike="noStrike">
+              <a:latin typeface="Arial"/>
             </a:endParaRPr>
           </a:p>
         </p:txBody>
@@ -3202,7 +3003,7 @@
       </p:grpSpPr>
       <p:sp>
         <p:nvSpPr>
-          <p:cNvPr id="114" name="PlaceHolder 1"/>
+          <p:cNvPr id="102" name="PlaceHolder 1"/>
           <p:cNvSpPr>
             <a:spLocks noGrp="1"/>
           </p:cNvSpPr>
@@ -3212,8 +3013,8 @@
         </p:nvSpPr>
         <p:spPr>
           <a:xfrm>
-            <a:off x="838080" y="365040"/>
-            <a:ext cx="10515240" cy="1325160"/>
+            <a:off x="609480" y="273600"/>
+            <a:ext cx="10972440" cy="1144800"/>
           </a:xfrm>
           <a:prstGeom prst="rect">
             <a:avLst/>
@@ -3222,18 +3023,16 @@
         <p:txBody>
           <a:bodyPr lIns="0" rIns="0" tIns="0" bIns="0" anchor="ctr"/>
           <a:p>
-            <a:endParaRPr b="0" lang="de-DE" sz="1800" spc="-1" strike="noStrike">
-              <a:solidFill>
-                <a:srgbClr val="000000"/>
-              </a:solidFill>
-              <a:latin typeface="Calibri"/>
-            </a:endParaRPr>
-          </a:p>
-        </p:txBody>
-      </p:sp>
-      <p:sp>
-        <p:nvSpPr>
-          <p:cNvPr id="115" name="PlaceHolder 2"/>
+            <a:pPr algn="ctr"/>
+            <a:endParaRPr b="0" lang="en-US" sz="4400" spc="-1" strike="noStrike">
+              <a:latin typeface="Arial"/>
+            </a:endParaRPr>
+          </a:p>
+        </p:txBody>
+      </p:sp>
+      <p:sp>
+        <p:nvSpPr>
+          <p:cNvPr id="103" name="PlaceHolder 2"/>
           <p:cNvSpPr>
             <a:spLocks noGrp="1"/>
           </p:cNvSpPr>
@@ -3243,8 +3042,8 @@
         </p:nvSpPr>
         <p:spPr>
           <a:xfrm>
-            <a:off x="838080" y="1825560"/>
-            <a:ext cx="5131080" cy="2075040"/>
+            <a:off x="609480" y="1604520"/>
+            <a:ext cx="5354280" cy="1896840"/>
           </a:xfrm>
           <a:prstGeom prst="rect">
             <a:avLst/>
@@ -3255,18 +3054,15 @@
             <a:normAutofit/>
           </a:bodyPr>
           <a:p>
-            <a:endParaRPr b="0" lang="de-DE" sz="2800" spc="-1" strike="noStrike">
-              <a:solidFill>
-                <a:srgbClr val="ffffff"/>
-              </a:solidFill>
-              <a:latin typeface="Calibri"/>
-            </a:endParaRPr>
-          </a:p>
-        </p:txBody>
-      </p:sp>
-      <p:sp>
-        <p:nvSpPr>
-          <p:cNvPr id="116" name="PlaceHolder 3"/>
+            <a:endParaRPr b="0" lang="en-US" sz="3200" spc="-1" strike="noStrike">
+              <a:latin typeface="Arial"/>
+            </a:endParaRPr>
+          </a:p>
+        </p:txBody>
+      </p:sp>
+      <p:sp>
+        <p:nvSpPr>
+          <p:cNvPr id="104" name="PlaceHolder 3"/>
           <p:cNvSpPr>
             <a:spLocks noGrp="1"/>
           </p:cNvSpPr>
@@ -3276,8 +3072,8 @@
         </p:nvSpPr>
         <p:spPr>
           <a:xfrm>
-            <a:off x="6226200" y="1825560"/>
-            <a:ext cx="5131080" cy="2075040"/>
+            <a:off x="6231960" y="1604520"/>
+            <a:ext cx="5354280" cy="1896840"/>
           </a:xfrm>
           <a:prstGeom prst="rect">
             <a:avLst/>
@@ -3288,18 +3084,15 @@
             <a:normAutofit/>
           </a:bodyPr>
           <a:p>
-            <a:endParaRPr b="0" lang="de-DE" sz="2800" spc="-1" strike="noStrike">
-              <a:solidFill>
-                <a:srgbClr val="ffffff"/>
-              </a:solidFill>
-              <a:latin typeface="Calibri"/>
-            </a:endParaRPr>
-          </a:p>
-        </p:txBody>
-      </p:sp>
-      <p:sp>
-        <p:nvSpPr>
-          <p:cNvPr id="117" name="PlaceHolder 4"/>
+            <a:endParaRPr b="0" lang="en-US" sz="3200" spc="-1" strike="noStrike">
+              <a:latin typeface="Arial"/>
+            </a:endParaRPr>
+          </a:p>
+        </p:txBody>
+      </p:sp>
+      <p:sp>
+        <p:nvSpPr>
+          <p:cNvPr id="105" name="PlaceHolder 4"/>
           <p:cNvSpPr>
             <a:spLocks noGrp="1"/>
           </p:cNvSpPr>
@@ -3309,8 +3102,8 @@
         </p:nvSpPr>
         <p:spPr>
           <a:xfrm>
-            <a:off x="838080" y="4098240"/>
-            <a:ext cx="5131080" cy="2075040"/>
+            <a:off x="609480" y="3682080"/>
+            <a:ext cx="5354280" cy="1896840"/>
           </a:xfrm>
           <a:prstGeom prst="rect">
             <a:avLst/>
@@ -3321,18 +3114,15 @@
             <a:normAutofit/>
           </a:bodyPr>
           <a:p>
-            <a:endParaRPr b="0" lang="de-DE" sz="2800" spc="-1" strike="noStrike">
-              <a:solidFill>
-                <a:srgbClr val="ffffff"/>
-              </a:solidFill>
-              <a:latin typeface="Calibri"/>
-            </a:endParaRPr>
-          </a:p>
-        </p:txBody>
-      </p:sp>
-      <p:sp>
-        <p:nvSpPr>
-          <p:cNvPr id="118" name="PlaceHolder 5"/>
+            <a:endParaRPr b="0" lang="en-US" sz="3200" spc="-1" strike="noStrike">
+              <a:latin typeface="Arial"/>
+            </a:endParaRPr>
+          </a:p>
+        </p:txBody>
+      </p:sp>
+      <p:sp>
+        <p:nvSpPr>
+          <p:cNvPr id="106" name="PlaceHolder 5"/>
           <p:cNvSpPr>
             <a:spLocks noGrp="1"/>
           </p:cNvSpPr>
@@ -3342,8 +3132,8 @@
         </p:nvSpPr>
         <p:spPr>
           <a:xfrm>
-            <a:off x="6226200" y="4098240"/>
-            <a:ext cx="5131080" cy="2075040"/>
+            <a:off x="6231960" y="3682080"/>
+            <a:ext cx="5354280" cy="1896840"/>
           </a:xfrm>
           <a:prstGeom prst="rect">
             <a:avLst/>
@@ -3354,11 +3144,8 @@
             <a:normAutofit/>
           </a:bodyPr>
           <a:p>
-            <a:endParaRPr b="0" lang="de-DE" sz="2800" spc="-1" strike="noStrike">
-              <a:solidFill>
-                <a:srgbClr val="ffffff"/>
-              </a:solidFill>
-              <a:latin typeface="Calibri"/>
+            <a:endParaRPr b="0" lang="en-US" sz="3200" spc="-1" strike="noStrike">
+              <a:latin typeface="Arial"/>
             </a:endParaRPr>
           </a:p>
         </p:txBody>
@@ -3387,7 +3174,7 @@
       </p:grpSpPr>
       <p:sp>
         <p:nvSpPr>
-          <p:cNvPr id="119" name="PlaceHolder 1"/>
+          <p:cNvPr id="107" name="PlaceHolder 1"/>
           <p:cNvSpPr>
             <a:spLocks noGrp="1"/>
           </p:cNvSpPr>
@@ -3397,8 +3184,8 @@
         </p:nvSpPr>
         <p:spPr>
           <a:xfrm>
-            <a:off x="838080" y="365040"/>
-            <a:ext cx="10515240" cy="1325160"/>
+            <a:off x="609480" y="273600"/>
+            <a:ext cx="10972440" cy="1144800"/>
           </a:xfrm>
           <a:prstGeom prst="rect">
             <a:avLst/>
@@ -3407,18 +3194,16 @@
         <p:txBody>
           <a:bodyPr lIns="0" rIns="0" tIns="0" bIns="0" anchor="ctr"/>
           <a:p>
-            <a:endParaRPr b="0" lang="de-DE" sz="1800" spc="-1" strike="noStrike">
-              <a:solidFill>
-                <a:srgbClr val="000000"/>
-              </a:solidFill>
-              <a:latin typeface="Calibri"/>
-            </a:endParaRPr>
-          </a:p>
-        </p:txBody>
-      </p:sp>
-      <p:sp>
-        <p:nvSpPr>
-          <p:cNvPr id="120" name="PlaceHolder 2"/>
+            <a:pPr algn="ctr"/>
+            <a:endParaRPr b="0" lang="en-US" sz="4400" spc="-1" strike="noStrike">
+              <a:latin typeface="Arial"/>
+            </a:endParaRPr>
+          </a:p>
+        </p:txBody>
+      </p:sp>
+      <p:sp>
+        <p:nvSpPr>
+          <p:cNvPr id="108" name="PlaceHolder 2"/>
           <p:cNvSpPr>
             <a:spLocks noGrp="1"/>
           </p:cNvSpPr>
@@ -3428,8 +3213,8 @@
         </p:nvSpPr>
         <p:spPr>
           <a:xfrm>
-            <a:off x="838080" y="1825560"/>
-            <a:ext cx="3385800" cy="2075040"/>
+            <a:off x="609480" y="1604520"/>
+            <a:ext cx="3533040" cy="1896840"/>
           </a:xfrm>
           <a:prstGeom prst="rect">
             <a:avLst/>
@@ -3440,18 +3225,15 @@
             <a:normAutofit/>
           </a:bodyPr>
           <a:p>
-            <a:endParaRPr b="0" lang="de-DE" sz="2800" spc="-1" strike="noStrike">
-              <a:solidFill>
-                <a:srgbClr val="ffffff"/>
-              </a:solidFill>
-              <a:latin typeface="Calibri"/>
-            </a:endParaRPr>
-          </a:p>
-        </p:txBody>
-      </p:sp>
-      <p:sp>
-        <p:nvSpPr>
-          <p:cNvPr id="121" name="PlaceHolder 3"/>
+            <a:endParaRPr b="0" lang="en-US" sz="3200" spc="-1" strike="noStrike">
+              <a:latin typeface="Arial"/>
+            </a:endParaRPr>
+          </a:p>
+        </p:txBody>
+      </p:sp>
+      <p:sp>
+        <p:nvSpPr>
+          <p:cNvPr id="109" name="PlaceHolder 3"/>
           <p:cNvSpPr>
             <a:spLocks noGrp="1"/>
           </p:cNvSpPr>
@@ -3461,8 +3243,8 @@
         </p:nvSpPr>
         <p:spPr>
           <a:xfrm>
-            <a:off x="4393440" y="1825560"/>
-            <a:ext cx="3385800" cy="2075040"/>
+            <a:off x="4319640" y="1604520"/>
+            <a:ext cx="3533040" cy="1896840"/>
           </a:xfrm>
           <a:prstGeom prst="rect">
             <a:avLst/>
@@ -3473,18 +3255,15 @@
             <a:normAutofit/>
           </a:bodyPr>
           <a:p>
-            <a:endParaRPr b="0" lang="de-DE" sz="2800" spc="-1" strike="noStrike">
-              <a:solidFill>
-                <a:srgbClr val="ffffff"/>
-              </a:solidFill>
-              <a:latin typeface="Calibri"/>
-            </a:endParaRPr>
-          </a:p>
-        </p:txBody>
-      </p:sp>
-      <p:sp>
-        <p:nvSpPr>
-          <p:cNvPr id="122" name="PlaceHolder 4"/>
+            <a:endParaRPr b="0" lang="en-US" sz="3200" spc="-1" strike="noStrike">
+              <a:latin typeface="Arial"/>
+            </a:endParaRPr>
+          </a:p>
+        </p:txBody>
+      </p:sp>
+      <p:sp>
+        <p:nvSpPr>
+          <p:cNvPr id="110" name="PlaceHolder 4"/>
           <p:cNvSpPr>
             <a:spLocks noGrp="1"/>
           </p:cNvSpPr>
@@ -3494,8 +3273,8 @@
         </p:nvSpPr>
         <p:spPr>
           <a:xfrm>
-            <a:off x="7949160" y="1825560"/>
-            <a:ext cx="3385800" cy="2075040"/>
+            <a:off x="8029800" y="1604520"/>
+            <a:ext cx="3533040" cy="1896840"/>
           </a:xfrm>
           <a:prstGeom prst="rect">
             <a:avLst/>
@@ -3506,18 +3285,15 @@
             <a:normAutofit/>
           </a:bodyPr>
           <a:p>
-            <a:endParaRPr b="0" lang="de-DE" sz="2800" spc="-1" strike="noStrike">
-              <a:solidFill>
-                <a:srgbClr val="ffffff"/>
-              </a:solidFill>
-              <a:latin typeface="Calibri"/>
-            </a:endParaRPr>
-          </a:p>
-        </p:txBody>
-      </p:sp>
-      <p:sp>
-        <p:nvSpPr>
-          <p:cNvPr id="123" name="PlaceHolder 5"/>
+            <a:endParaRPr b="0" lang="en-US" sz="3200" spc="-1" strike="noStrike">
+              <a:latin typeface="Arial"/>
+            </a:endParaRPr>
+          </a:p>
+        </p:txBody>
+      </p:sp>
+      <p:sp>
+        <p:nvSpPr>
+          <p:cNvPr id="111" name="PlaceHolder 5"/>
           <p:cNvSpPr>
             <a:spLocks noGrp="1"/>
           </p:cNvSpPr>
@@ -3527,8 +3303,8 @@
         </p:nvSpPr>
         <p:spPr>
           <a:xfrm>
-            <a:off x="838080" y="4098240"/>
-            <a:ext cx="3385800" cy="2075040"/>
+            <a:off x="609480" y="3682080"/>
+            <a:ext cx="3533040" cy="1896840"/>
           </a:xfrm>
           <a:prstGeom prst="rect">
             <a:avLst/>
@@ -3539,18 +3315,15 @@
             <a:normAutofit/>
           </a:bodyPr>
           <a:p>
-            <a:endParaRPr b="0" lang="de-DE" sz="2800" spc="-1" strike="noStrike">
-              <a:solidFill>
-                <a:srgbClr val="ffffff"/>
-              </a:solidFill>
-              <a:latin typeface="Calibri"/>
-            </a:endParaRPr>
-          </a:p>
-        </p:txBody>
-      </p:sp>
-      <p:sp>
-        <p:nvSpPr>
-          <p:cNvPr id="124" name="PlaceHolder 6"/>
+            <a:endParaRPr b="0" lang="en-US" sz="3200" spc="-1" strike="noStrike">
+              <a:latin typeface="Arial"/>
+            </a:endParaRPr>
+          </a:p>
+        </p:txBody>
+      </p:sp>
+      <p:sp>
+        <p:nvSpPr>
+          <p:cNvPr id="112" name="PlaceHolder 6"/>
           <p:cNvSpPr>
             <a:spLocks noGrp="1"/>
           </p:cNvSpPr>
@@ -3560,8 +3333,8 @@
         </p:nvSpPr>
         <p:spPr>
           <a:xfrm>
-            <a:off x="4393440" y="4098240"/>
-            <a:ext cx="3385800" cy="2075040"/>
+            <a:off x="4319640" y="3682080"/>
+            <a:ext cx="3533040" cy="1896840"/>
           </a:xfrm>
           <a:prstGeom prst="rect">
             <a:avLst/>
@@ -3572,18 +3345,15 @@
             <a:normAutofit/>
           </a:bodyPr>
           <a:p>
-            <a:endParaRPr b="0" lang="de-DE" sz="2800" spc="-1" strike="noStrike">
-              <a:solidFill>
-                <a:srgbClr val="ffffff"/>
-              </a:solidFill>
-              <a:latin typeface="Calibri"/>
-            </a:endParaRPr>
-          </a:p>
-        </p:txBody>
-      </p:sp>
-      <p:sp>
-        <p:nvSpPr>
-          <p:cNvPr id="125" name="PlaceHolder 7"/>
+            <a:endParaRPr b="0" lang="en-US" sz="3200" spc="-1" strike="noStrike">
+              <a:latin typeface="Arial"/>
+            </a:endParaRPr>
+          </a:p>
+        </p:txBody>
+      </p:sp>
+      <p:sp>
+        <p:nvSpPr>
+          <p:cNvPr id="113" name="PlaceHolder 7"/>
           <p:cNvSpPr>
             <a:spLocks noGrp="1"/>
           </p:cNvSpPr>
@@ -3593,8 +3363,8 @@
         </p:nvSpPr>
         <p:spPr>
           <a:xfrm>
-            <a:off x="7949160" y="4098240"/>
-            <a:ext cx="3385800" cy="2075040"/>
+            <a:off x="8029800" y="3682080"/>
+            <a:ext cx="3533040" cy="1896840"/>
           </a:xfrm>
           <a:prstGeom prst="rect">
             <a:avLst/>
@@ -3605,11 +3375,8 @@
             <a:normAutofit/>
           </a:bodyPr>
           <a:p>
-            <a:endParaRPr b="0" lang="de-DE" sz="2800" spc="-1" strike="noStrike">
-              <a:solidFill>
-                <a:srgbClr val="ffffff"/>
-              </a:solidFill>
-              <a:latin typeface="Calibri"/>
+            <a:endParaRPr b="0" lang="en-US" sz="3200" spc="-1" strike="noStrike">
+              <a:latin typeface="Arial"/>
             </a:endParaRPr>
           </a:p>
         </p:txBody>
@@ -3638,7 +3405,7 @@
       </p:grpSpPr>
       <p:sp>
         <p:nvSpPr>
-          <p:cNvPr id="9" name="PlaceHolder 1"/>
+          <p:cNvPr id="6" name="PlaceHolder 1"/>
           <p:cNvSpPr>
             <a:spLocks noGrp="1"/>
           </p:cNvSpPr>
@@ -3648,8 +3415,8 @@
         </p:nvSpPr>
         <p:spPr>
           <a:xfrm>
-            <a:off x="838080" y="365040"/>
-            <a:ext cx="10515240" cy="1325160"/>
+            <a:off x="609480" y="273600"/>
+            <a:ext cx="10972440" cy="1144800"/>
           </a:xfrm>
           <a:prstGeom prst="rect">
             <a:avLst/>
@@ -3658,18 +3425,16 @@
         <p:txBody>
           <a:bodyPr lIns="0" rIns="0" tIns="0" bIns="0" anchor="ctr"/>
           <a:p>
-            <a:endParaRPr b="0" lang="de-DE" sz="1800" spc="-1" strike="noStrike">
-              <a:solidFill>
-                <a:srgbClr val="000000"/>
-              </a:solidFill>
-              <a:latin typeface="Calibri"/>
-            </a:endParaRPr>
-          </a:p>
-        </p:txBody>
-      </p:sp>
-      <p:sp>
-        <p:nvSpPr>
-          <p:cNvPr id="10" name="PlaceHolder 2"/>
+            <a:pPr algn="ctr"/>
+            <a:endParaRPr b="0" lang="en-US" sz="4400" spc="-1" strike="noStrike">
+              <a:latin typeface="Arial"/>
+            </a:endParaRPr>
+          </a:p>
+        </p:txBody>
+      </p:sp>
+      <p:sp>
+        <p:nvSpPr>
+          <p:cNvPr id="7" name="PlaceHolder 2"/>
           <p:cNvSpPr>
             <a:spLocks noGrp="1"/>
           </p:cNvSpPr>
@@ -3679,8 +3444,8 @@
         </p:nvSpPr>
         <p:spPr>
           <a:xfrm>
-            <a:off x="838080" y="1825560"/>
-            <a:ext cx="5131080" cy="4350960"/>
+            <a:off x="609480" y="1604520"/>
+            <a:ext cx="5354280" cy="3977280"/>
           </a:xfrm>
           <a:prstGeom prst="rect">
             <a:avLst/>
@@ -3691,18 +3456,15 @@
             <a:normAutofit/>
           </a:bodyPr>
           <a:p>
-            <a:endParaRPr b="0" lang="de-DE" sz="2800" spc="-1" strike="noStrike">
-              <a:solidFill>
-                <a:srgbClr val="ffffff"/>
-              </a:solidFill>
-              <a:latin typeface="Calibri"/>
-            </a:endParaRPr>
-          </a:p>
-        </p:txBody>
-      </p:sp>
-      <p:sp>
-        <p:nvSpPr>
-          <p:cNvPr id="11" name="PlaceHolder 3"/>
+            <a:endParaRPr b="0" lang="en-US" sz="3200" spc="-1" strike="noStrike">
+              <a:latin typeface="Arial"/>
+            </a:endParaRPr>
+          </a:p>
+        </p:txBody>
+      </p:sp>
+      <p:sp>
+        <p:nvSpPr>
+          <p:cNvPr id="8" name="PlaceHolder 3"/>
           <p:cNvSpPr>
             <a:spLocks noGrp="1"/>
           </p:cNvSpPr>
@@ -3712,8 +3474,8 @@
         </p:nvSpPr>
         <p:spPr>
           <a:xfrm>
-            <a:off x="6226200" y="1825560"/>
-            <a:ext cx="5131080" cy="4350960"/>
+            <a:off x="6231960" y="1604520"/>
+            <a:ext cx="5354280" cy="3977280"/>
           </a:xfrm>
           <a:prstGeom prst="rect">
             <a:avLst/>
@@ -3724,11 +3486,8 @@
             <a:normAutofit/>
           </a:bodyPr>
           <a:p>
-            <a:endParaRPr b="0" lang="de-DE" sz="2800" spc="-1" strike="noStrike">
-              <a:solidFill>
-                <a:srgbClr val="ffffff"/>
-              </a:solidFill>
-              <a:latin typeface="Calibri"/>
+            <a:endParaRPr b="0" lang="en-US" sz="3200" spc="-1" strike="noStrike">
+              <a:latin typeface="Arial"/>
             </a:endParaRPr>
           </a:p>
         </p:txBody>
@@ -3757,7 +3516,7 @@
       </p:grpSpPr>
       <p:sp>
         <p:nvSpPr>
-          <p:cNvPr id="12" name="PlaceHolder 1"/>
+          <p:cNvPr id="9" name="PlaceHolder 1"/>
           <p:cNvSpPr>
             <a:spLocks noGrp="1"/>
           </p:cNvSpPr>
@@ -3767,8 +3526,8 @@
         </p:nvSpPr>
         <p:spPr>
           <a:xfrm>
-            <a:off x="838080" y="365040"/>
-            <a:ext cx="10515240" cy="1325160"/>
+            <a:off x="609480" y="273600"/>
+            <a:ext cx="10972440" cy="1144800"/>
           </a:xfrm>
           <a:prstGeom prst="rect">
             <a:avLst/>
@@ -3777,11 +3536,9 @@
         <p:txBody>
           <a:bodyPr lIns="0" rIns="0" tIns="0" bIns="0" anchor="ctr"/>
           <a:p>
-            <a:endParaRPr b="0" lang="de-DE" sz="1800" spc="-1" strike="noStrike">
-              <a:solidFill>
-                <a:srgbClr val="000000"/>
-              </a:solidFill>
-              <a:latin typeface="Calibri"/>
+            <a:pPr algn="ctr"/>
+            <a:endParaRPr b="0" lang="en-US" sz="4400" spc="-1" strike="noStrike">
+              <a:latin typeface="Arial"/>
             </a:endParaRPr>
           </a:p>
         </p:txBody>
@@ -3810,7 +3567,7 @@
       </p:grpSpPr>
       <p:sp>
         <p:nvSpPr>
-          <p:cNvPr id="13" name="PlaceHolder 1"/>
+          <p:cNvPr id="10" name="PlaceHolder 1"/>
           <p:cNvSpPr>
             <a:spLocks noGrp="1"/>
           </p:cNvSpPr>
@@ -3820,8 +3577,8 @@
         </p:nvSpPr>
         <p:spPr>
           <a:xfrm>
-            <a:off x="838080" y="365040"/>
-            <a:ext cx="10515240" cy="6144120"/>
+            <a:off x="609480" y="273600"/>
+            <a:ext cx="10972440" cy="5307840"/>
           </a:xfrm>
           <a:prstGeom prst="rect">
             <a:avLst/>
@@ -3861,7 +3618,7 @@
       </p:grpSpPr>
       <p:sp>
         <p:nvSpPr>
-          <p:cNvPr id="14" name="PlaceHolder 1"/>
+          <p:cNvPr id="11" name="PlaceHolder 1"/>
           <p:cNvSpPr>
             <a:spLocks noGrp="1"/>
           </p:cNvSpPr>
@@ -3871,8 +3628,8 @@
         </p:nvSpPr>
         <p:spPr>
           <a:xfrm>
-            <a:off x="838080" y="365040"/>
-            <a:ext cx="10515240" cy="1325160"/>
+            <a:off x="609480" y="273600"/>
+            <a:ext cx="10972440" cy="1144800"/>
           </a:xfrm>
           <a:prstGeom prst="rect">
             <a:avLst/>
@@ -3881,18 +3638,16 @@
         <p:txBody>
           <a:bodyPr lIns="0" rIns="0" tIns="0" bIns="0" anchor="ctr"/>
           <a:p>
-            <a:endParaRPr b="0" lang="de-DE" sz="1800" spc="-1" strike="noStrike">
-              <a:solidFill>
-                <a:srgbClr val="000000"/>
-              </a:solidFill>
-              <a:latin typeface="Calibri"/>
-            </a:endParaRPr>
-          </a:p>
-        </p:txBody>
-      </p:sp>
-      <p:sp>
-        <p:nvSpPr>
-          <p:cNvPr id="15" name="PlaceHolder 2"/>
+            <a:pPr algn="ctr"/>
+            <a:endParaRPr b="0" lang="en-US" sz="4400" spc="-1" strike="noStrike">
+              <a:latin typeface="Arial"/>
+            </a:endParaRPr>
+          </a:p>
+        </p:txBody>
+      </p:sp>
+      <p:sp>
+        <p:nvSpPr>
+          <p:cNvPr id="12" name="PlaceHolder 2"/>
           <p:cNvSpPr>
             <a:spLocks noGrp="1"/>
           </p:cNvSpPr>
@@ -3902,8 +3657,8 @@
         </p:nvSpPr>
         <p:spPr>
           <a:xfrm>
-            <a:off x="838080" y="1825560"/>
-            <a:ext cx="5131080" cy="2075040"/>
+            <a:off x="609480" y="1604520"/>
+            <a:ext cx="5354280" cy="1896840"/>
           </a:xfrm>
           <a:prstGeom prst="rect">
             <a:avLst/>
@@ -3914,18 +3669,15 @@
             <a:normAutofit/>
           </a:bodyPr>
           <a:p>
-            <a:endParaRPr b="0" lang="de-DE" sz="2800" spc="-1" strike="noStrike">
-              <a:solidFill>
-                <a:srgbClr val="ffffff"/>
-              </a:solidFill>
-              <a:latin typeface="Calibri"/>
-            </a:endParaRPr>
-          </a:p>
-        </p:txBody>
-      </p:sp>
-      <p:sp>
-        <p:nvSpPr>
-          <p:cNvPr id="16" name="PlaceHolder 3"/>
+            <a:endParaRPr b="0" lang="en-US" sz="3200" spc="-1" strike="noStrike">
+              <a:latin typeface="Arial"/>
+            </a:endParaRPr>
+          </a:p>
+        </p:txBody>
+      </p:sp>
+      <p:sp>
+        <p:nvSpPr>
+          <p:cNvPr id="13" name="PlaceHolder 3"/>
           <p:cNvSpPr>
             <a:spLocks noGrp="1"/>
           </p:cNvSpPr>
@@ -3935,8 +3687,8 @@
         </p:nvSpPr>
         <p:spPr>
           <a:xfrm>
-            <a:off x="6226200" y="1825560"/>
-            <a:ext cx="5131080" cy="4350960"/>
+            <a:off x="6231960" y="1604520"/>
+            <a:ext cx="5354280" cy="3977280"/>
           </a:xfrm>
           <a:prstGeom prst="rect">
             <a:avLst/>
@@ -3947,18 +3699,15 @@
             <a:normAutofit/>
           </a:bodyPr>
           <a:p>
-            <a:endParaRPr b="0" lang="de-DE" sz="2800" spc="-1" strike="noStrike">
-              <a:solidFill>
-                <a:srgbClr val="ffffff"/>
-              </a:solidFill>
-              <a:latin typeface="Calibri"/>
-            </a:endParaRPr>
-          </a:p>
-        </p:txBody>
-      </p:sp>
-      <p:sp>
-        <p:nvSpPr>
-          <p:cNvPr id="17" name="PlaceHolder 4"/>
+            <a:endParaRPr b="0" lang="en-US" sz="3200" spc="-1" strike="noStrike">
+              <a:latin typeface="Arial"/>
+            </a:endParaRPr>
+          </a:p>
+        </p:txBody>
+      </p:sp>
+      <p:sp>
+        <p:nvSpPr>
+          <p:cNvPr id="14" name="PlaceHolder 4"/>
           <p:cNvSpPr>
             <a:spLocks noGrp="1"/>
           </p:cNvSpPr>
@@ -3968,8 +3717,8 @@
         </p:nvSpPr>
         <p:spPr>
           <a:xfrm>
-            <a:off x="838080" y="4098240"/>
-            <a:ext cx="5131080" cy="2075040"/>
+            <a:off x="609480" y="3682080"/>
+            <a:ext cx="5354280" cy="1896840"/>
           </a:xfrm>
           <a:prstGeom prst="rect">
             <a:avLst/>
@@ -3980,11 +3729,8 @@
             <a:normAutofit/>
           </a:bodyPr>
           <a:p>
-            <a:endParaRPr b="0" lang="de-DE" sz="2800" spc="-1" strike="noStrike">
-              <a:solidFill>
-                <a:srgbClr val="ffffff"/>
-              </a:solidFill>
-              <a:latin typeface="Calibri"/>
+            <a:endParaRPr b="0" lang="en-US" sz="3200" spc="-1" strike="noStrike">
+              <a:latin typeface="Arial"/>
             </a:endParaRPr>
           </a:p>
         </p:txBody>
@@ -4013,7 +3759,7 @@
       </p:grpSpPr>
       <p:sp>
         <p:nvSpPr>
-          <p:cNvPr id="18" name="PlaceHolder 1"/>
+          <p:cNvPr id="15" name="PlaceHolder 1"/>
           <p:cNvSpPr>
             <a:spLocks noGrp="1"/>
           </p:cNvSpPr>
@@ -4023,8 +3769,8 @@
         </p:nvSpPr>
         <p:spPr>
           <a:xfrm>
-            <a:off x="838080" y="365040"/>
-            <a:ext cx="10515240" cy="1325160"/>
+            <a:off x="609480" y="273600"/>
+            <a:ext cx="10972440" cy="1144800"/>
           </a:xfrm>
           <a:prstGeom prst="rect">
             <a:avLst/>
@@ -4033,18 +3779,16 @@
         <p:txBody>
           <a:bodyPr lIns="0" rIns="0" tIns="0" bIns="0" anchor="ctr"/>
           <a:p>
-            <a:endParaRPr b="0" lang="de-DE" sz="1800" spc="-1" strike="noStrike">
-              <a:solidFill>
-                <a:srgbClr val="000000"/>
-              </a:solidFill>
-              <a:latin typeface="Calibri"/>
-            </a:endParaRPr>
-          </a:p>
-        </p:txBody>
-      </p:sp>
-      <p:sp>
-        <p:nvSpPr>
-          <p:cNvPr id="19" name="PlaceHolder 2"/>
+            <a:pPr algn="ctr"/>
+            <a:endParaRPr b="0" lang="en-US" sz="4400" spc="-1" strike="noStrike">
+              <a:latin typeface="Arial"/>
+            </a:endParaRPr>
+          </a:p>
+        </p:txBody>
+      </p:sp>
+      <p:sp>
+        <p:nvSpPr>
+          <p:cNvPr id="16" name="PlaceHolder 2"/>
           <p:cNvSpPr>
             <a:spLocks noGrp="1"/>
           </p:cNvSpPr>
@@ -4054,8 +3798,8 @@
         </p:nvSpPr>
         <p:spPr>
           <a:xfrm>
-            <a:off x="838080" y="1825560"/>
-            <a:ext cx="5131080" cy="4350960"/>
+            <a:off x="609480" y="1604520"/>
+            <a:ext cx="5354280" cy="3977280"/>
           </a:xfrm>
           <a:prstGeom prst="rect">
             <a:avLst/>
@@ -4066,18 +3810,15 @@
             <a:normAutofit/>
           </a:bodyPr>
           <a:p>
-            <a:endParaRPr b="0" lang="de-DE" sz="2800" spc="-1" strike="noStrike">
-              <a:solidFill>
-                <a:srgbClr val="ffffff"/>
-              </a:solidFill>
-              <a:latin typeface="Calibri"/>
-            </a:endParaRPr>
-          </a:p>
-        </p:txBody>
-      </p:sp>
-      <p:sp>
-        <p:nvSpPr>
-          <p:cNvPr id="20" name="PlaceHolder 3"/>
+            <a:endParaRPr b="0" lang="en-US" sz="3200" spc="-1" strike="noStrike">
+              <a:latin typeface="Arial"/>
+            </a:endParaRPr>
+          </a:p>
+        </p:txBody>
+      </p:sp>
+      <p:sp>
+        <p:nvSpPr>
+          <p:cNvPr id="17" name="PlaceHolder 3"/>
           <p:cNvSpPr>
             <a:spLocks noGrp="1"/>
           </p:cNvSpPr>
@@ -4087,8 +3828,8 @@
         </p:nvSpPr>
         <p:spPr>
           <a:xfrm>
-            <a:off x="6226200" y="1825560"/>
-            <a:ext cx="5131080" cy="2075040"/>
+            <a:off x="6231960" y="1604520"/>
+            <a:ext cx="5354280" cy="1896840"/>
           </a:xfrm>
           <a:prstGeom prst="rect">
             <a:avLst/>
@@ -4099,18 +3840,15 @@
             <a:normAutofit/>
           </a:bodyPr>
           <a:p>
-            <a:endParaRPr b="0" lang="de-DE" sz="2800" spc="-1" strike="noStrike">
-              <a:solidFill>
-                <a:srgbClr val="ffffff"/>
-              </a:solidFill>
-              <a:latin typeface="Calibri"/>
-            </a:endParaRPr>
-          </a:p>
-        </p:txBody>
-      </p:sp>
-      <p:sp>
-        <p:nvSpPr>
-          <p:cNvPr id="21" name="PlaceHolder 4"/>
+            <a:endParaRPr b="0" lang="en-US" sz="3200" spc="-1" strike="noStrike">
+              <a:latin typeface="Arial"/>
+            </a:endParaRPr>
+          </a:p>
+        </p:txBody>
+      </p:sp>
+      <p:sp>
+        <p:nvSpPr>
+          <p:cNvPr id="18" name="PlaceHolder 4"/>
           <p:cNvSpPr>
             <a:spLocks noGrp="1"/>
           </p:cNvSpPr>
@@ -4120,8 +3858,8 @@
         </p:nvSpPr>
         <p:spPr>
           <a:xfrm>
-            <a:off x="6226200" y="4098240"/>
-            <a:ext cx="5131080" cy="2075040"/>
+            <a:off x="6231960" y="3682080"/>
+            <a:ext cx="5354280" cy="1896840"/>
           </a:xfrm>
           <a:prstGeom prst="rect">
             <a:avLst/>
@@ -4132,11 +3870,8 @@
             <a:normAutofit/>
           </a:bodyPr>
           <a:p>
-            <a:endParaRPr b="0" lang="de-DE" sz="2800" spc="-1" strike="noStrike">
-              <a:solidFill>
-                <a:srgbClr val="ffffff"/>
-              </a:solidFill>
-              <a:latin typeface="Calibri"/>
+            <a:endParaRPr b="0" lang="en-US" sz="3200" spc="-1" strike="noStrike">
+              <a:latin typeface="Arial"/>
             </a:endParaRPr>
           </a:p>
         </p:txBody>
@@ -4165,7 +3900,7 @@
       </p:grpSpPr>
       <p:sp>
         <p:nvSpPr>
-          <p:cNvPr id="22" name="PlaceHolder 1"/>
+          <p:cNvPr id="19" name="PlaceHolder 1"/>
           <p:cNvSpPr>
             <a:spLocks noGrp="1"/>
           </p:cNvSpPr>
@@ -4175,8 +3910,8 @@
         </p:nvSpPr>
         <p:spPr>
           <a:xfrm>
-            <a:off x="838080" y="365040"/>
-            <a:ext cx="10515240" cy="1325160"/>
+            <a:off x="609480" y="273600"/>
+            <a:ext cx="10972440" cy="1144800"/>
           </a:xfrm>
           <a:prstGeom prst="rect">
             <a:avLst/>
@@ -4185,18 +3920,16 @@
         <p:txBody>
           <a:bodyPr lIns="0" rIns="0" tIns="0" bIns="0" anchor="ctr"/>
           <a:p>
-            <a:endParaRPr b="0" lang="de-DE" sz="1800" spc="-1" strike="noStrike">
-              <a:solidFill>
-                <a:srgbClr val="000000"/>
-              </a:solidFill>
-              <a:latin typeface="Calibri"/>
-            </a:endParaRPr>
-          </a:p>
-        </p:txBody>
-      </p:sp>
-      <p:sp>
-        <p:nvSpPr>
-          <p:cNvPr id="23" name="PlaceHolder 2"/>
+            <a:pPr algn="ctr"/>
+            <a:endParaRPr b="0" lang="en-US" sz="4400" spc="-1" strike="noStrike">
+              <a:latin typeface="Arial"/>
+            </a:endParaRPr>
+          </a:p>
+        </p:txBody>
+      </p:sp>
+      <p:sp>
+        <p:nvSpPr>
+          <p:cNvPr id="20" name="PlaceHolder 2"/>
           <p:cNvSpPr>
             <a:spLocks noGrp="1"/>
           </p:cNvSpPr>
@@ -4206,8 +3939,8 @@
         </p:nvSpPr>
         <p:spPr>
           <a:xfrm>
-            <a:off x="838080" y="1825560"/>
-            <a:ext cx="5131080" cy="2075040"/>
+            <a:off x="609480" y="1604520"/>
+            <a:ext cx="5354280" cy="1896840"/>
           </a:xfrm>
           <a:prstGeom prst="rect">
             <a:avLst/>
@@ -4218,18 +3951,15 @@
             <a:normAutofit/>
           </a:bodyPr>
           <a:p>
-            <a:endParaRPr b="0" lang="de-DE" sz="2800" spc="-1" strike="noStrike">
-              <a:solidFill>
-                <a:srgbClr val="ffffff"/>
-              </a:solidFill>
-              <a:latin typeface="Calibri"/>
-            </a:endParaRPr>
-          </a:p>
-        </p:txBody>
-      </p:sp>
-      <p:sp>
-        <p:nvSpPr>
-          <p:cNvPr id="24" name="PlaceHolder 3"/>
+            <a:endParaRPr b="0" lang="en-US" sz="3200" spc="-1" strike="noStrike">
+              <a:latin typeface="Arial"/>
+            </a:endParaRPr>
+          </a:p>
+        </p:txBody>
+      </p:sp>
+      <p:sp>
+        <p:nvSpPr>
+          <p:cNvPr id="21" name="PlaceHolder 3"/>
           <p:cNvSpPr>
             <a:spLocks noGrp="1"/>
           </p:cNvSpPr>
@@ -4239,8 +3969,8 @@
         </p:nvSpPr>
         <p:spPr>
           <a:xfrm>
-            <a:off x="6226200" y="1825560"/>
-            <a:ext cx="5131080" cy="2075040"/>
+            <a:off x="6231960" y="1604520"/>
+            <a:ext cx="5354280" cy="1896840"/>
           </a:xfrm>
           <a:prstGeom prst="rect">
             <a:avLst/>
@@ -4251,18 +3981,15 @@
             <a:normAutofit/>
           </a:bodyPr>
           <a:p>
-            <a:endParaRPr b="0" lang="de-DE" sz="2800" spc="-1" strike="noStrike">
-              <a:solidFill>
-                <a:srgbClr val="ffffff"/>
-              </a:solidFill>
-              <a:latin typeface="Calibri"/>
-            </a:endParaRPr>
-          </a:p>
-        </p:txBody>
-      </p:sp>
-      <p:sp>
-        <p:nvSpPr>
-          <p:cNvPr id="25" name="PlaceHolder 4"/>
+            <a:endParaRPr b="0" lang="en-US" sz="3200" spc="-1" strike="noStrike">
+              <a:latin typeface="Arial"/>
+            </a:endParaRPr>
+          </a:p>
+        </p:txBody>
+      </p:sp>
+      <p:sp>
+        <p:nvSpPr>
+          <p:cNvPr id="22" name="PlaceHolder 4"/>
           <p:cNvSpPr>
             <a:spLocks noGrp="1"/>
           </p:cNvSpPr>
@@ -4272,8 +3999,8 @@
         </p:nvSpPr>
         <p:spPr>
           <a:xfrm>
-            <a:off x="838080" y="4098240"/>
-            <a:ext cx="10515240" cy="2075040"/>
+            <a:off x="609480" y="3682080"/>
+            <a:ext cx="10972440" cy="1896840"/>
           </a:xfrm>
           <a:prstGeom prst="rect">
             <a:avLst/>
@@ -4284,11 +4011,8 @@
             <a:normAutofit/>
           </a:bodyPr>
           <a:p>
-            <a:endParaRPr b="0" lang="de-DE" sz="2800" spc="-1" strike="noStrike">
-              <a:solidFill>
-                <a:srgbClr val="ffffff"/>
-              </a:solidFill>
-              <a:latin typeface="Calibri"/>
+            <a:endParaRPr b="0" lang="en-US" sz="3200" spc="-1" strike="noStrike">
+              <a:latin typeface="Arial"/>
             </a:endParaRPr>
           </a:p>
         </p:txBody>
@@ -4334,35 +4058,24 @@
         </p:nvSpPr>
         <p:spPr>
           <a:xfrm>
-            <a:off x="1523880" y="1122480"/>
-            <a:ext cx="9143640" cy="2387160"/>
-          </a:xfrm>
-          <a:prstGeom prst="rect">
-            <a:avLst/>
-          </a:prstGeom>
-        </p:spPr>
-        <p:txBody>
-          <a:bodyPr anchor="b"/>
-          <a:p>
-            <a:pPr algn="ctr">
-              <a:lnSpc>
-                <a:spcPct val="90000"/>
-              </a:lnSpc>
-            </a:pPr>
+            <a:off x="838080" y="365040"/>
+            <a:ext cx="10514880" cy="1324800"/>
+          </a:xfrm>
+          <a:prstGeom prst="rect">
+            <a:avLst/>
+          </a:prstGeom>
+        </p:spPr>
+        <p:txBody>
+          <a:bodyPr lIns="0" rIns="0" tIns="0" bIns="0" anchor="ctr"/>
+          <a:p>
             <a:r>
-              <a:rPr b="0" lang="de-DE" sz="6000" spc="-1" strike="noStrike">
-                <a:solidFill>
-                  <a:srgbClr val="ffffff"/>
-                </a:solidFill>
-                <a:latin typeface="Calibri Light"/>
+              <a:rPr b="0" lang="en-US" sz="1800" spc="-1" strike="noStrike">
+                <a:latin typeface="Arial"/>
               </a:rPr>
-              <a:t>Click to edit Master title style</a:t>
+              <a:t>Click to edit the title text format</a:t>
             </a:r>
-            <a:endParaRPr b="0" lang="de-DE" sz="6000" spc="-1" strike="noStrike">
-              <a:solidFill>
-                <a:srgbClr val="000000"/>
-              </a:solidFill>
-              <a:latin typeface="Calibri"/>
+            <a:endParaRPr b="0" lang="en-US" sz="1800" spc="-1" strike="noStrike">
+              <a:latin typeface="Arial"/>
             </a:endParaRPr>
           </a:p>
         </p:txBody>
@@ -4370,118 +4083,6 @@
       <p:sp>
         <p:nvSpPr>
           <p:cNvPr id="1" name="PlaceHolder 2"/>
-          <p:cNvSpPr>
-            <a:spLocks noGrp="1"/>
-          </p:cNvSpPr>
-          <p:nvPr>
-            <p:ph type="dt"/>
-          </p:nvPr>
-        </p:nvSpPr>
-        <p:spPr>
-          <a:xfrm>
-            <a:off x="838080" y="6356520"/>
-            <a:ext cx="2742840" cy="364680"/>
-          </a:xfrm>
-          <a:prstGeom prst="rect">
-            <a:avLst/>
-          </a:prstGeom>
-        </p:spPr>
-        <p:txBody>
-          <a:bodyPr anchor="ctr"/>
-          <a:p>
-            <a:pPr>
-              <a:lnSpc>
-                <a:spcPct val="100000"/>
-              </a:lnSpc>
-            </a:pPr>
-            <a:fld id="{9B9EC99A-CA6F-40B5-AAC1-D76B695F4257}" type="datetime">
-              <a:rPr b="0" lang="en-US" sz="1200" spc="-1" strike="noStrike">
-                <a:solidFill>
-                  <a:srgbClr val="ffffff"/>
-                </a:solidFill>
-                <a:latin typeface="Calibri"/>
-              </a:rPr>
-              <a:t>2/16/20</a:t>
-            </a:fld>
-            <a:endParaRPr b="0" lang="en-US" sz="1200" spc="-1" strike="noStrike">
-              <a:latin typeface="Times New Roman"/>
-            </a:endParaRPr>
-          </a:p>
-        </p:txBody>
-      </p:sp>
-      <p:sp>
-        <p:nvSpPr>
-          <p:cNvPr id="2" name="PlaceHolder 3"/>
-          <p:cNvSpPr>
-            <a:spLocks noGrp="1"/>
-          </p:cNvSpPr>
-          <p:nvPr>
-            <p:ph type="ftr"/>
-          </p:nvPr>
-        </p:nvSpPr>
-        <p:spPr>
-          <a:xfrm>
-            <a:off x="4038480" y="6356520"/>
-            <a:ext cx="4114440" cy="364680"/>
-          </a:xfrm>
-          <a:prstGeom prst="rect">
-            <a:avLst/>
-          </a:prstGeom>
-        </p:spPr>
-        <p:txBody>
-          <a:bodyPr anchor="ctr"/>
-          <a:p>
-            <a:endParaRPr b="0" lang="en-US" sz="2400" spc="-1" strike="noStrike">
-              <a:latin typeface="Times New Roman"/>
-            </a:endParaRPr>
-          </a:p>
-        </p:txBody>
-      </p:sp>
-      <p:sp>
-        <p:nvSpPr>
-          <p:cNvPr id="3" name="PlaceHolder 4"/>
-          <p:cNvSpPr>
-            <a:spLocks noGrp="1"/>
-          </p:cNvSpPr>
-          <p:nvPr>
-            <p:ph type="sldNum"/>
-          </p:nvPr>
-        </p:nvSpPr>
-        <p:spPr>
-          <a:xfrm>
-            <a:off x="8610480" y="6356520"/>
-            <a:ext cx="2742840" cy="364680"/>
-          </a:xfrm>
-          <a:prstGeom prst="rect">
-            <a:avLst/>
-          </a:prstGeom>
-        </p:spPr>
-        <p:txBody>
-          <a:bodyPr anchor="ctr"/>
-          <a:p>
-            <a:pPr algn="r">
-              <a:lnSpc>
-                <a:spcPct val="100000"/>
-              </a:lnSpc>
-            </a:pPr>
-            <a:fld id="{7C161997-552D-4A26-994D-2C415B981ECE}" type="slidenum">
-              <a:rPr b="0" lang="en-US" sz="1200" spc="-1" strike="noStrike">
-                <a:solidFill>
-                  <a:srgbClr val="ffffff"/>
-                </a:solidFill>
-                <a:latin typeface="Calibri"/>
-              </a:rPr>
-              <a:t>&lt;number&gt;</a:t>
-            </a:fld>
-            <a:endParaRPr b="0" lang="en-US" sz="1200" spc="-1" strike="noStrike">
-              <a:latin typeface="Times New Roman"/>
-            </a:endParaRPr>
-          </a:p>
-        </p:txBody>
-      </p:sp>
-      <p:sp>
-        <p:nvSpPr>
-          <p:cNvPr id="4" name="PlaceHolder 5"/>
           <p:cNvSpPr>
             <a:spLocks noGrp="1"/>
           </p:cNvSpPr>
@@ -4515,19 +4116,13 @@
               <a:buChar char=""/>
             </a:pPr>
             <a:r>
-              <a:rPr b="0" lang="de-DE" sz="2800" spc="-1" strike="noStrike">
-                <a:solidFill>
-                  <a:srgbClr val="ffffff"/>
-                </a:solidFill>
-                <a:latin typeface="Calibri"/>
+              <a:rPr b="0" lang="en-US" sz="3200" spc="-1" strike="noStrike">
+                <a:latin typeface="Arial"/>
               </a:rPr>
               <a:t>Click to edit the outline text format</a:t>
             </a:r>
-            <a:endParaRPr b="0" lang="de-DE" sz="2800" spc="-1" strike="noStrike">
-              <a:solidFill>
-                <a:srgbClr val="ffffff"/>
-              </a:solidFill>
-              <a:latin typeface="Calibri"/>
+            <a:endParaRPr b="0" lang="en-US" sz="3200" spc="-1" strike="noStrike">
+              <a:latin typeface="Arial"/>
             </a:endParaRPr>
           </a:p>
           <a:p>
@@ -4543,19 +4138,13 @@
               <a:buChar char=""/>
             </a:pPr>
             <a:r>
-              <a:rPr b="0" lang="de-DE" sz="2000" spc="-1" strike="noStrike">
-                <a:solidFill>
-                  <a:srgbClr val="ffffff"/>
-                </a:solidFill>
-                <a:latin typeface="Calibri"/>
+              <a:rPr b="0" lang="en-US" sz="2800" spc="-1" strike="noStrike">
+                <a:latin typeface="Arial"/>
               </a:rPr>
               <a:t>Second Outline Level</a:t>
             </a:r>
-            <a:endParaRPr b="0" lang="de-DE" sz="2000" spc="-1" strike="noStrike">
-              <a:solidFill>
-                <a:srgbClr val="ffffff"/>
-              </a:solidFill>
-              <a:latin typeface="Calibri"/>
+            <a:endParaRPr b="0" lang="en-US" sz="2800" spc="-1" strike="noStrike">
+              <a:latin typeface="Arial"/>
             </a:endParaRPr>
           </a:p>
           <a:p>
@@ -4571,19 +4160,13 @@
               <a:buChar char=""/>
             </a:pPr>
             <a:r>
-              <a:rPr b="0" lang="de-DE" sz="1800" spc="-1" strike="noStrike">
-                <a:solidFill>
-                  <a:srgbClr val="ffffff"/>
-                </a:solidFill>
-                <a:latin typeface="Calibri"/>
+              <a:rPr b="0" lang="en-US" sz="2400" spc="-1" strike="noStrike">
+                <a:latin typeface="Arial"/>
               </a:rPr>
               <a:t>Third Outline Level</a:t>
             </a:r>
-            <a:endParaRPr b="0" lang="de-DE" sz="1800" spc="-1" strike="noStrike">
-              <a:solidFill>
-                <a:srgbClr val="ffffff"/>
-              </a:solidFill>
-              <a:latin typeface="Calibri"/>
+            <a:endParaRPr b="0" lang="en-US" sz="2400" spc="-1" strike="noStrike">
+              <a:latin typeface="Arial"/>
             </a:endParaRPr>
           </a:p>
           <a:p>
@@ -4599,19 +4182,13 @@
               <a:buChar char=""/>
             </a:pPr>
             <a:r>
-              <a:rPr b="0" lang="de-DE" sz="1800" spc="-1" strike="noStrike">
-                <a:solidFill>
-                  <a:srgbClr val="ffffff"/>
-                </a:solidFill>
-                <a:latin typeface="Calibri"/>
+              <a:rPr b="0" lang="en-US" sz="2000" spc="-1" strike="noStrike">
+                <a:latin typeface="Arial"/>
               </a:rPr>
               <a:t>Fourth Outline Level</a:t>
             </a:r>
-            <a:endParaRPr b="0" lang="de-DE" sz="1800" spc="-1" strike="noStrike">
-              <a:solidFill>
-                <a:srgbClr val="ffffff"/>
-              </a:solidFill>
-              <a:latin typeface="Calibri"/>
+            <a:endParaRPr b="0" lang="en-US" sz="2000" spc="-1" strike="noStrike">
+              <a:latin typeface="Arial"/>
             </a:endParaRPr>
           </a:p>
           <a:p>
@@ -4627,19 +4204,13 @@
               <a:buChar char=""/>
             </a:pPr>
             <a:r>
-              <a:rPr b="0" lang="de-DE" sz="2000" spc="-1" strike="noStrike">
-                <a:solidFill>
-                  <a:srgbClr val="ffffff"/>
-                </a:solidFill>
-                <a:latin typeface="Calibri"/>
+              <a:rPr b="0" lang="en-US" sz="2000" spc="-1" strike="noStrike">
+                <a:latin typeface="Arial"/>
               </a:rPr>
               <a:t>Fifth Outline Level</a:t>
             </a:r>
-            <a:endParaRPr b="0" lang="de-DE" sz="2000" spc="-1" strike="noStrike">
-              <a:solidFill>
-                <a:srgbClr val="ffffff"/>
-              </a:solidFill>
-              <a:latin typeface="Calibri"/>
+            <a:endParaRPr b="0" lang="en-US" sz="2000" spc="-1" strike="noStrike">
+              <a:latin typeface="Arial"/>
             </a:endParaRPr>
           </a:p>
           <a:p>
@@ -4655,19 +4226,13 @@
               <a:buChar char=""/>
             </a:pPr>
             <a:r>
-              <a:rPr b="0" lang="de-DE" sz="2000" spc="-1" strike="noStrike">
-                <a:solidFill>
-                  <a:srgbClr val="ffffff"/>
-                </a:solidFill>
-                <a:latin typeface="Calibri"/>
+              <a:rPr b="0" lang="en-US" sz="2000" spc="-1" strike="noStrike">
+                <a:latin typeface="Arial"/>
               </a:rPr>
               <a:t>Sixth Outline Level</a:t>
             </a:r>
-            <a:endParaRPr b="0" lang="de-DE" sz="2000" spc="-1" strike="noStrike">
-              <a:solidFill>
-                <a:srgbClr val="ffffff"/>
-              </a:solidFill>
-              <a:latin typeface="Calibri"/>
+            <a:endParaRPr b="0" lang="en-US" sz="2000" spc="-1" strike="noStrike">
+              <a:latin typeface="Arial"/>
             </a:endParaRPr>
           </a:p>
           <a:p>
@@ -4683,19 +4248,13 @@
               <a:buChar char=""/>
             </a:pPr>
             <a:r>
-              <a:rPr b="0" lang="de-DE" sz="2000" spc="-1" strike="noStrike">
-                <a:solidFill>
-                  <a:srgbClr val="ffffff"/>
-                </a:solidFill>
-                <a:latin typeface="Calibri"/>
+              <a:rPr b="0" lang="en-US" sz="2000" spc="-1" strike="noStrike">
+                <a:latin typeface="Arial"/>
               </a:rPr>
               <a:t>Seventh Outline Level</a:t>
             </a:r>
-            <a:endParaRPr b="0" lang="de-DE" sz="2000" spc="-1" strike="noStrike">
-              <a:solidFill>
-                <a:srgbClr val="ffffff"/>
-              </a:solidFill>
-              <a:latin typeface="Calibri"/>
+            <a:endParaRPr b="0" lang="en-US" sz="2000" spc="-1" strike="noStrike">
+              <a:latin typeface="Arial"/>
             </a:endParaRPr>
           </a:p>
         </p:txBody>
@@ -4746,7 +4305,7 @@
       </p:grpSpPr>
       <p:sp>
         <p:nvSpPr>
-          <p:cNvPr id="41" name="PlaceHolder 1"/>
+          <p:cNvPr id="38" name="PlaceHolder 1"/>
           <p:cNvSpPr>
             <a:spLocks noGrp="1"/>
           </p:cNvSpPr>
@@ -4756,42 +4315,32 @@
         </p:nvSpPr>
         <p:spPr>
           <a:xfrm>
-            <a:off x="838080" y="365040"/>
-            <a:ext cx="10515240" cy="1325160"/>
-          </a:xfrm>
-          <a:prstGeom prst="rect">
-            <a:avLst/>
-          </a:prstGeom>
-        </p:spPr>
-        <p:txBody>
-          <a:bodyPr anchor="ctr"/>
-          <a:p>
-            <a:pPr>
-              <a:lnSpc>
-                <a:spcPct val="90000"/>
-              </a:lnSpc>
-            </a:pPr>
+            <a:off x="609480" y="273600"/>
+            <a:ext cx="10972440" cy="1144800"/>
+          </a:xfrm>
+          <a:prstGeom prst="rect">
+            <a:avLst/>
+          </a:prstGeom>
+        </p:spPr>
+        <p:txBody>
+          <a:bodyPr lIns="0" rIns="0" tIns="0" bIns="0" anchor="ctr"/>
+          <a:p>
+            <a:pPr algn="ctr"/>
             <a:r>
-              <a:rPr b="0" lang="de-DE" sz="4400" spc="-1" strike="noStrike">
-                <a:solidFill>
-                  <a:srgbClr val="ffffff"/>
-                </a:solidFill>
-                <a:latin typeface="Calibri Light"/>
+              <a:rPr b="0" lang="en-US" sz="4400" spc="-1" strike="noStrike">
+                <a:latin typeface="Arial"/>
               </a:rPr>
-              <a:t>Click to edit Master title style</a:t>
+              <a:t>Click to edit the title text format</a:t>
             </a:r>
-            <a:endParaRPr b="0" lang="de-DE" sz="4400" spc="-1" strike="noStrike">
-              <a:solidFill>
-                <a:srgbClr val="000000"/>
-              </a:solidFill>
-              <a:latin typeface="Calibri"/>
-            </a:endParaRPr>
-          </a:p>
-        </p:txBody>
-      </p:sp>
-      <p:sp>
-        <p:nvSpPr>
-          <p:cNvPr id="42" name="PlaceHolder 2"/>
+            <a:endParaRPr b="0" lang="en-US" sz="4400" spc="-1" strike="noStrike">
+              <a:latin typeface="Arial"/>
+            </a:endParaRPr>
+          </a:p>
+        </p:txBody>
+      </p:sp>
+      <p:sp>
+        <p:nvSpPr>
+          <p:cNvPr id="39" name="PlaceHolder 2"/>
           <p:cNvSpPr>
             <a:spLocks noGrp="1"/>
           </p:cNvSpPr>
@@ -4801,275 +4350,169 @@
         </p:nvSpPr>
         <p:spPr>
           <a:xfrm>
-            <a:off x="838080" y="1825560"/>
-            <a:ext cx="10515240" cy="4350960"/>
-          </a:xfrm>
-          <a:prstGeom prst="rect">
-            <a:avLst/>
-          </a:prstGeom>
-        </p:spPr>
-        <p:txBody>
-          <a:bodyPr/>
-          <a:p>
-            <a:pPr marL="228600" indent="-228240">
-              <a:lnSpc>
-                <a:spcPct val="90000"/>
-              </a:lnSpc>
+            <a:off x="609480" y="1604520"/>
+            <a:ext cx="10972440" cy="3977280"/>
+          </a:xfrm>
+          <a:prstGeom prst="rect">
+            <a:avLst/>
+          </a:prstGeom>
+        </p:spPr>
+        <p:txBody>
+          <a:bodyPr lIns="0" rIns="0" tIns="0" bIns="0">
+            <a:normAutofit/>
+          </a:bodyPr>
+          <a:p>
+            <a:pPr marL="432000" indent="-324000">
               <a:spcBef>
-                <a:spcPts val="1001"/>
+                <a:spcPts val="1417"/>
               </a:spcBef>
               <a:buClr>
                 <a:srgbClr val="ffffff"/>
               </a:buClr>
-              <a:buFont typeface="Arial"/>
-              <a:buChar char="•"/>
+              <a:buSzPct val="45000"/>
+              <a:buFont typeface="Wingdings" charset="2"/>
+              <a:buChar char=""/>
             </a:pPr>
             <a:r>
-              <a:rPr b="0" lang="de-DE" sz="2800" spc="-1" strike="noStrike">
-                <a:solidFill>
-                  <a:srgbClr val="ffffff"/>
-                </a:solidFill>
-                <a:latin typeface="Calibri"/>
+              <a:rPr b="0" lang="en-US" sz="3200" spc="-1" strike="noStrike">
+                <a:latin typeface="Arial"/>
               </a:rPr>
-              <a:t>Edit Master text styles</a:t>
+              <a:t>Click to edit the outline text format</a:t>
             </a:r>
-            <a:endParaRPr b="0" lang="de-DE" sz="2800" spc="-1" strike="noStrike">
-              <a:solidFill>
-                <a:srgbClr val="ffffff"/>
-              </a:solidFill>
-              <a:latin typeface="Calibri"/>
-            </a:endParaRPr>
-          </a:p>
-          <a:p>
-            <a:pPr lvl="1" marL="685800" indent="-228240">
-              <a:lnSpc>
-                <a:spcPct val="90000"/>
-              </a:lnSpc>
+            <a:endParaRPr b="0" lang="en-US" sz="3200" spc="-1" strike="noStrike">
+              <a:latin typeface="Arial"/>
+            </a:endParaRPr>
+          </a:p>
+          <a:p>
+            <a:pPr lvl="1" marL="864000" indent="-324000">
               <a:spcBef>
-                <a:spcPts val="499"/>
+                <a:spcPts val="1134"/>
               </a:spcBef>
               <a:buClr>
                 <a:srgbClr val="ffffff"/>
               </a:buClr>
-              <a:buFont typeface="Arial"/>
-              <a:buChar char="•"/>
+              <a:buSzPct val="75000"/>
+              <a:buFont typeface="Symbol" charset="2"/>
+              <a:buChar char=""/>
             </a:pPr>
             <a:r>
-              <a:rPr b="0" lang="de-DE" sz="2400" spc="-1" strike="noStrike">
-                <a:solidFill>
-                  <a:srgbClr val="ffffff"/>
-                </a:solidFill>
-                <a:latin typeface="Calibri"/>
+              <a:rPr b="0" lang="en-US" sz="2800" spc="-1" strike="noStrike">
+                <a:latin typeface="Arial"/>
               </a:rPr>
-              <a:t>Second level</a:t>
+              <a:t>Second Outline Level</a:t>
             </a:r>
-            <a:endParaRPr b="0" lang="de-DE" sz="2400" spc="-1" strike="noStrike">
-              <a:solidFill>
-                <a:srgbClr val="ffffff"/>
-              </a:solidFill>
-              <a:latin typeface="Calibri"/>
-            </a:endParaRPr>
-          </a:p>
-          <a:p>
-            <a:pPr lvl="2" marL="1143000" indent="-228240">
-              <a:lnSpc>
-                <a:spcPct val="90000"/>
-              </a:lnSpc>
+            <a:endParaRPr b="0" lang="en-US" sz="2800" spc="-1" strike="noStrike">
+              <a:latin typeface="Arial"/>
+            </a:endParaRPr>
+          </a:p>
+          <a:p>
+            <a:pPr lvl="2" marL="1296000" indent="-288000">
               <a:spcBef>
-                <a:spcPts val="499"/>
+                <a:spcPts val="850"/>
               </a:spcBef>
               <a:buClr>
                 <a:srgbClr val="ffffff"/>
               </a:buClr>
-              <a:buFont typeface="Arial"/>
-              <a:buChar char="•"/>
+              <a:buSzPct val="45000"/>
+              <a:buFont typeface="Wingdings" charset="2"/>
+              <a:buChar char=""/>
             </a:pPr>
             <a:r>
-              <a:rPr b="0" lang="de-DE" sz="2000" spc="-1" strike="noStrike">
-                <a:solidFill>
-                  <a:srgbClr val="ffffff"/>
-                </a:solidFill>
-                <a:latin typeface="Calibri"/>
+              <a:rPr b="0" lang="en-US" sz="2400" spc="-1" strike="noStrike">
+                <a:latin typeface="Arial"/>
               </a:rPr>
-              <a:t>Third level</a:t>
+              <a:t>Third Outline Level</a:t>
             </a:r>
-            <a:endParaRPr b="0" lang="de-DE" sz="2000" spc="-1" strike="noStrike">
-              <a:solidFill>
-                <a:srgbClr val="ffffff"/>
-              </a:solidFill>
-              <a:latin typeface="Calibri"/>
-            </a:endParaRPr>
-          </a:p>
-          <a:p>
-            <a:pPr lvl="3" marL="1600200" indent="-228240">
-              <a:lnSpc>
-                <a:spcPct val="90000"/>
-              </a:lnSpc>
+            <a:endParaRPr b="0" lang="en-US" sz="2400" spc="-1" strike="noStrike">
+              <a:latin typeface="Arial"/>
+            </a:endParaRPr>
+          </a:p>
+          <a:p>
+            <a:pPr lvl="3" marL="1728000" indent="-216000">
               <a:spcBef>
-                <a:spcPts val="499"/>
+                <a:spcPts val="567"/>
               </a:spcBef>
               <a:buClr>
                 <a:srgbClr val="ffffff"/>
               </a:buClr>
-              <a:buFont typeface="Arial"/>
-              <a:buChar char="•"/>
+              <a:buSzPct val="75000"/>
+              <a:buFont typeface="Symbol" charset="2"/>
+              <a:buChar char=""/>
             </a:pPr>
             <a:r>
-              <a:rPr b="0" lang="de-DE" sz="1800" spc="-1" strike="noStrike">
-                <a:solidFill>
-                  <a:srgbClr val="ffffff"/>
-                </a:solidFill>
-                <a:latin typeface="Calibri"/>
+              <a:rPr b="0" lang="en-US" sz="2000" spc="-1" strike="noStrike">
+                <a:latin typeface="Arial"/>
               </a:rPr>
-              <a:t>Fourth level</a:t>
+              <a:t>Fourth Outline Level</a:t>
             </a:r>
-            <a:endParaRPr b="0" lang="de-DE" sz="1800" spc="-1" strike="noStrike">
-              <a:solidFill>
-                <a:srgbClr val="ffffff"/>
-              </a:solidFill>
-              <a:latin typeface="Calibri"/>
-            </a:endParaRPr>
-          </a:p>
-          <a:p>
-            <a:pPr lvl="4" marL="2057400" indent="-228240">
-              <a:lnSpc>
-                <a:spcPct val="90000"/>
-              </a:lnSpc>
+            <a:endParaRPr b="0" lang="en-US" sz="2000" spc="-1" strike="noStrike">
+              <a:latin typeface="Arial"/>
+            </a:endParaRPr>
+          </a:p>
+          <a:p>
+            <a:pPr lvl="4" marL="2160000" indent="-216000">
               <a:spcBef>
-                <a:spcPts val="499"/>
+                <a:spcPts val="283"/>
               </a:spcBef>
               <a:buClr>
                 <a:srgbClr val="ffffff"/>
               </a:buClr>
-              <a:buFont typeface="Arial"/>
-              <a:buChar char="•"/>
+              <a:buSzPct val="45000"/>
+              <a:buFont typeface="Wingdings" charset="2"/>
+              <a:buChar char=""/>
             </a:pPr>
             <a:r>
-              <a:rPr b="0" lang="de-DE" sz="1800" spc="-1" strike="noStrike">
-                <a:solidFill>
-                  <a:srgbClr val="ffffff"/>
-                </a:solidFill>
-                <a:latin typeface="Calibri"/>
+              <a:rPr b="0" lang="en-US" sz="2000" spc="-1" strike="noStrike">
+                <a:latin typeface="Arial"/>
               </a:rPr>
-              <a:t>Fifth level</a:t>
+              <a:t>Fifth Outline Level</a:t>
             </a:r>
-            <a:endParaRPr b="0" lang="de-DE" sz="1800" spc="-1" strike="noStrike">
-              <a:solidFill>
+            <a:endParaRPr b="0" lang="en-US" sz="2000" spc="-1" strike="noStrike">
+              <a:latin typeface="Arial"/>
+            </a:endParaRPr>
+          </a:p>
+          <a:p>
+            <a:pPr lvl="5" marL="2592000" indent="-216000">
+              <a:spcBef>
+                <a:spcPts val="283"/>
+              </a:spcBef>
+              <a:buClr>
                 <a:srgbClr val="ffffff"/>
-              </a:solidFill>
-              <a:latin typeface="Calibri"/>
-            </a:endParaRPr>
-          </a:p>
-        </p:txBody>
-      </p:sp>
-      <p:sp>
-        <p:nvSpPr>
-          <p:cNvPr id="43" name="PlaceHolder 3"/>
-          <p:cNvSpPr>
-            <a:spLocks noGrp="1"/>
-          </p:cNvSpPr>
-          <p:nvPr>
-            <p:ph type="dt"/>
-          </p:nvPr>
-        </p:nvSpPr>
-        <p:spPr>
-          <a:xfrm>
-            <a:off x="838080" y="6356520"/>
-            <a:ext cx="2742840" cy="364680"/>
-          </a:xfrm>
-          <a:prstGeom prst="rect">
-            <a:avLst/>
-          </a:prstGeom>
-        </p:spPr>
-        <p:txBody>
-          <a:bodyPr anchor="ctr"/>
-          <a:p>
-            <a:pPr>
-              <a:lnSpc>
-                <a:spcPct val="100000"/>
-              </a:lnSpc>
+              </a:buClr>
+              <a:buSzPct val="45000"/>
+              <a:buFont typeface="Wingdings" charset="2"/>
+              <a:buChar char=""/>
             </a:pPr>
-            <a:fld id="{803844FB-6201-4DBF-807E-DECC488BBCD2}" type="datetime">
-              <a:rPr b="0" lang="en-US" sz="1200" spc="-1" strike="noStrike">
-                <a:solidFill>
-                  <a:srgbClr val="ffffff"/>
-                </a:solidFill>
-                <a:latin typeface="Calibri"/>
+            <a:r>
+              <a:rPr b="0" lang="en-US" sz="2000" spc="-1" strike="noStrike">
+                <a:latin typeface="Arial"/>
               </a:rPr>
-              <a:t>2/16/20</a:t>
-            </a:fld>
-            <a:endParaRPr b="0" lang="en-US" sz="1200" spc="-1" strike="noStrike">
-              <a:latin typeface="Times New Roman"/>
-            </a:endParaRPr>
-          </a:p>
-        </p:txBody>
-      </p:sp>
-      <p:sp>
-        <p:nvSpPr>
-          <p:cNvPr id="44" name="PlaceHolder 4"/>
-          <p:cNvSpPr>
-            <a:spLocks noGrp="1"/>
-          </p:cNvSpPr>
-          <p:nvPr>
-            <p:ph type="ftr"/>
-          </p:nvPr>
-        </p:nvSpPr>
-        <p:spPr>
-          <a:xfrm>
-            <a:off x="4038480" y="6356520"/>
-            <a:ext cx="4114440" cy="364680"/>
-          </a:xfrm>
-          <a:prstGeom prst="rect">
-            <a:avLst/>
-          </a:prstGeom>
-        </p:spPr>
-        <p:txBody>
-          <a:bodyPr anchor="ctr"/>
-          <a:p>
-            <a:endParaRPr b="0" lang="en-US" sz="2400" spc="-1" strike="noStrike">
-              <a:latin typeface="Times New Roman"/>
-            </a:endParaRPr>
-          </a:p>
-        </p:txBody>
-      </p:sp>
-      <p:sp>
-        <p:nvSpPr>
-          <p:cNvPr id="45" name="PlaceHolder 5"/>
-          <p:cNvSpPr>
-            <a:spLocks noGrp="1"/>
-          </p:cNvSpPr>
-          <p:nvPr>
-            <p:ph type="sldNum"/>
-          </p:nvPr>
-        </p:nvSpPr>
-        <p:spPr>
-          <a:xfrm>
-            <a:off x="8610480" y="6356520"/>
-            <a:ext cx="2742840" cy="364680"/>
-          </a:xfrm>
-          <a:prstGeom prst="rect">
-            <a:avLst/>
-          </a:prstGeom>
-        </p:spPr>
-        <p:txBody>
-          <a:bodyPr anchor="ctr"/>
-          <a:p>
-            <a:pPr algn="r">
-              <a:lnSpc>
-                <a:spcPct val="100000"/>
-              </a:lnSpc>
+              <a:t>Sixth Outline Level</a:t>
+            </a:r>
+            <a:endParaRPr b="0" lang="en-US" sz="2000" spc="-1" strike="noStrike">
+              <a:latin typeface="Arial"/>
+            </a:endParaRPr>
+          </a:p>
+          <a:p>
+            <a:pPr lvl="6" marL="3024000" indent="-216000">
+              <a:spcBef>
+                <a:spcPts val="283"/>
+              </a:spcBef>
+              <a:buClr>
+                <a:srgbClr val="ffffff"/>
+              </a:buClr>
+              <a:buSzPct val="45000"/>
+              <a:buFont typeface="Wingdings" charset="2"/>
+              <a:buChar char=""/>
             </a:pPr>
-            <a:fld id="{DA816542-A75B-4F55-B10C-0500087E633A}" type="slidenum">
-              <a:rPr b="0" lang="en-US" sz="1200" spc="-1" strike="noStrike">
-                <a:solidFill>
-                  <a:srgbClr val="ffffff"/>
-                </a:solidFill>
-                <a:latin typeface="Calibri"/>
+            <a:r>
+              <a:rPr b="0" lang="en-US" sz="2000" spc="-1" strike="noStrike">
+                <a:latin typeface="Arial"/>
               </a:rPr>
-              <a:t>1</a:t>
-            </a:fld>
-            <a:endParaRPr b="0" lang="en-US" sz="1200" spc="-1" strike="noStrike">
-              <a:latin typeface="Times New Roman"/>
+              <a:t>Seventh Outline Level</a:t>
+            </a:r>
+            <a:endParaRPr b="0" lang="en-US" sz="2000" spc="-1" strike="noStrike">
+              <a:latin typeface="Arial"/>
             </a:endParaRPr>
           </a:p>
         </p:txBody>
@@ -5120,7 +4563,7 @@
       </p:grpSpPr>
       <p:sp>
         <p:nvSpPr>
-          <p:cNvPr id="82" name="PlaceHolder 1"/>
+          <p:cNvPr id="76" name="PlaceHolder 1"/>
           <p:cNvSpPr>
             <a:spLocks noGrp="1"/>
           </p:cNvSpPr>
@@ -5130,42 +4573,32 @@
         </p:nvSpPr>
         <p:spPr>
           <a:xfrm>
-            <a:off x="839880" y="365040"/>
-            <a:ext cx="10515240" cy="1325160"/>
-          </a:xfrm>
-          <a:prstGeom prst="rect">
-            <a:avLst/>
-          </a:prstGeom>
-        </p:spPr>
-        <p:txBody>
-          <a:bodyPr anchor="ctr"/>
-          <a:p>
-            <a:pPr>
-              <a:lnSpc>
-                <a:spcPct val="90000"/>
-              </a:lnSpc>
-            </a:pPr>
+            <a:off x="609480" y="273600"/>
+            <a:ext cx="10972440" cy="1144800"/>
+          </a:xfrm>
+          <a:prstGeom prst="rect">
+            <a:avLst/>
+          </a:prstGeom>
+        </p:spPr>
+        <p:txBody>
+          <a:bodyPr lIns="0" rIns="0" tIns="0" bIns="0" anchor="ctr"/>
+          <a:p>
+            <a:pPr algn="ctr"/>
             <a:r>
-              <a:rPr b="0" lang="de-DE" sz="4400" spc="-1" strike="noStrike">
-                <a:solidFill>
-                  <a:srgbClr val="ffffff"/>
-                </a:solidFill>
-                <a:latin typeface="Calibri Light"/>
+              <a:rPr b="0" lang="en-US" sz="4400" spc="-1" strike="noStrike">
+                <a:latin typeface="Arial"/>
               </a:rPr>
-              <a:t>Click to edit Master title style</a:t>
+              <a:t>Click to edit the title text format</a:t>
             </a:r>
-            <a:endParaRPr b="0" lang="de-DE" sz="4400" spc="-1" strike="noStrike">
-              <a:solidFill>
-                <a:srgbClr val="000000"/>
-              </a:solidFill>
-              <a:latin typeface="Calibri"/>
-            </a:endParaRPr>
-          </a:p>
-        </p:txBody>
-      </p:sp>
-      <p:sp>
-        <p:nvSpPr>
-          <p:cNvPr id="83" name="PlaceHolder 2"/>
+            <a:endParaRPr b="0" lang="en-US" sz="4400" spc="-1" strike="noStrike">
+              <a:latin typeface="Arial"/>
+            </a:endParaRPr>
+          </a:p>
+        </p:txBody>
+      </p:sp>
+      <p:sp>
+        <p:nvSpPr>
+          <p:cNvPr id="77" name="PlaceHolder 2"/>
           <p:cNvSpPr>
             <a:spLocks noGrp="1"/>
           </p:cNvSpPr>
@@ -5175,544 +4608,169 @@
         </p:nvSpPr>
         <p:spPr>
           <a:xfrm>
-            <a:off x="839880" y="1681200"/>
-            <a:ext cx="5157360" cy="823680"/>
-          </a:xfrm>
-          <a:prstGeom prst="rect">
-            <a:avLst/>
-          </a:prstGeom>
-        </p:spPr>
-        <p:txBody>
-          <a:bodyPr anchor="b"/>
-          <a:p>
-            <a:pPr>
-              <a:lnSpc>
-                <a:spcPct val="90000"/>
-              </a:lnSpc>
+            <a:off x="609480" y="1604520"/>
+            <a:ext cx="10972440" cy="3977280"/>
+          </a:xfrm>
+          <a:prstGeom prst="rect">
+            <a:avLst/>
+          </a:prstGeom>
+        </p:spPr>
+        <p:txBody>
+          <a:bodyPr lIns="0" rIns="0" tIns="0" bIns="0">
+            <a:normAutofit/>
+          </a:bodyPr>
+          <a:p>
+            <a:pPr marL="432000" indent="-324000">
               <a:spcBef>
-                <a:spcPts val="1001"/>
-              </a:spcBef>
-            </a:pPr>
-            <a:r>
-              <a:rPr b="1" lang="de-DE" sz="2400" spc="-1" strike="noStrike">
-                <a:solidFill>
-                  <a:srgbClr val="ffffff"/>
-                </a:solidFill>
-                <a:latin typeface="Calibri"/>
-              </a:rPr>
-              <a:t>Edit Master text styles</a:t>
-            </a:r>
-            <a:endParaRPr b="0" lang="de-DE" sz="2400" spc="-1" strike="noStrike">
-              <a:solidFill>
-                <a:srgbClr val="ffffff"/>
-              </a:solidFill>
-              <a:latin typeface="Calibri"/>
-            </a:endParaRPr>
-          </a:p>
-        </p:txBody>
-      </p:sp>
-      <p:sp>
-        <p:nvSpPr>
-          <p:cNvPr id="84" name="PlaceHolder 3"/>
-          <p:cNvSpPr>
-            <a:spLocks noGrp="1"/>
-          </p:cNvSpPr>
-          <p:nvPr>
-            <p:ph type="body"/>
-          </p:nvPr>
-        </p:nvSpPr>
-        <p:spPr>
-          <a:xfrm>
-            <a:off x="839880" y="2505240"/>
-            <a:ext cx="5157360" cy="3684240"/>
-          </a:xfrm>
-          <a:prstGeom prst="rect">
-            <a:avLst/>
-          </a:prstGeom>
-        </p:spPr>
-        <p:txBody>
-          <a:bodyPr/>
-          <a:p>
-            <a:pPr marL="228600" indent="-228240">
-              <a:lnSpc>
-                <a:spcPct val="90000"/>
-              </a:lnSpc>
-              <a:spcBef>
-                <a:spcPts val="1001"/>
+                <a:spcPts val="1417"/>
               </a:spcBef>
               <a:buClr>
                 <a:srgbClr val="ffffff"/>
               </a:buClr>
-              <a:buFont typeface="Arial"/>
-              <a:buChar char="•"/>
+              <a:buSzPct val="45000"/>
+              <a:buFont typeface="Wingdings" charset="2"/>
+              <a:buChar char=""/>
             </a:pPr>
             <a:r>
-              <a:rPr b="0" lang="de-DE" sz="2800" spc="-1" strike="noStrike">
-                <a:solidFill>
-                  <a:srgbClr val="ffffff"/>
-                </a:solidFill>
-                <a:latin typeface="Calibri"/>
+              <a:rPr b="0" lang="en-US" sz="3200" spc="-1" strike="noStrike">
+                <a:latin typeface="Arial"/>
               </a:rPr>
-              <a:t>Edit Master text styles</a:t>
+              <a:t>Click to edit the outline text format</a:t>
             </a:r>
-            <a:endParaRPr b="0" lang="de-DE" sz="2800" spc="-1" strike="noStrike">
-              <a:solidFill>
-                <a:srgbClr val="ffffff"/>
-              </a:solidFill>
-              <a:latin typeface="Calibri"/>
-            </a:endParaRPr>
-          </a:p>
-          <a:p>
-            <a:pPr lvl="1" marL="685800" indent="-228240">
-              <a:lnSpc>
-                <a:spcPct val="90000"/>
-              </a:lnSpc>
+            <a:endParaRPr b="0" lang="en-US" sz="3200" spc="-1" strike="noStrike">
+              <a:latin typeface="Arial"/>
+            </a:endParaRPr>
+          </a:p>
+          <a:p>
+            <a:pPr lvl="1" marL="864000" indent="-324000">
               <a:spcBef>
-                <a:spcPts val="499"/>
+                <a:spcPts val="1134"/>
               </a:spcBef>
               <a:buClr>
                 <a:srgbClr val="ffffff"/>
               </a:buClr>
-              <a:buFont typeface="Arial"/>
-              <a:buChar char="•"/>
+              <a:buSzPct val="75000"/>
+              <a:buFont typeface="Symbol" charset="2"/>
+              <a:buChar char=""/>
             </a:pPr>
             <a:r>
-              <a:rPr b="0" lang="de-DE" sz="2400" spc="-1" strike="noStrike">
-                <a:solidFill>
-                  <a:srgbClr val="ffffff"/>
-                </a:solidFill>
-                <a:latin typeface="Calibri"/>
+              <a:rPr b="0" lang="en-US" sz="2800" spc="-1" strike="noStrike">
+                <a:latin typeface="Arial"/>
               </a:rPr>
-              <a:t>Second level</a:t>
+              <a:t>Second Outline Level</a:t>
             </a:r>
-            <a:endParaRPr b="0" lang="de-DE" sz="2400" spc="-1" strike="noStrike">
-              <a:solidFill>
-                <a:srgbClr val="ffffff"/>
-              </a:solidFill>
-              <a:latin typeface="Calibri"/>
-            </a:endParaRPr>
-          </a:p>
-          <a:p>
-            <a:pPr lvl="2" marL="1143000" indent="-228240">
-              <a:lnSpc>
-                <a:spcPct val="90000"/>
-              </a:lnSpc>
+            <a:endParaRPr b="0" lang="en-US" sz="2800" spc="-1" strike="noStrike">
+              <a:latin typeface="Arial"/>
+            </a:endParaRPr>
+          </a:p>
+          <a:p>
+            <a:pPr lvl="2" marL="1296000" indent="-288000">
               <a:spcBef>
-                <a:spcPts val="499"/>
+                <a:spcPts val="850"/>
               </a:spcBef>
               <a:buClr>
                 <a:srgbClr val="ffffff"/>
               </a:buClr>
-              <a:buFont typeface="Arial"/>
-              <a:buChar char="•"/>
+              <a:buSzPct val="45000"/>
+              <a:buFont typeface="Wingdings" charset="2"/>
+              <a:buChar char=""/>
             </a:pPr>
             <a:r>
-              <a:rPr b="0" lang="de-DE" sz="2000" spc="-1" strike="noStrike">
-                <a:solidFill>
-                  <a:srgbClr val="ffffff"/>
-                </a:solidFill>
-                <a:latin typeface="Calibri"/>
+              <a:rPr b="0" lang="en-US" sz="2400" spc="-1" strike="noStrike">
+                <a:latin typeface="Arial"/>
               </a:rPr>
-              <a:t>Third level</a:t>
+              <a:t>Third Outline Level</a:t>
             </a:r>
-            <a:endParaRPr b="0" lang="de-DE" sz="2000" spc="-1" strike="noStrike">
-              <a:solidFill>
-                <a:srgbClr val="ffffff"/>
-              </a:solidFill>
-              <a:latin typeface="Calibri"/>
-            </a:endParaRPr>
-          </a:p>
-          <a:p>
-            <a:pPr lvl="3" marL="1600200" indent="-228240">
-              <a:lnSpc>
-                <a:spcPct val="90000"/>
-              </a:lnSpc>
+            <a:endParaRPr b="0" lang="en-US" sz="2400" spc="-1" strike="noStrike">
+              <a:latin typeface="Arial"/>
+            </a:endParaRPr>
+          </a:p>
+          <a:p>
+            <a:pPr lvl="3" marL="1728000" indent="-216000">
               <a:spcBef>
-                <a:spcPts val="499"/>
+                <a:spcPts val="567"/>
               </a:spcBef>
               <a:buClr>
                 <a:srgbClr val="ffffff"/>
               </a:buClr>
-              <a:buFont typeface="Arial"/>
-              <a:buChar char="•"/>
+              <a:buSzPct val="75000"/>
+              <a:buFont typeface="Symbol" charset="2"/>
+              <a:buChar char=""/>
             </a:pPr>
             <a:r>
-              <a:rPr b="0" lang="de-DE" sz="1800" spc="-1" strike="noStrike">
-                <a:solidFill>
-                  <a:srgbClr val="ffffff"/>
-                </a:solidFill>
-                <a:latin typeface="Calibri"/>
+              <a:rPr b="0" lang="en-US" sz="2000" spc="-1" strike="noStrike">
+                <a:latin typeface="Arial"/>
               </a:rPr>
-              <a:t>Fourth level</a:t>
+              <a:t>Fourth Outline Level</a:t>
             </a:r>
-            <a:endParaRPr b="0" lang="de-DE" sz="1800" spc="-1" strike="noStrike">
-              <a:solidFill>
-                <a:srgbClr val="ffffff"/>
-              </a:solidFill>
-              <a:latin typeface="Calibri"/>
-            </a:endParaRPr>
-          </a:p>
-          <a:p>
-            <a:pPr lvl="4" marL="2057400" indent="-228240">
-              <a:lnSpc>
-                <a:spcPct val="90000"/>
-              </a:lnSpc>
+            <a:endParaRPr b="0" lang="en-US" sz="2000" spc="-1" strike="noStrike">
+              <a:latin typeface="Arial"/>
+            </a:endParaRPr>
+          </a:p>
+          <a:p>
+            <a:pPr lvl="4" marL="2160000" indent="-216000">
               <a:spcBef>
-                <a:spcPts val="499"/>
+                <a:spcPts val="283"/>
               </a:spcBef>
               <a:buClr>
                 <a:srgbClr val="ffffff"/>
               </a:buClr>
-              <a:buFont typeface="Arial"/>
-              <a:buChar char="•"/>
+              <a:buSzPct val="45000"/>
+              <a:buFont typeface="Wingdings" charset="2"/>
+              <a:buChar char=""/>
             </a:pPr>
             <a:r>
-              <a:rPr b="0" lang="de-DE" sz="1800" spc="-1" strike="noStrike">
-                <a:solidFill>
-                  <a:srgbClr val="ffffff"/>
-                </a:solidFill>
-                <a:latin typeface="Calibri"/>
+              <a:rPr b="0" lang="en-US" sz="2000" spc="-1" strike="noStrike">
+                <a:latin typeface="Arial"/>
               </a:rPr>
-              <a:t>Fifth level</a:t>
+              <a:t>Fifth Outline Level</a:t>
             </a:r>
-            <a:endParaRPr b="0" lang="de-DE" sz="1800" spc="-1" strike="noStrike">
-              <a:solidFill>
-                <a:srgbClr val="ffffff"/>
-              </a:solidFill>
-              <a:latin typeface="Calibri"/>
-            </a:endParaRPr>
-          </a:p>
-        </p:txBody>
-      </p:sp>
-      <p:sp>
-        <p:nvSpPr>
-          <p:cNvPr id="85" name="PlaceHolder 4"/>
-          <p:cNvSpPr>
-            <a:spLocks noGrp="1"/>
-          </p:cNvSpPr>
-          <p:nvPr>
-            <p:ph type="body"/>
-          </p:nvPr>
-        </p:nvSpPr>
-        <p:spPr>
-          <a:xfrm>
-            <a:off x="6172200" y="1681200"/>
-            <a:ext cx="5182920" cy="823680"/>
-          </a:xfrm>
-          <a:prstGeom prst="rect">
-            <a:avLst/>
-          </a:prstGeom>
-        </p:spPr>
-        <p:txBody>
-          <a:bodyPr anchor="b"/>
-          <a:p>
-            <a:pPr>
-              <a:lnSpc>
-                <a:spcPct val="90000"/>
-              </a:lnSpc>
+            <a:endParaRPr b="0" lang="en-US" sz="2000" spc="-1" strike="noStrike">
+              <a:latin typeface="Arial"/>
+            </a:endParaRPr>
+          </a:p>
+          <a:p>
+            <a:pPr lvl="5" marL="2592000" indent="-216000">
               <a:spcBef>
-                <a:spcPts val="1001"/>
-              </a:spcBef>
-            </a:pPr>
-            <a:r>
-              <a:rPr b="1" lang="de-DE" sz="2400" spc="-1" strike="noStrike">
-                <a:solidFill>
-                  <a:srgbClr val="ffffff"/>
-                </a:solidFill>
-                <a:latin typeface="Calibri"/>
-              </a:rPr>
-              <a:t>Edit Master text styles</a:t>
-            </a:r>
-            <a:endParaRPr b="0" lang="de-DE" sz="2400" spc="-1" strike="noStrike">
-              <a:solidFill>
-                <a:srgbClr val="ffffff"/>
-              </a:solidFill>
-              <a:latin typeface="Calibri"/>
-            </a:endParaRPr>
-          </a:p>
-        </p:txBody>
-      </p:sp>
-      <p:sp>
-        <p:nvSpPr>
-          <p:cNvPr id="86" name="PlaceHolder 5"/>
-          <p:cNvSpPr>
-            <a:spLocks noGrp="1"/>
-          </p:cNvSpPr>
-          <p:nvPr>
-            <p:ph type="body"/>
-          </p:nvPr>
-        </p:nvSpPr>
-        <p:spPr>
-          <a:xfrm>
-            <a:off x="6172200" y="2505240"/>
-            <a:ext cx="5182920" cy="3684240"/>
-          </a:xfrm>
-          <a:prstGeom prst="rect">
-            <a:avLst/>
-          </a:prstGeom>
-        </p:spPr>
-        <p:txBody>
-          <a:bodyPr/>
-          <a:p>
-            <a:pPr marL="228600" indent="-228240">
-              <a:lnSpc>
-                <a:spcPct val="90000"/>
-              </a:lnSpc>
-              <a:spcBef>
-                <a:spcPts val="1001"/>
+                <a:spcPts val="283"/>
               </a:spcBef>
               <a:buClr>
                 <a:srgbClr val="ffffff"/>
               </a:buClr>
-              <a:buFont typeface="Arial"/>
-              <a:buChar char="•"/>
+              <a:buSzPct val="45000"/>
+              <a:buFont typeface="Wingdings" charset="2"/>
+              <a:buChar char=""/>
             </a:pPr>
             <a:r>
-              <a:rPr b="0" lang="de-DE" sz="2800" spc="-1" strike="noStrike">
-                <a:solidFill>
-                  <a:srgbClr val="ffffff"/>
-                </a:solidFill>
-                <a:latin typeface="Calibri"/>
+              <a:rPr b="0" lang="en-US" sz="2000" spc="-1" strike="noStrike">
+                <a:latin typeface="Arial"/>
               </a:rPr>
-              <a:t>Edit Master text styles</a:t>
+              <a:t>Sixth Outline Level</a:t>
             </a:r>
-            <a:endParaRPr b="0" lang="de-DE" sz="2800" spc="-1" strike="noStrike">
-              <a:solidFill>
-                <a:srgbClr val="ffffff"/>
-              </a:solidFill>
-              <a:latin typeface="Calibri"/>
-            </a:endParaRPr>
-          </a:p>
-          <a:p>
-            <a:pPr lvl="1" marL="685800" indent="-228240">
-              <a:lnSpc>
-                <a:spcPct val="90000"/>
-              </a:lnSpc>
+            <a:endParaRPr b="0" lang="en-US" sz="2000" spc="-1" strike="noStrike">
+              <a:latin typeface="Arial"/>
+            </a:endParaRPr>
+          </a:p>
+          <a:p>
+            <a:pPr lvl="6" marL="3024000" indent="-216000">
               <a:spcBef>
-                <a:spcPts val="499"/>
+                <a:spcPts val="283"/>
               </a:spcBef>
               <a:buClr>
                 <a:srgbClr val="ffffff"/>
               </a:buClr>
-              <a:buFont typeface="Arial"/>
-              <a:buChar char="•"/>
+              <a:buSzPct val="45000"/>
+              <a:buFont typeface="Wingdings" charset="2"/>
+              <a:buChar char=""/>
             </a:pPr>
             <a:r>
-              <a:rPr b="0" lang="de-DE" sz="2400" spc="-1" strike="noStrike">
-                <a:solidFill>
-                  <a:srgbClr val="ffffff"/>
-                </a:solidFill>
-                <a:latin typeface="Calibri"/>
+              <a:rPr b="0" lang="en-US" sz="2000" spc="-1" strike="noStrike">
+                <a:latin typeface="Arial"/>
               </a:rPr>
-              <a:t>Second level</a:t>
+              <a:t>Seventh Outline Level</a:t>
             </a:r>
-            <a:endParaRPr b="0" lang="de-DE" sz="2400" spc="-1" strike="noStrike">
-              <a:solidFill>
-                <a:srgbClr val="ffffff"/>
-              </a:solidFill>
-              <a:latin typeface="Calibri"/>
-            </a:endParaRPr>
-          </a:p>
-          <a:p>
-            <a:pPr lvl="2" marL="1143000" indent="-228240">
-              <a:lnSpc>
-                <a:spcPct val="90000"/>
-              </a:lnSpc>
-              <a:spcBef>
-                <a:spcPts val="499"/>
-              </a:spcBef>
-              <a:buClr>
-                <a:srgbClr val="ffffff"/>
-              </a:buClr>
-              <a:buFont typeface="Arial"/>
-              <a:buChar char="•"/>
-            </a:pPr>
-            <a:r>
-              <a:rPr b="0" lang="de-DE" sz="2000" spc="-1" strike="noStrike">
-                <a:solidFill>
-                  <a:srgbClr val="ffffff"/>
-                </a:solidFill>
-                <a:latin typeface="Calibri"/>
-              </a:rPr>
-              <a:t>Third level</a:t>
-            </a:r>
-            <a:endParaRPr b="0" lang="de-DE" sz="2000" spc="-1" strike="noStrike">
-              <a:solidFill>
-                <a:srgbClr val="ffffff"/>
-              </a:solidFill>
-              <a:latin typeface="Calibri"/>
-            </a:endParaRPr>
-          </a:p>
-          <a:p>
-            <a:pPr lvl="3" marL="1600200" indent="-228240">
-              <a:lnSpc>
-                <a:spcPct val="90000"/>
-              </a:lnSpc>
-              <a:spcBef>
-                <a:spcPts val="499"/>
-              </a:spcBef>
-              <a:buClr>
-                <a:srgbClr val="ffffff"/>
-              </a:buClr>
-              <a:buFont typeface="Arial"/>
-              <a:buChar char="•"/>
-            </a:pPr>
-            <a:r>
-              <a:rPr b="0" lang="de-DE" sz="1800" spc="-1" strike="noStrike">
-                <a:solidFill>
-                  <a:srgbClr val="ffffff"/>
-                </a:solidFill>
-                <a:latin typeface="Calibri"/>
-              </a:rPr>
-              <a:t>Fourth level</a:t>
-            </a:r>
-            <a:endParaRPr b="0" lang="de-DE" sz="1800" spc="-1" strike="noStrike">
-              <a:solidFill>
-                <a:srgbClr val="ffffff"/>
-              </a:solidFill>
-              <a:latin typeface="Calibri"/>
-            </a:endParaRPr>
-          </a:p>
-          <a:p>
-            <a:pPr lvl="4" marL="2057400" indent="-228240">
-              <a:lnSpc>
-                <a:spcPct val="90000"/>
-              </a:lnSpc>
-              <a:spcBef>
-                <a:spcPts val="499"/>
-              </a:spcBef>
-              <a:buClr>
-                <a:srgbClr val="ffffff"/>
-              </a:buClr>
-              <a:buFont typeface="Arial"/>
-              <a:buChar char="•"/>
-            </a:pPr>
-            <a:r>
-              <a:rPr b="0" lang="de-DE" sz="1800" spc="-1" strike="noStrike">
-                <a:solidFill>
-                  <a:srgbClr val="ffffff"/>
-                </a:solidFill>
-                <a:latin typeface="Calibri"/>
-              </a:rPr>
-              <a:t>Fifth level</a:t>
-            </a:r>
-            <a:endParaRPr b="0" lang="de-DE" sz="1800" spc="-1" strike="noStrike">
-              <a:solidFill>
-                <a:srgbClr val="ffffff"/>
-              </a:solidFill>
-              <a:latin typeface="Calibri"/>
-            </a:endParaRPr>
-          </a:p>
-        </p:txBody>
-      </p:sp>
-      <p:sp>
-        <p:nvSpPr>
-          <p:cNvPr id="87" name="PlaceHolder 6"/>
-          <p:cNvSpPr>
-            <a:spLocks noGrp="1"/>
-          </p:cNvSpPr>
-          <p:nvPr>
-            <p:ph type="dt"/>
-          </p:nvPr>
-        </p:nvSpPr>
-        <p:spPr>
-          <a:xfrm>
-            <a:off x="838080" y="6356520"/>
-            <a:ext cx="2742840" cy="364680"/>
-          </a:xfrm>
-          <a:prstGeom prst="rect">
-            <a:avLst/>
-          </a:prstGeom>
-        </p:spPr>
-        <p:txBody>
-          <a:bodyPr anchor="ctr"/>
-          <a:p>
-            <a:pPr>
-              <a:lnSpc>
-                <a:spcPct val="100000"/>
-              </a:lnSpc>
-            </a:pPr>
-            <a:fld id="{7CE600EE-EBA1-48D0-A271-189F7A0E9C38}" type="datetime">
-              <a:rPr b="0" lang="en-US" sz="1200" spc="-1" strike="noStrike">
-                <a:solidFill>
-                  <a:srgbClr val="ffffff"/>
-                </a:solidFill>
-                <a:latin typeface="Calibri"/>
-              </a:rPr>
-              <a:t>2/16/20</a:t>
-            </a:fld>
-            <a:endParaRPr b="0" lang="en-US" sz="1200" spc="-1" strike="noStrike">
-              <a:latin typeface="Times New Roman"/>
-            </a:endParaRPr>
-          </a:p>
-        </p:txBody>
-      </p:sp>
-      <p:sp>
-        <p:nvSpPr>
-          <p:cNvPr id="88" name="PlaceHolder 7"/>
-          <p:cNvSpPr>
-            <a:spLocks noGrp="1"/>
-          </p:cNvSpPr>
-          <p:nvPr>
-            <p:ph type="ftr"/>
-          </p:nvPr>
-        </p:nvSpPr>
-        <p:spPr>
-          <a:xfrm>
-            <a:off x="4038480" y="6356520"/>
-            <a:ext cx="4114440" cy="364680"/>
-          </a:xfrm>
-          <a:prstGeom prst="rect">
-            <a:avLst/>
-          </a:prstGeom>
-        </p:spPr>
-        <p:txBody>
-          <a:bodyPr anchor="ctr"/>
-          <a:p>
-            <a:endParaRPr b="0" lang="en-US" sz="2400" spc="-1" strike="noStrike">
-              <a:latin typeface="Times New Roman"/>
-            </a:endParaRPr>
-          </a:p>
-        </p:txBody>
-      </p:sp>
-      <p:sp>
-        <p:nvSpPr>
-          <p:cNvPr id="89" name="PlaceHolder 8"/>
-          <p:cNvSpPr>
-            <a:spLocks noGrp="1"/>
-          </p:cNvSpPr>
-          <p:nvPr>
-            <p:ph type="sldNum"/>
-          </p:nvPr>
-        </p:nvSpPr>
-        <p:spPr>
-          <a:xfrm>
-            <a:off x="8610480" y="6356520"/>
-            <a:ext cx="2742840" cy="364680"/>
-          </a:xfrm>
-          <a:prstGeom prst="rect">
-            <a:avLst/>
-          </a:prstGeom>
-        </p:spPr>
-        <p:txBody>
-          <a:bodyPr anchor="ctr"/>
-          <a:p>
-            <a:pPr algn="r">
-              <a:lnSpc>
-                <a:spcPct val="100000"/>
-              </a:lnSpc>
-            </a:pPr>
-            <a:fld id="{F0809877-BEB0-4AD3-AFE1-C1A0333C397F}" type="slidenum">
-              <a:rPr b="0" lang="en-US" sz="1200" spc="-1" strike="noStrike">
-                <a:solidFill>
-                  <a:srgbClr val="ffffff"/>
-                </a:solidFill>
-                <a:latin typeface="Calibri"/>
-              </a:rPr>
-              <a:t>1</a:t>
-            </a:fld>
-            <a:endParaRPr b="0" lang="en-US" sz="1200" spc="-1" strike="noStrike">
-              <a:latin typeface="Times New Roman"/>
+            <a:endParaRPr b="0" lang="en-US" sz="2000" spc="-1" strike="noStrike">
+              <a:latin typeface="Arial"/>
             </a:endParaRPr>
           </a:p>
         </p:txBody>
@@ -5756,14 +4814,14 @@
       </p:grpSpPr>
       <p:sp>
         <p:nvSpPr>
-          <p:cNvPr id="126" name="TextShape 1"/>
-          <p:cNvSpPr txBox="1"/>
+          <p:cNvPr id="114" name="CustomShape 1"/>
+          <p:cNvSpPr/>
           <p:nvPr/>
         </p:nvSpPr>
         <p:spPr>
           <a:xfrm>
             <a:off x="1523880" y="1122480"/>
-            <a:ext cx="9143640" cy="2387160"/>
+            <a:ext cx="9143280" cy="2386800"/>
           </a:xfrm>
           <a:prstGeom prst="rect">
             <a:avLst/>
@@ -5773,8 +4831,14 @@
             <a:noFill/>
           </a:ln>
         </p:spPr>
-        <p:txBody>
-          <a:bodyPr anchor="b">
+        <p:style>
+          <a:lnRef idx="0"/>
+          <a:fillRef idx="0"/>
+          <a:effectRef idx="0"/>
+          <a:fontRef idx="minor"/>
+        </p:style>
+        <p:txBody>
+          <a:bodyPr lIns="90000" rIns="90000" tIns="45000" bIns="45000" anchor="b">
             <a:normAutofit/>
           </a:bodyPr>
           <a:p>
@@ -5784,7 +4848,7 @@
               </a:lnSpc>
             </a:pPr>
             <a:r>
-              <a:rPr b="1" lang="de-DE" sz="11500" spc="-1" strike="noStrike">
+              <a:rPr b="1" lang="en-US" sz="11500" spc="-1" strike="noStrike">
                 <a:solidFill>
                   <a:srgbClr val="ffffff"/>
                 </a:solidFill>
@@ -5792,25 +4856,22 @@
               </a:rPr>
               <a:t>Status Quo</a:t>
             </a:r>
-            <a:endParaRPr b="0" lang="de-DE" sz="11500" spc="-1" strike="noStrike">
-              <a:solidFill>
-                <a:srgbClr val="000000"/>
-              </a:solidFill>
-              <a:latin typeface="Calibri"/>
-            </a:endParaRPr>
-          </a:p>
-        </p:txBody>
-      </p:sp>
-      <p:sp>
-        <p:nvSpPr>
-          <p:cNvPr id="127" name="TextShape 2"/>
-          <p:cNvSpPr txBox="1"/>
+            <a:endParaRPr b="0" lang="en-US" sz="11500" spc="-1" strike="noStrike">
+              <a:latin typeface="Arial"/>
+            </a:endParaRPr>
+          </a:p>
+        </p:txBody>
+      </p:sp>
+      <p:sp>
+        <p:nvSpPr>
+          <p:cNvPr id="115" name="CustomShape 2"/>
+          <p:cNvSpPr/>
           <p:nvPr/>
         </p:nvSpPr>
         <p:spPr>
           <a:xfrm>
             <a:off x="1523880" y="3602160"/>
-            <a:ext cx="9143640" cy="1655280"/>
+            <a:ext cx="9143280" cy="1654920"/>
           </a:xfrm>
           <a:prstGeom prst="rect">
             <a:avLst/>
@@ -5820,8 +4881,14 @@
             <a:noFill/>
           </a:ln>
         </p:spPr>
-        <p:txBody>
-          <a:bodyPr/>
+        <p:style>
+          <a:lnRef idx="0"/>
+          <a:fillRef idx="0"/>
+          <a:effectRef idx="0"/>
+          <a:fontRef idx="minor"/>
+        </p:style>
+        <p:txBody>
+          <a:bodyPr lIns="90000" rIns="90000" tIns="45000" bIns="45000"/>
           <a:p>
             <a:pPr algn="ctr">
               <a:lnSpc>
@@ -5845,7 +4912,7 @@
       </p:sp>
       <p:pic>
         <p:nvPicPr>
-          <p:cNvPr id="128" name="Content Placeholder 3" descr=""/>
+          <p:cNvPr id="116" name="Content Placeholder 3" descr=""/>
           <p:cNvPicPr/>
           <p:nvPr/>
         </p:nvPicPr>
@@ -5856,7 +4923,7 @@
         <p:spPr>
           <a:xfrm>
             <a:off x="0" y="4848120"/>
-            <a:ext cx="12192840" cy="2009520"/>
+            <a:ext cx="12192480" cy="2009160"/>
           </a:xfrm>
           <a:prstGeom prst="rect">
             <a:avLst/>
@@ -5920,14 +4987,14 @@
       </p:grpSpPr>
       <p:sp>
         <p:nvSpPr>
-          <p:cNvPr id="152" name="TextShape 1"/>
-          <p:cNvSpPr txBox="1"/>
+          <p:cNvPr id="140" name="CustomShape 1"/>
+          <p:cNvSpPr/>
           <p:nvPr/>
         </p:nvSpPr>
         <p:spPr>
           <a:xfrm>
             <a:off x="839880" y="365040"/>
-            <a:ext cx="10515240" cy="1325160"/>
+            <a:ext cx="10514880" cy="1324800"/>
           </a:xfrm>
           <a:prstGeom prst="rect">
             <a:avLst/>
@@ -5937,8 +5004,14 @@
             <a:noFill/>
           </a:ln>
         </p:spPr>
-        <p:txBody>
-          <a:bodyPr anchor="ctr"/>
+        <p:style>
+          <a:lnRef idx="0"/>
+          <a:fillRef idx="0"/>
+          <a:effectRef idx="0"/>
+          <a:fontRef idx="minor"/>
+        </p:style>
+        <p:txBody>
+          <a:bodyPr lIns="90000" rIns="90000" tIns="45000" bIns="45000" anchor="ctr"/>
           <a:p>
             <a:pPr>
               <a:lnSpc>
@@ -5946,7 +5019,7 @@
               </a:lnSpc>
             </a:pPr>
             <a:r>
-              <a:rPr b="0" lang="de-DE" sz="4400" spc="-1" strike="noStrike">
+              <a:rPr b="0" lang="en-US" sz="4400" spc="-1" strike="noStrike">
                 <a:solidFill>
                   <a:srgbClr val="ffffff"/>
                 </a:solidFill>
@@ -5954,18 +5027,15 @@
               </a:rPr>
               <a:t>Normalized images</a:t>
             </a:r>
-            <a:endParaRPr b="0" lang="de-DE" sz="4400" spc="-1" strike="noStrike">
-              <a:solidFill>
-                <a:srgbClr val="000000"/>
-              </a:solidFill>
-              <a:latin typeface="Calibri"/>
+            <a:endParaRPr b="0" lang="en-US" sz="4400" spc="-1" strike="noStrike">
+              <a:latin typeface="Arial"/>
             </a:endParaRPr>
           </a:p>
         </p:txBody>
       </p:sp>
       <p:pic>
         <p:nvPicPr>
-          <p:cNvPr id="153" name="" descr=""/>
+          <p:cNvPr id="141" name="" descr=""/>
           <p:cNvPicPr/>
           <p:nvPr/>
         </p:nvPicPr>
@@ -5976,7 +5046,7 @@
         <p:spPr>
           <a:xfrm>
             <a:off x="839880" y="1371960"/>
-            <a:ext cx="7115400" cy="5336280"/>
+            <a:ext cx="7115040" cy="5335920"/>
           </a:xfrm>
           <a:prstGeom prst="rect">
             <a:avLst/>
@@ -6040,14 +5110,14 @@
       </p:grpSpPr>
       <p:sp>
         <p:nvSpPr>
-          <p:cNvPr id="154" name="TextShape 1"/>
-          <p:cNvSpPr txBox="1"/>
+          <p:cNvPr id="142" name="CustomShape 1"/>
+          <p:cNvSpPr/>
           <p:nvPr/>
         </p:nvSpPr>
         <p:spPr>
           <a:xfrm>
             <a:off x="838080" y="365040"/>
-            <a:ext cx="10515240" cy="1325160"/>
+            <a:ext cx="10514880" cy="1324800"/>
           </a:xfrm>
           <a:prstGeom prst="rect">
             <a:avLst/>
@@ -6057,8 +5127,14 @@
             <a:noFill/>
           </a:ln>
         </p:spPr>
-        <p:txBody>
-          <a:bodyPr anchor="ctr"/>
+        <p:style>
+          <a:lnRef idx="0"/>
+          <a:fillRef idx="0"/>
+          <a:effectRef idx="0"/>
+          <a:fontRef idx="minor"/>
+        </p:style>
+        <p:txBody>
+          <a:bodyPr lIns="90000" rIns="90000" tIns="45000" bIns="45000" anchor="ctr"/>
           <a:p>
             <a:pPr>
               <a:lnSpc>
@@ -6066,7 +5142,7 @@
               </a:lnSpc>
             </a:pPr>
             <a:r>
-              <a:rPr b="0" lang="de-DE" sz="4400" spc="-1" strike="noStrike">
+              <a:rPr b="0" lang="en-US" sz="4400" spc="-1" strike="noStrike">
                 <a:solidFill>
                   <a:srgbClr val="ffffff"/>
                 </a:solidFill>
@@ -6074,25 +5150,22 @@
               </a:rPr>
               <a:t>Issues encountered reaching first milestone</a:t>
             </a:r>
-            <a:endParaRPr b="0" lang="de-DE" sz="4400" spc="-1" strike="noStrike">
-              <a:solidFill>
-                <a:srgbClr val="000000"/>
-              </a:solidFill>
-              <a:latin typeface="Calibri"/>
-            </a:endParaRPr>
-          </a:p>
-        </p:txBody>
-      </p:sp>
-      <p:sp>
-        <p:nvSpPr>
-          <p:cNvPr id="155" name="TextShape 2"/>
-          <p:cNvSpPr txBox="1"/>
+            <a:endParaRPr b="0" lang="en-US" sz="4400" spc="-1" strike="noStrike">
+              <a:latin typeface="Arial"/>
+            </a:endParaRPr>
+          </a:p>
+        </p:txBody>
+      </p:sp>
+      <p:sp>
+        <p:nvSpPr>
+          <p:cNvPr id="143" name="CustomShape 2"/>
+          <p:cNvSpPr/>
           <p:nvPr/>
         </p:nvSpPr>
         <p:spPr>
           <a:xfrm>
             <a:off x="838080" y="1825560"/>
-            <a:ext cx="10515240" cy="4350960"/>
+            <a:ext cx="10514880" cy="4350600"/>
           </a:xfrm>
           <a:prstGeom prst="rect">
             <a:avLst/>
@@ -6102,10 +5175,16 @@
             <a:noFill/>
           </a:ln>
         </p:spPr>
-        <p:txBody>
-          <a:bodyPr/>
-          <a:p>
-            <a:pPr marL="228600" indent="-228240">
+        <p:style>
+          <a:lnRef idx="0"/>
+          <a:fillRef idx="0"/>
+          <a:effectRef idx="0"/>
+          <a:fontRef idx="minor"/>
+        </p:style>
+        <p:txBody>
+          <a:bodyPr lIns="90000" rIns="90000" tIns="45000" bIns="45000"/>
+          <a:p>
+            <a:pPr marL="228600" indent="-227880">
               <a:lnSpc>
                 <a:spcPct val="90000"/>
               </a:lnSpc>
@@ -6119,7 +5198,7 @@
               <a:buChar char="•"/>
             </a:pPr>
             <a:r>
-              <a:rPr b="0" lang="de-DE" sz="2800" spc="-1" strike="noStrike">
+              <a:rPr b="0" lang="en-US" sz="2800" spc="-1" strike="noStrike">
                 <a:solidFill>
                   <a:srgbClr val="ffffff"/>
                 </a:solidFill>
@@ -6127,15 +5206,12 @@
               </a:rPr>
               <a:t>Driver problems</a:t>
             </a:r>
-            <a:endParaRPr b="0" lang="de-DE" sz="2800" spc="-1" strike="noStrike">
-              <a:solidFill>
-                <a:srgbClr val="ffffff"/>
-              </a:solidFill>
-              <a:latin typeface="Calibri"/>
-            </a:endParaRPr>
-          </a:p>
-          <a:p>
-            <a:pPr lvl="1" marL="685800" indent="-228240">
+            <a:endParaRPr b="0" lang="en-US" sz="2800" spc="-1" strike="noStrike">
+              <a:latin typeface="Arial"/>
+            </a:endParaRPr>
+          </a:p>
+          <a:p>
+            <a:pPr lvl="1" marL="685800" indent="-227880">
               <a:lnSpc>
                 <a:spcPct val="90000"/>
               </a:lnSpc>
@@ -6149,7 +5225,7 @@
               <a:buChar char="•"/>
             </a:pPr>
             <a:r>
-              <a:rPr b="0" lang="de-DE" sz="2400" spc="-1" strike="noStrike">
+              <a:rPr b="0" lang="en-US" sz="2400" spc="-1" strike="noStrike">
                 <a:solidFill>
                   <a:srgbClr val="ffffff"/>
                 </a:solidFill>
@@ -6157,15 +5233,12 @@
               </a:rPr>
               <a:t>Installing CUDA and cuDNN was not possible with the first try</a:t>
             </a:r>
-            <a:endParaRPr b="0" lang="de-DE" sz="2400" spc="-1" strike="noStrike">
-              <a:solidFill>
-                <a:srgbClr val="ffffff"/>
-              </a:solidFill>
-              <a:latin typeface="Calibri"/>
-            </a:endParaRPr>
-          </a:p>
-          <a:p>
-            <a:pPr lvl="1" marL="685800" indent="-228240">
+            <a:endParaRPr b="0" lang="en-US" sz="2400" spc="-1" strike="noStrike">
+              <a:latin typeface="Arial"/>
+            </a:endParaRPr>
+          </a:p>
+          <a:p>
+            <a:pPr lvl="1" marL="685800" indent="-227880">
               <a:lnSpc>
                 <a:spcPct val="90000"/>
               </a:lnSpc>
@@ -6179,7 +5252,7 @@
               <a:buChar char="•"/>
             </a:pPr>
             <a:r>
-              <a:rPr b="0" lang="de-DE" sz="2400" spc="-1" strike="noStrike">
+              <a:rPr b="0" lang="en-US" sz="2400" spc="-1" strike="noStrike">
                 <a:solidFill>
                   <a:srgbClr val="ffffff"/>
                 </a:solidFill>
@@ -6187,15 +5260,12 @@
               </a:rPr>
               <a:t>It appears that the already installed NVIDIA driver caused problems</a:t>
             </a:r>
-            <a:endParaRPr b="0" lang="de-DE" sz="2400" spc="-1" strike="noStrike">
-              <a:solidFill>
-                <a:srgbClr val="ffffff"/>
-              </a:solidFill>
-              <a:latin typeface="Calibri"/>
-            </a:endParaRPr>
-          </a:p>
-          <a:p>
-            <a:pPr lvl="1" marL="685800" indent="-228240">
+            <a:endParaRPr b="0" lang="en-US" sz="2400" spc="-1" strike="noStrike">
+              <a:latin typeface="Arial"/>
+            </a:endParaRPr>
+          </a:p>
+          <a:p>
+            <a:pPr lvl="1" marL="685800" indent="-227880">
               <a:lnSpc>
                 <a:spcPct val="90000"/>
               </a:lnSpc>
@@ -6209,7 +5279,7 @@
               <a:buChar char="•"/>
             </a:pPr>
             <a:r>
-              <a:rPr b="0" lang="de-DE" sz="2400" spc="-1" strike="noStrike">
+              <a:rPr b="0" lang="en-US" sz="2400" spc="-1" strike="noStrike">
                 <a:solidFill>
                   <a:srgbClr val="ffffff"/>
                 </a:solidFill>
@@ -6217,15 +5287,12 @@
               </a:rPr>
               <a:t>Why using CUDA?</a:t>
             </a:r>
-            <a:endParaRPr b="0" lang="de-DE" sz="2400" spc="-1" strike="noStrike">
-              <a:solidFill>
-                <a:srgbClr val="ffffff"/>
-              </a:solidFill>
-              <a:latin typeface="Calibri"/>
-            </a:endParaRPr>
-          </a:p>
-          <a:p>
-            <a:pPr lvl="2" marL="1143000" indent="-228240">
+            <a:endParaRPr b="0" lang="en-US" sz="2400" spc="-1" strike="noStrike">
+              <a:latin typeface="Arial"/>
+            </a:endParaRPr>
+          </a:p>
+          <a:p>
+            <a:pPr lvl="2" marL="1143000" indent="-227880">
               <a:lnSpc>
                 <a:spcPct val="90000"/>
               </a:lnSpc>
@@ -6239,7 +5306,7 @@
               <a:buChar char="•"/>
             </a:pPr>
             <a:r>
-              <a:rPr b="0" lang="de-DE" sz="2000" spc="-1" strike="noStrike">
+              <a:rPr b="0" lang="en-US" sz="2000" spc="-1" strike="noStrike">
                 <a:solidFill>
                   <a:srgbClr val="ffffff"/>
                 </a:solidFill>
@@ -6247,15 +5314,15 @@
               </a:rPr>
               <a:t>GPU for faster model calculations</a:t>
             </a:r>
-            <a:endParaRPr b="0" lang="de-DE" sz="2000" spc="-1" strike="noStrike">
-              <a:solidFill>
-                <a:srgbClr val="ffffff"/>
-              </a:solidFill>
-              <a:latin typeface="Calibri"/>
-            </a:endParaRPr>
-          </a:p>
-          <a:p>
-            <a:pPr marL="228600" indent="-228240">
+            <a:endParaRPr b="0" lang="en-US" sz="2000" spc="-1" strike="noStrike">
+              <a:latin typeface="Arial"/>
+            </a:endParaRPr>
+          </a:p>
+          <a:p>
+            <a:pPr marL="228600" indent="-227880">
+              <a:lnSpc>
+                <a:spcPct val="100000"/>
+              </a:lnSpc>
               <a:spcBef>
                 <a:spcPts val="1417"/>
               </a:spcBef>
@@ -6266,7 +5333,7 @@
               <a:buChar char="•"/>
             </a:pPr>
             <a:r>
-              <a:rPr b="0" lang="de-DE" sz="2000" spc="-1" strike="noStrike">
+              <a:rPr b="0" lang="en-US" sz="2000" spc="-1" strike="noStrike">
                 <a:solidFill>
                   <a:srgbClr val="ffffff"/>
                 </a:solidFill>
@@ -6274,15 +5341,15 @@
               </a:rPr>
               <a:t>Data preparation</a:t>
             </a:r>
-            <a:endParaRPr b="0" lang="de-DE" sz="2000" spc="-1" strike="noStrike">
-              <a:solidFill>
-                <a:srgbClr val="ffffff"/>
-              </a:solidFill>
-              <a:latin typeface="Calibri"/>
-            </a:endParaRPr>
-          </a:p>
-          <a:p>
-            <a:pPr lvl="1" marL="685800" indent="-228240">
+            <a:endParaRPr b="0" lang="en-US" sz="2000" spc="-1" strike="noStrike">
+              <a:latin typeface="Arial"/>
+            </a:endParaRPr>
+          </a:p>
+          <a:p>
+            <a:pPr lvl="1" marL="685800" indent="-227880">
+              <a:lnSpc>
+                <a:spcPct val="100000"/>
+              </a:lnSpc>
               <a:spcBef>
                 <a:spcPts val="1134"/>
               </a:spcBef>
@@ -6293,7 +5360,7 @@
               <a:buChar char="•"/>
             </a:pPr>
             <a:r>
-              <a:rPr b="0" lang="de-DE" sz="2000" spc="-1" strike="noStrike">
+              <a:rPr b="0" lang="en-US" sz="2000" spc="-1" strike="noStrike">
                 <a:solidFill>
                   <a:srgbClr val="ffffff"/>
                 </a:solidFill>
@@ -6301,15 +5368,15 @@
               </a:rPr>
               <a:t>Labesl and feature</a:t>
             </a:r>
-            <a:endParaRPr b="0" lang="de-DE" sz="2000" spc="-1" strike="noStrike">
-              <a:solidFill>
-                <a:srgbClr val="ffffff"/>
-              </a:solidFill>
-              <a:latin typeface="Calibri"/>
-            </a:endParaRPr>
-          </a:p>
-          <a:p>
-            <a:pPr lvl="1" marL="685800" indent="-228240">
+            <a:endParaRPr b="0" lang="en-US" sz="2000" spc="-1" strike="noStrike">
+              <a:latin typeface="Arial"/>
+            </a:endParaRPr>
+          </a:p>
+          <a:p>
+            <a:pPr lvl="1" marL="685800" indent="-227880">
+              <a:lnSpc>
+                <a:spcPct val="100000"/>
+              </a:lnSpc>
               <a:spcBef>
                 <a:spcPts val="1134"/>
               </a:spcBef>
@@ -6320,7 +5387,7 @@
               <a:buChar char="•"/>
             </a:pPr>
             <a:r>
-              <a:rPr b="0" lang="de-DE" sz="2000" spc="-1" strike="noStrike">
+              <a:rPr b="0" lang="en-US" sz="2000" spc="-1" strike="noStrike">
                 <a:solidFill>
                   <a:srgbClr val="ffffff"/>
                 </a:solidFill>
@@ -6328,11 +5395,8 @@
               </a:rPr>
               <a:t>Input pipeline for the model</a:t>
             </a:r>
-            <a:endParaRPr b="0" lang="de-DE" sz="2000" spc="-1" strike="noStrike">
-              <a:solidFill>
-                <a:srgbClr val="ffffff"/>
-              </a:solidFill>
-              <a:latin typeface="Calibri"/>
+            <a:endParaRPr b="0" lang="en-US" sz="2000" spc="-1" strike="noStrike">
+              <a:latin typeface="Arial"/>
             </a:endParaRPr>
           </a:p>
         </p:txBody>
@@ -6391,14 +5455,14 @@
       </p:grpSpPr>
       <p:sp>
         <p:nvSpPr>
-          <p:cNvPr id="156" name="TextShape 1"/>
-          <p:cNvSpPr txBox="1"/>
+          <p:cNvPr id="144" name="CustomShape 1"/>
+          <p:cNvSpPr/>
           <p:nvPr/>
         </p:nvSpPr>
         <p:spPr>
           <a:xfrm>
             <a:off x="838080" y="365040"/>
-            <a:ext cx="10515240" cy="1325160"/>
+            <a:ext cx="10514880" cy="1324800"/>
           </a:xfrm>
           <a:prstGeom prst="rect">
             <a:avLst/>
@@ -6408,8 +5472,14 @@
             <a:noFill/>
           </a:ln>
         </p:spPr>
-        <p:txBody>
-          <a:bodyPr anchor="ctr"/>
+        <p:style>
+          <a:lnRef idx="0"/>
+          <a:fillRef idx="0"/>
+          <a:effectRef idx="0"/>
+          <a:fontRef idx="minor"/>
+        </p:style>
+        <p:txBody>
+          <a:bodyPr lIns="90000" rIns="90000" tIns="45000" bIns="45000" anchor="ctr"/>
           <a:p>
             <a:pPr>
               <a:lnSpc>
@@ -6417,7 +5487,7 @@
               </a:lnSpc>
             </a:pPr>
             <a:r>
-              <a:rPr b="0" lang="de-DE" sz="4400" spc="-1" strike="noStrike">
+              <a:rPr b="0" lang="en-US" sz="4400" spc="-1" strike="noStrike">
                 <a:solidFill>
                   <a:srgbClr val="ffffff"/>
                 </a:solidFill>
@@ -6425,18 +5495,15 @@
               </a:rPr>
               <a:t>Tasks for up to second and third milestone</a:t>
             </a:r>
-            <a:endParaRPr b="0" lang="de-DE" sz="4400" spc="-1" strike="noStrike">
-              <a:solidFill>
-                <a:srgbClr val="000000"/>
-              </a:solidFill>
-              <a:latin typeface="Calibri"/>
+            <a:endParaRPr b="0" lang="en-US" sz="4400" spc="-1" strike="noStrike">
+              <a:latin typeface="Arial"/>
             </a:endParaRPr>
           </a:p>
         </p:txBody>
       </p:sp>
       <p:pic>
         <p:nvPicPr>
-          <p:cNvPr id="157" name="Content Placeholder 7" descr=""/>
+          <p:cNvPr id="145" name="Content Placeholder 7" descr=""/>
           <p:cNvPicPr/>
           <p:nvPr/>
         </p:nvPicPr>
@@ -6447,7 +5514,7 @@
         <p:spPr>
           <a:xfrm>
             <a:off x="0" y="3459240"/>
-            <a:ext cx="12191760" cy="3398400"/>
+            <a:ext cx="12191400" cy="3398040"/>
           </a:xfrm>
           <a:prstGeom prst="rect">
             <a:avLst/>
@@ -6511,14 +5578,14 @@
       </p:grpSpPr>
       <p:sp>
         <p:nvSpPr>
-          <p:cNvPr id="158" name="TextShape 1"/>
-          <p:cNvSpPr txBox="1"/>
+          <p:cNvPr id="146" name="CustomShape 1"/>
+          <p:cNvSpPr/>
           <p:nvPr/>
         </p:nvSpPr>
         <p:spPr>
           <a:xfrm>
             <a:off x="838080" y="365040"/>
-            <a:ext cx="10515240" cy="1325160"/>
+            <a:ext cx="10514880" cy="1324800"/>
           </a:xfrm>
           <a:prstGeom prst="rect">
             <a:avLst/>
@@ -6528,8 +5595,14 @@
             <a:noFill/>
           </a:ln>
         </p:spPr>
-        <p:txBody>
-          <a:bodyPr anchor="ctr"/>
+        <p:style>
+          <a:lnRef idx="0"/>
+          <a:fillRef idx="0"/>
+          <a:effectRef idx="0"/>
+          <a:fontRef idx="minor"/>
+        </p:style>
+        <p:txBody>
+          <a:bodyPr lIns="90000" rIns="90000" tIns="45000" bIns="45000" anchor="ctr"/>
           <a:p>
             <a:pPr>
               <a:lnSpc>
@@ -6537,7 +5610,7 @@
               </a:lnSpc>
             </a:pPr>
             <a:r>
-              <a:rPr b="0" lang="de-DE" sz="4400" spc="-1" strike="noStrike">
+              <a:rPr b="0" lang="en-US" sz="4400" spc="-1" strike="noStrike">
                 <a:solidFill>
                   <a:srgbClr val="ffffff"/>
                 </a:solidFill>
@@ -6545,25 +5618,22 @@
               </a:rPr>
               <a:t>Tasks for the next milestone</a:t>
             </a:r>
-            <a:endParaRPr b="0" lang="de-DE" sz="4400" spc="-1" strike="noStrike">
-              <a:solidFill>
-                <a:srgbClr val="000000"/>
-              </a:solidFill>
-              <a:latin typeface="Calibri"/>
-            </a:endParaRPr>
-          </a:p>
-        </p:txBody>
-      </p:sp>
-      <p:sp>
-        <p:nvSpPr>
-          <p:cNvPr id="159" name="TextShape 2"/>
-          <p:cNvSpPr txBox="1"/>
+            <a:endParaRPr b="0" lang="en-US" sz="4400" spc="-1" strike="noStrike">
+              <a:latin typeface="Arial"/>
+            </a:endParaRPr>
+          </a:p>
+        </p:txBody>
+      </p:sp>
+      <p:sp>
+        <p:nvSpPr>
+          <p:cNvPr id="147" name="CustomShape 2"/>
+          <p:cNvSpPr/>
           <p:nvPr/>
         </p:nvSpPr>
         <p:spPr>
           <a:xfrm>
             <a:off x="838080" y="1825560"/>
-            <a:ext cx="10515240" cy="4350960"/>
+            <a:ext cx="10514880" cy="4350600"/>
           </a:xfrm>
           <a:prstGeom prst="rect">
             <a:avLst/>
@@ -6573,10 +5643,16 @@
             <a:noFill/>
           </a:ln>
         </p:spPr>
-        <p:txBody>
-          <a:bodyPr/>
-          <a:p>
-            <a:pPr marL="228600" indent="-228240">
+        <p:style>
+          <a:lnRef idx="0"/>
+          <a:fillRef idx="0"/>
+          <a:effectRef idx="0"/>
+          <a:fontRef idx="minor"/>
+        </p:style>
+        <p:txBody>
+          <a:bodyPr lIns="90000" rIns="90000" tIns="45000" bIns="45000"/>
+          <a:p>
+            <a:pPr marL="228600" indent="-227880">
               <a:lnSpc>
                 <a:spcPct val="90000"/>
               </a:lnSpc>
@@ -6590,7 +5666,7 @@
               <a:buChar char="•"/>
             </a:pPr>
             <a:r>
-              <a:rPr b="0" lang="de-DE" sz="2800" spc="-1" strike="noStrike">
+              <a:rPr b="0" lang="en-US" sz="2800" spc="-1" strike="noStrike">
                 <a:solidFill>
                   <a:srgbClr val="ffffff"/>
                 </a:solidFill>
@@ -6598,15 +5674,15 @@
               </a:rPr>
               <a:t>Augmentation for images</a:t>
             </a:r>
-            <a:endParaRPr b="0" lang="de-DE" sz="2800" spc="-1" strike="noStrike">
-              <a:solidFill>
-                <a:srgbClr val="ffffff"/>
-              </a:solidFill>
-              <a:latin typeface="Calibri"/>
-            </a:endParaRPr>
-          </a:p>
-          <a:p>
-            <a:pPr lvl="1" marL="864000" indent="-324000">
+            <a:endParaRPr b="0" lang="en-US" sz="2800" spc="-1" strike="noStrike">
+              <a:latin typeface="Arial"/>
+            </a:endParaRPr>
+          </a:p>
+          <a:p>
+            <a:pPr lvl="1" marL="864000" indent="-323640">
+              <a:lnSpc>
+                <a:spcPct val="100000"/>
+              </a:lnSpc>
               <a:spcBef>
                 <a:spcPts val="1134"/>
               </a:spcBef>
@@ -6614,11 +5690,11 @@
                 <a:srgbClr val="ffffff"/>
               </a:buClr>
               <a:buSzPct val="75000"/>
-              <a:buFont typeface="Symbol" charset="2"/>
+              <a:buFont typeface="Symbol"/>
               <a:buChar char=""/>
             </a:pPr>
             <a:r>
-              <a:rPr b="0" lang="de-DE" sz="2800" spc="-1" strike="noStrike">
+              <a:rPr b="0" lang="en-US" sz="2800" spc="-1" strike="noStrike">
                 <a:solidFill>
                   <a:srgbClr val="ffffff"/>
                 </a:solidFill>
@@ -6626,15 +5702,15 @@
               </a:rPr>
               <a:t>Generating more images for each figure</a:t>
             </a:r>
-            <a:endParaRPr b="0" lang="de-DE" sz="2800" spc="-1" strike="noStrike">
-              <a:solidFill>
-                <a:srgbClr val="ffffff"/>
-              </a:solidFill>
-              <a:latin typeface="Calibri"/>
-            </a:endParaRPr>
-          </a:p>
-          <a:p>
-            <a:pPr lvl="1" marL="864000" indent="-324000">
+            <a:endParaRPr b="0" lang="en-US" sz="2800" spc="-1" strike="noStrike">
+              <a:latin typeface="Arial"/>
+            </a:endParaRPr>
+          </a:p>
+          <a:p>
+            <a:pPr lvl="1" marL="864000" indent="-323640">
+              <a:lnSpc>
+                <a:spcPct val="100000"/>
+              </a:lnSpc>
               <a:spcBef>
                 <a:spcPts val="1134"/>
               </a:spcBef>
@@ -6642,11 +5718,11 @@
                 <a:srgbClr val="ffffff"/>
               </a:buClr>
               <a:buSzPct val="75000"/>
-              <a:buFont typeface="Symbol" charset="2"/>
+              <a:buFont typeface="Symbol"/>
               <a:buChar char=""/>
             </a:pPr>
             <a:r>
-              <a:rPr b="0" lang="de-DE" sz="2800" spc="-1" strike="noStrike">
+              <a:rPr b="0" lang="en-US" sz="2800" spc="-1" strike="noStrike">
                 <a:solidFill>
                   <a:srgbClr val="ffffff"/>
                 </a:solidFill>
@@ -6654,15 +5730,15 @@
               </a:rPr>
               <a:t>Generate more „real“ images for each figure and future augmentation</a:t>
             </a:r>
-            <a:endParaRPr b="0" lang="de-DE" sz="2800" spc="-1" strike="noStrike">
-              <a:solidFill>
-                <a:srgbClr val="ffffff"/>
-              </a:solidFill>
-              <a:latin typeface="Calibri"/>
-            </a:endParaRPr>
-          </a:p>
-          <a:p>
-            <a:pPr lvl="1" marL="864000" indent="-324000">
+            <a:endParaRPr b="0" lang="en-US" sz="2800" spc="-1" strike="noStrike">
+              <a:latin typeface="Arial"/>
+            </a:endParaRPr>
+          </a:p>
+          <a:p>
+            <a:pPr lvl="1" marL="864000" indent="-323640">
+              <a:lnSpc>
+                <a:spcPct val="100000"/>
+              </a:lnSpc>
               <a:spcBef>
                 <a:spcPts val="1134"/>
               </a:spcBef>
@@ -6670,11 +5746,11 @@
                 <a:srgbClr val="ffffff"/>
               </a:buClr>
               <a:buSzPct val="75000"/>
-              <a:buFont typeface="Symbol" charset="2"/>
+              <a:buFont typeface="Symbol"/>
               <a:buChar char=""/>
             </a:pPr>
             <a:r>
-              <a:rPr b="0" lang="de-DE" sz="2800" spc="-1" strike="noStrike">
+              <a:rPr b="0" lang="en-US" sz="2800" spc="-1" strike="noStrike">
                 <a:solidFill>
                   <a:srgbClr val="ffffff"/>
                 </a:solidFill>
@@ -6682,11 +5758,8 @@
               </a:rPr>
               <a:t>Better image collection through better set up</a:t>
             </a:r>
-            <a:endParaRPr b="0" lang="de-DE" sz="2800" spc="-1" strike="noStrike">
-              <a:solidFill>
-                <a:srgbClr val="ffffff"/>
-              </a:solidFill>
-              <a:latin typeface="Calibri"/>
+            <a:endParaRPr b="0" lang="en-US" sz="2800" spc="-1" strike="noStrike">
+              <a:latin typeface="Arial"/>
             </a:endParaRPr>
           </a:p>
         </p:txBody>
@@ -6745,14 +5818,14 @@
       </p:grpSpPr>
       <p:sp>
         <p:nvSpPr>
-          <p:cNvPr id="129" name="TextShape 1"/>
-          <p:cNvSpPr txBox="1"/>
+          <p:cNvPr id="117" name="CustomShape 1"/>
+          <p:cNvSpPr/>
           <p:nvPr/>
         </p:nvSpPr>
         <p:spPr>
           <a:xfrm>
             <a:off x="838080" y="365040"/>
-            <a:ext cx="10515240" cy="1325160"/>
+            <a:ext cx="10514880" cy="1324800"/>
           </a:xfrm>
           <a:prstGeom prst="rect">
             <a:avLst/>
@@ -6762,8 +5835,14 @@
             <a:noFill/>
           </a:ln>
         </p:spPr>
-        <p:txBody>
-          <a:bodyPr anchor="ctr"/>
+        <p:style>
+          <a:lnRef idx="0"/>
+          <a:fillRef idx="0"/>
+          <a:effectRef idx="0"/>
+          <a:fontRef idx="minor"/>
+        </p:style>
+        <p:txBody>
+          <a:bodyPr lIns="90000" rIns="90000" tIns="45000" bIns="45000" anchor="ctr"/>
           <a:p>
             <a:pPr>
               <a:lnSpc>
@@ -6771,7 +5850,7 @@
               </a:lnSpc>
             </a:pPr>
             <a:r>
-              <a:rPr b="0" lang="de-DE" sz="4400" spc="-1" strike="noStrike">
+              <a:rPr b="0" lang="en-US" sz="4400" spc="-1" strike="noStrike">
                 <a:solidFill>
                   <a:srgbClr val="ffffff"/>
                 </a:solidFill>
@@ -6779,25 +5858,22 @@
               </a:rPr>
               <a:t>Tools used for the technical thesis</a:t>
             </a:r>
-            <a:endParaRPr b="0" lang="de-DE" sz="4400" spc="-1" strike="noStrike">
-              <a:solidFill>
-                <a:srgbClr val="000000"/>
-              </a:solidFill>
-              <a:latin typeface="Calibri"/>
-            </a:endParaRPr>
-          </a:p>
-        </p:txBody>
-      </p:sp>
-      <p:sp>
-        <p:nvSpPr>
-          <p:cNvPr id="130" name="TextShape 2"/>
-          <p:cNvSpPr txBox="1"/>
+            <a:endParaRPr b="0" lang="en-US" sz="4400" spc="-1" strike="noStrike">
+              <a:latin typeface="Arial"/>
+            </a:endParaRPr>
+          </a:p>
+        </p:txBody>
+      </p:sp>
+      <p:sp>
+        <p:nvSpPr>
+          <p:cNvPr id="118" name="CustomShape 2"/>
+          <p:cNvSpPr/>
           <p:nvPr/>
         </p:nvSpPr>
         <p:spPr>
           <a:xfrm>
             <a:off x="838080" y="1825560"/>
-            <a:ext cx="10515240" cy="4350960"/>
+            <a:ext cx="10514880" cy="4350600"/>
           </a:xfrm>
           <a:prstGeom prst="rect">
             <a:avLst/>
@@ -6807,12 +5883,18 @@
             <a:noFill/>
           </a:ln>
         </p:spPr>
-        <p:txBody>
-          <a:bodyPr>
+        <p:style>
+          <a:lnRef idx="0"/>
+          <a:fillRef idx="0"/>
+          <a:effectRef idx="0"/>
+          <a:fontRef idx="minor"/>
+        </p:style>
+        <p:txBody>
+          <a:bodyPr lIns="90000" rIns="90000" tIns="45000" bIns="45000">
             <a:normAutofit/>
           </a:bodyPr>
           <a:p>
-            <a:pPr marL="228600" indent="-228240">
+            <a:pPr marL="228600" indent="-227880">
               <a:lnSpc>
                 <a:spcPct val="90000"/>
               </a:lnSpc>
@@ -6826,7 +5908,7 @@
               <a:buChar char="•"/>
             </a:pPr>
             <a:r>
-              <a:rPr b="0" lang="de-DE" sz="2800" spc="-1" strike="noStrike">
+              <a:rPr b="0" lang="en-US" sz="2800" spc="-1" strike="noStrike">
                 <a:solidFill>
                   <a:srgbClr val="ffffff"/>
                 </a:solidFill>
@@ -6834,15 +5916,12 @@
               </a:rPr>
               <a:t>Visual Studio Code</a:t>
             </a:r>
-            <a:endParaRPr b="0" lang="de-DE" sz="2800" spc="-1" strike="noStrike">
-              <a:solidFill>
-                <a:srgbClr val="ffffff"/>
-              </a:solidFill>
-              <a:latin typeface="Calibri"/>
-            </a:endParaRPr>
-          </a:p>
-          <a:p>
-            <a:pPr lvl="1" marL="685800" indent="-228240">
+            <a:endParaRPr b="0" lang="en-US" sz="2800" spc="-1" strike="noStrike">
+              <a:latin typeface="Arial"/>
+            </a:endParaRPr>
+          </a:p>
+          <a:p>
+            <a:pPr lvl="1" marL="685800" indent="-227880">
               <a:lnSpc>
                 <a:spcPct val="90000"/>
               </a:lnSpc>
@@ -6856,7 +5935,7 @@
               <a:buChar char="•"/>
             </a:pPr>
             <a:r>
-              <a:rPr b="0" lang="de-DE" sz="2400" spc="-1" strike="noStrike">
+              <a:rPr b="0" lang="en-US" sz="2400" spc="-1" strike="noStrike">
                 <a:solidFill>
                   <a:srgbClr val="ffffff"/>
                 </a:solidFill>
@@ -6864,15 +5943,12 @@
               </a:rPr>
               <a:t>As development enviroment for python files</a:t>
             </a:r>
-            <a:endParaRPr b="0" lang="de-DE" sz="2400" spc="-1" strike="noStrike">
-              <a:solidFill>
-                <a:srgbClr val="ffffff"/>
-              </a:solidFill>
-              <a:latin typeface="Calibri"/>
-            </a:endParaRPr>
-          </a:p>
-          <a:p>
-            <a:pPr lvl="2" marL="1143000" indent="-228240">
+            <a:endParaRPr b="0" lang="en-US" sz="2400" spc="-1" strike="noStrike">
+              <a:latin typeface="Arial"/>
+            </a:endParaRPr>
+          </a:p>
+          <a:p>
+            <a:pPr lvl="2" marL="1143000" indent="-227880">
               <a:lnSpc>
                 <a:spcPct val="90000"/>
               </a:lnSpc>
@@ -6886,7 +5962,7 @@
               <a:buChar char="•"/>
             </a:pPr>
             <a:r>
-              <a:rPr b="0" lang="de-DE" sz="2000" spc="-1" strike="noStrike">
+              <a:rPr b="0" lang="en-US" sz="2000" spc="-1" strike="noStrike">
                 <a:solidFill>
                   <a:srgbClr val="ffffff"/>
                 </a:solidFill>
@@ -6894,15 +5970,12 @@
               </a:rPr>
               <a:t>Why? Clean, nice looking, easy to use, „hyped“</a:t>
             </a:r>
-            <a:endParaRPr b="0" lang="de-DE" sz="2000" spc="-1" strike="noStrike">
-              <a:solidFill>
-                <a:srgbClr val="ffffff"/>
-              </a:solidFill>
-              <a:latin typeface="Calibri"/>
-            </a:endParaRPr>
-          </a:p>
-          <a:p>
-            <a:pPr marL="228600" indent="-228240">
+            <a:endParaRPr b="0" lang="en-US" sz="2000" spc="-1" strike="noStrike">
+              <a:latin typeface="Arial"/>
+            </a:endParaRPr>
+          </a:p>
+          <a:p>
+            <a:pPr marL="228600" indent="-227880">
               <a:lnSpc>
                 <a:spcPct val="90000"/>
               </a:lnSpc>
@@ -6916,7 +5989,7 @@
               <a:buChar char="•"/>
             </a:pPr>
             <a:r>
-              <a:rPr b="0" lang="de-DE" sz="2800" spc="-1" strike="noStrike">
+              <a:rPr b="0" lang="en-US" sz="2800" spc="-1" strike="noStrike">
                 <a:solidFill>
                   <a:srgbClr val="ffffff"/>
                 </a:solidFill>
@@ -6924,15 +5997,12 @@
               </a:rPr>
               <a:t>GIT &amp; GitHub</a:t>
             </a:r>
-            <a:endParaRPr b="0" lang="de-DE" sz="2800" spc="-1" strike="noStrike">
-              <a:solidFill>
-                <a:srgbClr val="ffffff"/>
-              </a:solidFill>
-              <a:latin typeface="Calibri"/>
-            </a:endParaRPr>
-          </a:p>
-          <a:p>
-            <a:pPr lvl="1" marL="685800" indent="-228240">
+            <a:endParaRPr b="0" lang="en-US" sz="2800" spc="-1" strike="noStrike">
+              <a:latin typeface="Arial"/>
+            </a:endParaRPr>
+          </a:p>
+          <a:p>
+            <a:pPr lvl="1" marL="685800" indent="-227880">
               <a:lnSpc>
                 <a:spcPct val="90000"/>
               </a:lnSpc>
@@ -6946,7 +6016,7 @@
               <a:buChar char="•"/>
             </a:pPr>
             <a:r>
-              <a:rPr b="0" lang="de-DE" sz="2400" spc="-1" strike="noStrike">
+              <a:rPr b="0" lang="en-US" sz="2400" spc="-1" strike="noStrike">
                 <a:solidFill>
                   <a:srgbClr val="ffffff"/>
                 </a:solidFill>
@@ -6954,15 +6024,12 @@
               </a:rPr>
               <a:t>As code versioning and sharing</a:t>
             </a:r>
-            <a:endParaRPr b="0" lang="de-DE" sz="2400" spc="-1" strike="noStrike">
-              <a:solidFill>
-                <a:srgbClr val="ffffff"/>
-              </a:solidFill>
-              <a:latin typeface="Calibri"/>
-            </a:endParaRPr>
-          </a:p>
-          <a:p>
-            <a:pPr lvl="1" marL="685800" indent="-228240">
+            <a:endParaRPr b="0" lang="en-US" sz="2400" spc="-1" strike="noStrike">
+              <a:latin typeface="Arial"/>
+            </a:endParaRPr>
+          </a:p>
+          <a:p>
+            <a:pPr lvl="1" marL="685800" indent="-227880">
               <a:lnSpc>
                 <a:spcPct val="90000"/>
               </a:lnSpc>
@@ -6976,7 +6043,7 @@
               <a:buChar char="•"/>
             </a:pPr>
             <a:r>
-              <a:rPr b="0" lang="de-DE" sz="2400" spc="-1" strike="noStrike">
+              <a:rPr b="0" lang="en-US" sz="2400" spc="-1" strike="noStrike">
                 <a:solidFill>
                   <a:srgbClr val="ffffff"/>
                 </a:solidFill>
@@ -6984,15 +6051,12 @@
               </a:rPr>
               <a:t>As project organizational tool</a:t>
             </a:r>
-            <a:endParaRPr b="0" lang="de-DE" sz="2400" spc="-1" strike="noStrike">
-              <a:solidFill>
-                <a:srgbClr val="ffffff"/>
-              </a:solidFill>
-              <a:latin typeface="Calibri"/>
-            </a:endParaRPr>
-          </a:p>
-          <a:p>
-            <a:pPr lvl="2" marL="1143000" indent="-228240">
+            <a:endParaRPr b="0" lang="en-US" sz="2400" spc="-1" strike="noStrike">
+              <a:latin typeface="Arial"/>
+            </a:endParaRPr>
+          </a:p>
+          <a:p>
+            <a:pPr lvl="2" marL="1143000" indent="-227880">
               <a:lnSpc>
                 <a:spcPct val="90000"/>
               </a:lnSpc>
@@ -7006,7 +6070,7 @@
               <a:buChar char="•"/>
             </a:pPr>
             <a:r>
-              <a:rPr b="0" lang="de-DE" sz="2000" spc="-1" strike="noStrike">
+              <a:rPr b="0" lang="en-US" sz="2000" spc="-1" strike="noStrike">
                 <a:solidFill>
                   <a:srgbClr val="ffffff"/>
                 </a:solidFill>
@@ -7014,15 +6078,12 @@
               </a:rPr>
               <a:t>Using issues and milestones</a:t>
             </a:r>
-            <a:endParaRPr b="0" lang="de-DE" sz="2000" spc="-1" strike="noStrike">
-              <a:solidFill>
-                <a:srgbClr val="ffffff"/>
-              </a:solidFill>
-              <a:latin typeface="Calibri"/>
-            </a:endParaRPr>
-          </a:p>
-          <a:p>
-            <a:pPr lvl="3" marL="1600200" indent="-228240">
+            <a:endParaRPr b="0" lang="en-US" sz="2000" spc="-1" strike="noStrike">
+              <a:latin typeface="Arial"/>
+            </a:endParaRPr>
+          </a:p>
+          <a:p>
+            <a:pPr lvl="3" marL="1600200" indent="-227880">
               <a:lnSpc>
                 <a:spcPct val="90000"/>
               </a:lnSpc>
@@ -7036,7 +6097,7 @@
               <a:buChar char="•"/>
             </a:pPr>
             <a:r>
-              <a:rPr b="0" lang="de-DE" sz="1800" spc="-1" strike="noStrike">
+              <a:rPr b="0" lang="en-US" sz="1800" spc="-1" strike="noStrike">
                 <a:solidFill>
                   <a:srgbClr val="ffffff"/>
                 </a:solidFill>
@@ -7044,15 +6105,12 @@
               </a:rPr>
               <a:t>Milestone &lt;- grouping several issues/tasks into milestones</a:t>
             </a:r>
-            <a:endParaRPr b="0" lang="de-DE" sz="1800" spc="-1" strike="noStrike">
-              <a:solidFill>
-                <a:srgbClr val="ffffff"/>
-              </a:solidFill>
-              <a:latin typeface="Calibri"/>
-            </a:endParaRPr>
-          </a:p>
-          <a:p>
-            <a:pPr lvl="3" marL="1600200" indent="-228240">
+            <a:endParaRPr b="0" lang="en-US" sz="1800" spc="-1" strike="noStrike">
+              <a:latin typeface="Arial"/>
+            </a:endParaRPr>
+          </a:p>
+          <a:p>
+            <a:pPr lvl="3" marL="1600200" indent="-227880">
               <a:lnSpc>
                 <a:spcPct val="90000"/>
               </a:lnSpc>
@@ -7066,7 +6124,7 @@
               <a:buChar char="•"/>
             </a:pPr>
             <a:r>
-              <a:rPr b="0" lang="de-DE" sz="1800" spc="-1" strike="noStrike">
+              <a:rPr b="0" lang="en-US" sz="1800" spc="-1" strike="noStrike">
                 <a:solidFill>
                   <a:srgbClr val="ffffff"/>
                 </a:solidFill>
@@ -7074,15 +6132,12 @@
               </a:rPr>
               <a:t>Issues &lt;- documenting status quo of task, problems which occured and expectatiosn before starting the task</a:t>
             </a:r>
-            <a:endParaRPr b="0" lang="de-DE" sz="1800" spc="-1" strike="noStrike">
-              <a:solidFill>
-                <a:srgbClr val="ffffff"/>
-              </a:solidFill>
-              <a:latin typeface="Calibri"/>
-            </a:endParaRPr>
-          </a:p>
-          <a:p>
-            <a:pPr marL="228600" indent="-228240">
+            <a:endParaRPr b="0" lang="en-US" sz="1800" spc="-1" strike="noStrike">
+              <a:latin typeface="Arial"/>
+            </a:endParaRPr>
+          </a:p>
+          <a:p>
+            <a:pPr marL="228600" indent="-227880">
               <a:lnSpc>
                 <a:spcPct val="90000"/>
               </a:lnSpc>
@@ -7096,7 +6151,7 @@
               <a:buChar char="•"/>
             </a:pPr>
             <a:r>
-              <a:rPr b="0" lang="de-DE" sz="2800" spc="-1" strike="noStrike">
+              <a:rPr b="0" lang="en-US" sz="2800" spc="-1" strike="noStrike">
                 <a:solidFill>
                   <a:srgbClr val="ffffff"/>
                 </a:solidFill>
@@ -7104,15 +6159,12 @@
               </a:rPr>
               <a:t>GitKraken</a:t>
             </a:r>
-            <a:endParaRPr b="0" lang="de-DE" sz="2800" spc="-1" strike="noStrike">
-              <a:solidFill>
-                <a:srgbClr val="ffffff"/>
-              </a:solidFill>
-              <a:latin typeface="Calibri"/>
-            </a:endParaRPr>
-          </a:p>
-          <a:p>
-            <a:pPr lvl="1" marL="685800" indent="-228240">
+            <a:endParaRPr b="0" lang="en-US" sz="2800" spc="-1" strike="noStrike">
+              <a:latin typeface="Arial"/>
+            </a:endParaRPr>
+          </a:p>
+          <a:p>
+            <a:pPr lvl="1" marL="685800" indent="-227880">
               <a:lnSpc>
                 <a:spcPct val="90000"/>
               </a:lnSpc>
@@ -7126,7 +6178,7 @@
               <a:buChar char="•"/>
             </a:pPr>
             <a:r>
-              <a:rPr b="0" lang="de-DE" sz="2400" spc="-1" strike="noStrike">
+              <a:rPr b="0" lang="en-US" sz="2400" spc="-1" strike="noStrike">
                 <a:solidFill>
                   <a:srgbClr val="ffffff"/>
                 </a:solidFill>
@@ -7134,15 +6186,12 @@
               </a:rPr>
               <a:t>Visualisation of Git&amp;GitHub Project</a:t>
             </a:r>
-            <a:endParaRPr b="0" lang="de-DE" sz="2400" spc="-1" strike="noStrike">
-              <a:solidFill>
-                <a:srgbClr val="ffffff"/>
-              </a:solidFill>
-              <a:latin typeface="Calibri"/>
-            </a:endParaRPr>
-          </a:p>
-          <a:p>
-            <a:pPr lvl="2" marL="1143000" indent="-228240">
+            <a:endParaRPr b="0" lang="en-US" sz="2400" spc="-1" strike="noStrike">
+              <a:latin typeface="Arial"/>
+            </a:endParaRPr>
+          </a:p>
+          <a:p>
+            <a:pPr lvl="2" marL="1143000" indent="-227880">
               <a:lnSpc>
                 <a:spcPct val="90000"/>
               </a:lnSpc>
@@ -7156,7 +6205,7 @@
               <a:buChar char="•"/>
             </a:pPr>
             <a:r>
-              <a:rPr b="0" lang="de-DE" sz="2000" spc="-1" strike="noStrike">
+              <a:rPr b="0" lang="en-US" sz="2000" spc="-1" strike="noStrike">
                 <a:solidFill>
                   <a:srgbClr val="ffffff"/>
                 </a:solidFill>
@@ -7164,11 +6213,8 @@
               </a:rPr>
               <a:t>Timelines for Milestones &amp; Issues</a:t>
             </a:r>
-            <a:endParaRPr b="0" lang="de-DE" sz="2000" spc="-1" strike="noStrike">
-              <a:solidFill>
-                <a:srgbClr val="ffffff"/>
-              </a:solidFill>
-              <a:latin typeface="Calibri"/>
+            <a:endParaRPr b="0" lang="en-US" sz="2000" spc="-1" strike="noStrike">
+              <a:latin typeface="Arial"/>
             </a:endParaRPr>
           </a:p>
         </p:txBody>
@@ -7227,14 +6273,14 @@
       </p:grpSpPr>
       <p:sp>
         <p:nvSpPr>
-          <p:cNvPr id="131" name="TextShape 1"/>
-          <p:cNvSpPr txBox="1"/>
+          <p:cNvPr id="119" name="CustomShape 1"/>
+          <p:cNvSpPr/>
           <p:nvPr/>
         </p:nvSpPr>
         <p:spPr>
           <a:xfrm>
             <a:off x="838080" y="365040"/>
-            <a:ext cx="10515240" cy="1325160"/>
+            <a:ext cx="10514880" cy="1324800"/>
           </a:xfrm>
           <a:prstGeom prst="rect">
             <a:avLst/>
@@ -7244,8 +6290,14 @@
             <a:noFill/>
           </a:ln>
         </p:spPr>
-        <p:txBody>
-          <a:bodyPr anchor="ctr"/>
+        <p:style>
+          <a:lnRef idx="0"/>
+          <a:fillRef idx="0"/>
+          <a:effectRef idx="0"/>
+          <a:fontRef idx="minor"/>
+        </p:style>
+        <p:txBody>
+          <a:bodyPr lIns="90000" rIns="90000" tIns="45000" bIns="45000" anchor="ctr"/>
           <a:p>
             <a:pPr>
               <a:lnSpc>
@@ -7253,7 +6305,7 @@
               </a:lnSpc>
             </a:pPr>
             <a:r>
-              <a:rPr b="0" lang="de-DE" sz="4400" spc="-1" strike="noStrike">
+              <a:rPr b="0" lang="en-US" sz="4400" spc="-1" strike="noStrike">
                 <a:solidFill>
                   <a:srgbClr val="ffffff"/>
                 </a:solidFill>
@@ -7261,18 +6313,15 @@
               </a:rPr>
               <a:t>Visual Studio Code</a:t>
             </a:r>
-            <a:endParaRPr b="0" lang="de-DE" sz="4400" spc="-1" strike="noStrike">
-              <a:solidFill>
-                <a:srgbClr val="000000"/>
-              </a:solidFill>
-              <a:latin typeface="Calibri"/>
+            <a:endParaRPr b="0" lang="en-US" sz="4400" spc="-1" strike="noStrike">
+              <a:latin typeface="Arial"/>
             </a:endParaRPr>
           </a:p>
         </p:txBody>
       </p:sp>
       <p:pic>
         <p:nvPicPr>
-          <p:cNvPr id="132" name="" descr=""/>
+          <p:cNvPr id="120" name="" descr=""/>
           <p:cNvPicPr/>
           <p:nvPr/>
         </p:nvPicPr>
@@ -7283,7 +6332,7 @@
         <p:spPr>
           <a:xfrm>
             <a:off x="2194560" y="1698480"/>
-            <a:ext cx="8056440" cy="5159520"/>
+            <a:ext cx="8056080" cy="5159160"/>
           </a:xfrm>
           <a:prstGeom prst="rect">
             <a:avLst/>
@@ -7295,7 +6344,7 @@
       </p:pic>
       <p:pic>
         <p:nvPicPr>
-          <p:cNvPr id="133" name="" descr=""/>
+          <p:cNvPr id="121" name="" descr=""/>
           <p:cNvPicPr/>
           <p:nvPr/>
         </p:nvPicPr>
@@ -7306,7 +6355,7 @@
         <p:spPr>
           <a:xfrm>
             <a:off x="1554480" y="1288440"/>
-            <a:ext cx="8696520" cy="5569560"/>
+            <a:ext cx="8696160" cy="5569200"/>
           </a:xfrm>
           <a:prstGeom prst="rect">
             <a:avLst/>
@@ -7370,14 +6419,14 @@
       </p:grpSpPr>
       <p:sp>
         <p:nvSpPr>
-          <p:cNvPr id="134" name="TextShape 1"/>
-          <p:cNvSpPr txBox="1"/>
+          <p:cNvPr id="122" name="CustomShape 1"/>
+          <p:cNvSpPr/>
           <p:nvPr/>
         </p:nvSpPr>
         <p:spPr>
           <a:xfrm>
             <a:off x="838080" y="365040"/>
-            <a:ext cx="10515240" cy="1325160"/>
+            <a:ext cx="10514880" cy="1324800"/>
           </a:xfrm>
           <a:prstGeom prst="rect">
             <a:avLst/>
@@ -7387,8 +6436,14 @@
             <a:noFill/>
           </a:ln>
         </p:spPr>
-        <p:txBody>
-          <a:bodyPr anchor="ctr"/>
+        <p:style>
+          <a:lnRef idx="0"/>
+          <a:fillRef idx="0"/>
+          <a:effectRef idx="0"/>
+          <a:fontRef idx="minor"/>
+        </p:style>
+        <p:txBody>
+          <a:bodyPr lIns="90000" rIns="90000" tIns="45000" bIns="45000" anchor="ctr"/>
           <a:p>
             <a:pPr>
               <a:lnSpc>
@@ -7396,7 +6451,7 @@
               </a:lnSpc>
             </a:pPr>
             <a:r>
-              <a:rPr b="0" lang="de-DE" sz="4400" spc="-1" strike="noStrike">
+              <a:rPr b="0" lang="en-US" sz="4400" spc="-1" strike="noStrike">
                 <a:solidFill>
                   <a:srgbClr val="ffffff"/>
                 </a:solidFill>
@@ -7404,18 +6459,15 @@
               </a:rPr>
               <a:t>GitHub</a:t>
             </a:r>
-            <a:endParaRPr b="0" lang="de-DE" sz="4400" spc="-1" strike="noStrike">
-              <a:solidFill>
-                <a:srgbClr val="000000"/>
-              </a:solidFill>
-              <a:latin typeface="Calibri"/>
+            <a:endParaRPr b="0" lang="en-US" sz="4400" spc="-1" strike="noStrike">
+              <a:latin typeface="Arial"/>
             </a:endParaRPr>
           </a:p>
         </p:txBody>
       </p:sp>
       <p:pic>
         <p:nvPicPr>
-          <p:cNvPr id="135" name="Content Placeholder 5" descr=""/>
+          <p:cNvPr id="123" name="Content Placeholder 5" descr=""/>
           <p:cNvPicPr/>
           <p:nvPr/>
         </p:nvPicPr>
@@ -7426,7 +6478,7 @@
         <p:spPr>
           <a:xfrm>
             <a:off x="2502720" y="1392120"/>
-            <a:ext cx="6563880" cy="5465520"/>
+            <a:ext cx="6563520" cy="5465160"/>
           </a:xfrm>
           <a:prstGeom prst="rect">
             <a:avLst/>
@@ -7490,14 +6542,14 @@
       </p:grpSpPr>
       <p:sp>
         <p:nvSpPr>
-          <p:cNvPr id="136" name="TextShape 1"/>
-          <p:cNvSpPr txBox="1"/>
+          <p:cNvPr id="124" name="CustomShape 1"/>
+          <p:cNvSpPr/>
           <p:nvPr/>
         </p:nvSpPr>
         <p:spPr>
           <a:xfrm>
             <a:off x="838080" y="365040"/>
-            <a:ext cx="10515240" cy="1325160"/>
+            <a:ext cx="10514880" cy="1324800"/>
           </a:xfrm>
           <a:prstGeom prst="rect">
             <a:avLst/>
@@ -7507,8 +6559,14 @@
             <a:noFill/>
           </a:ln>
         </p:spPr>
-        <p:txBody>
-          <a:bodyPr anchor="ctr"/>
+        <p:style>
+          <a:lnRef idx="0"/>
+          <a:fillRef idx="0"/>
+          <a:effectRef idx="0"/>
+          <a:fontRef idx="minor"/>
+        </p:style>
+        <p:txBody>
+          <a:bodyPr lIns="90000" rIns="90000" tIns="45000" bIns="45000" anchor="ctr"/>
           <a:p>
             <a:pPr>
               <a:lnSpc>
@@ -7516,7 +6574,7 @@
               </a:lnSpc>
             </a:pPr>
             <a:r>
-              <a:rPr b="0" lang="de-DE" sz="4400" spc="-1" strike="noStrike">
+              <a:rPr b="0" lang="en-US" sz="4400" spc="-1" strike="noStrike">
                 <a:solidFill>
                   <a:srgbClr val="ffffff"/>
                 </a:solidFill>
@@ -7524,18 +6582,15 @@
               </a:rPr>
               <a:t>GitKraken</a:t>
             </a:r>
-            <a:endParaRPr b="0" lang="de-DE" sz="4400" spc="-1" strike="noStrike">
-              <a:solidFill>
-                <a:srgbClr val="000000"/>
-              </a:solidFill>
-              <a:latin typeface="Calibri"/>
+            <a:endParaRPr b="0" lang="en-US" sz="4400" spc="-1" strike="noStrike">
+              <a:latin typeface="Arial"/>
             </a:endParaRPr>
           </a:p>
         </p:txBody>
       </p:sp>
       <p:pic>
         <p:nvPicPr>
-          <p:cNvPr id="137" name="Content Placeholder 3" descr=""/>
+          <p:cNvPr id="125" name="Content Placeholder 3" descr=""/>
           <p:cNvPicPr/>
           <p:nvPr/>
         </p:nvPicPr>
@@ -7546,7 +6601,7 @@
         <p:spPr>
           <a:xfrm>
             <a:off x="1276560" y="1458000"/>
-            <a:ext cx="9603720" cy="5399640"/>
+            <a:ext cx="9603360" cy="5399280"/>
           </a:xfrm>
           <a:prstGeom prst="rect">
             <a:avLst/>
@@ -7617,14 +6672,14 @@
       </p:grpSpPr>
       <p:sp>
         <p:nvSpPr>
-          <p:cNvPr id="138" name="TextShape 1"/>
-          <p:cNvSpPr txBox="1"/>
+          <p:cNvPr id="126" name="CustomShape 1"/>
+          <p:cNvSpPr/>
           <p:nvPr/>
         </p:nvSpPr>
         <p:spPr>
           <a:xfrm>
             <a:off x="838080" y="365040"/>
-            <a:ext cx="10515240" cy="1325160"/>
+            <a:ext cx="10514880" cy="1324800"/>
           </a:xfrm>
           <a:prstGeom prst="rect">
             <a:avLst/>
@@ -7634,8 +6689,14 @@
             <a:noFill/>
           </a:ln>
         </p:spPr>
-        <p:txBody>
-          <a:bodyPr anchor="ctr"/>
+        <p:style>
+          <a:lnRef idx="0"/>
+          <a:fillRef idx="0"/>
+          <a:effectRef idx="0"/>
+          <a:fontRef idx="minor"/>
+        </p:style>
+        <p:txBody>
+          <a:bodyPr lIns="90000" rIns="90000" tIns="45000" bIns="45000" anchor="ctr"/>
           <a:p>
             <a:pPr>
               <a:lnSpc>
@@ -7643,7 +6704,7 @@
               </a:lnSpc>
             </a:pPr>
             <a:r>
-              <a:rPr b="0" lang="de-DE" sz="4400" spc="-1" strike="noStrike">
+              <a:rPr b="0" lang="en-US" sz="4400" spc="-1" strike="noStrike">
                 <a:solidFill>
                   <a:srgbClr val="ffffff"/>
                 </a:solidFill>
@@ -7651,18 +6712,15 @@
               </a:rPr>
               <a:t>GitKraken</a:t>
             </a:r>
-            <a:endParaRPr b="0" lang="de-DE" sz="4400" spc="-1" strike="noStrike">
-              <a:solidFill>
-                <a:srgbClr val="000000"/>
-              </a:solidFill>
-              <a:latin typeface="Calibri"/>
+            <a:endParaRPr b="0" lang="en-US" sz="4400" spc="-1" strike="noStrike">
+              <a:latin typeface="Arial"/>
             </a:endParaRPr>
           </a:p>
         </p:txBody>
       </p:sp>
       <p:pic>
         <p:nvPicPr>
-          <p:cNvPr id="139" name="Content Placeholder 3" descr=""/>
+          <p:cNvPr id="127" name="Content Placeholder 3" descr=""/>
           <p:cNvPicPr/>
           <p:nvPr/>
         </p:nvPicPr>
@@ -7673,7 +6731,7 @@
         <p:spPr>
           <a:xfrm>
             <a:off x="604440" y="1362960"/>
-            <a:ext cx="9464400" cy="5392440"/>
+            <a:ext cx="9464040" cy="5392080"/>
           </a:xfrm>
           <a:prstGeom prst="rect">
             <a:avLst/>
@@ -7737,14 +6795,14 @@
       </p:grpSpPr>
       <p:sp>
         <p:nvSpPr>
-          <p:cNvPr id="140" name="TextShape 1"/>
-          <p:cNvSpPr txBox="1"/>
+          <p:cNvPr id="128" name="CustomShape 1"/>
+          <p:cNvSpPr/>
           <p:nvPr/>
         </p:nvSpPr>
         <p:spPr>
           <a:xfrm>
             <a:off x="838440" y="365400"/>
-            <a:ext cx="10515240" cy="1325160"/>
+            <a:ext cx="10514880" cy="1324800"/>
           </a:xfrm>
           <a:prstGeom prst="rect">
             <a:avLst/>
@@ -7754,8 +6812,14 @@
             <a:noFill/>
           </a:ln>
         </p:spPr>
-        <p:txBody>
-          <a:bodyPr anchor="ctr"/>
+        <p:style>
+          <a:lnRef idx="0"/>
+          <a:fillRef idx="0"/>
+          <a:effectRef idx="0"/>
+          <a:fontRef idx="minor"/>
+        </p:style>
+        <p:txBody>
+          <a:bodyPr lIns="90000" rIns="90000" tIns="45000" bIns="45000" anchor="ctr"/>
           <a:p>
             <a:pPr>
               <a:lnSpc>
@@ -7763,7 +6827,7 @@
               </a:lnSpc>
             </a:pPr>
             <a:r>
-              <a:rPr b="0" lang="de-DE" sz="4400" spc="-1" strike="noStrike">
+              <a:rPr b="0" lang="en-US" sz="4400" spc="-1" strike="noStrike">
                 <a:solidFill>
                   <a:srgbClr val="ffffff"/>
                 </a:solidFill>
@@ -7771,18 +6835,15 @@
               </a:rPr>
               <a:t>GitKraken</a:t>
             </a:r>
-            <a:endParaRPr b="0" lang="de-DE" sz="4400" spc="-1" strike="noStrike">
-              <a:solidFill>
-                <a:srgbClr val="000000"/>
-              </a:solidFill>
-              <a:latin typeface="Calibri"/>
+            <a:endParaRPr b="0" lang="en-US" sz="4400" spc="-1" strike="noStrike">
+              <a:latin typeface="Arial"/>
             </a:endParaRPr>
           </a:p>
         </p:txBody>
       </p:sp>
       <p:pic>
         <p:nvPicPr>
-          <p:cNvPr id="141" name="" descr=""/>
+          <p:cNvPr id="129" name="" descr=""/>
           <p:cNvPicPr/>
           <p:nvPr/>
         </p:nvPicPr>
@@ -7793,7 +6854,7 @@
         <p:spPr>
           <a:xfrm>
             <a:off x="1828800" y="1411560"/>
-            <a:ext cx="8321040" cy="5446440"/>
+            <a:ext cx="8320680" cy="5446080"/>
           </a:xfrm>
           <a:prstGeom prst="rect">
             <a:avLst/>
@@ -7857,14 +6918,14 @@
       </p:grpSpPr>
       <p:sp>
         <p:nvSpPr>
-          <p:cNvPr id="142" name="TextShape 1"/>
-          <p:cNvSpPr txBox="1"/>
+          <p:cNvPr id="130" name="CustomShape 1"/>
+          <p:cNvSpPr/>
           <p:nvPr/>
         </p:nvSpPr>
         <p:spPr>
           <a:xfrm>
             <a:off x="838080" y="365040"/>
-            <a:ext cx="10515240" cy="1325160"/>
+            <a:ext cx="10514880" cy="1324800"/>
           </a:xfrm>
           <a:prstGeom prst="rect">
             <a:avLst/>
@@ -7874,8 +6935,14 @@
             <a:noFill/>
           </a:ln>
         </p:spPr>
-        <p:txBody>
-          <a:bodyPr anchor="ctr"/>
+        <p:style>
+          <a:lnRef idx="0"/>
+          <a:fillRef idx="0"/>
+          <a:effectRef idx="0"/>
+          <a:fontRef idx="minor"/>
+        </p:style>
+        <p:txBody>
+          <a:bodyPr lIns="90000" rIns="90000" tIns="45000" bIns="45000" anchor="ctr"/>
           <a:p>
             <a:pPr>
               <a:lnSpc>
@@ -7883,7 +6950,7 @@
               </a:lnSpc>
             </a:pPr>
             <a:r>
-              <a:rPr b="0" lang="de-DE" sz="4400" spc="-1" strike="noStrike">
+              <a:rPr b="0" lang="en-US" sz="4400" spc="-1" strike="noStrike">
                 <a:solidFill>
                   <a:srgbClr val="ffffff"/>
                 </a:solidFill>
@@ -7891,25 +6958,22 @@
               </a:rPr>
               <a:t>Tasks done for reaching milestone one: „First model“</a:t>
             </a:r>
-            <a:endParaRPr b="0" lang="de-DE" sz="4400" spc="-1" strike="noStrike">
-              <a:solidFill>
-                <a:srgbClr val="000000"/>
-              </a:solidFill>
-              <a:latin typeface="Calibri"/>
-            </a:endParaRPr>
-          </a:p>
-        </p:txBody>
-      </p:sp>
-      <p:sp>
-        <p:nvSpPr>
-          <p:cNvPr id="143" name="TextShape 2"/>
-          <p:cNvSpPr txBox="1"/>
+            <a:endParaRPr b="0" lang="en-US" sz="4400" spc="-1" strike="noStrike">
+              <a:latin typeface="Arial"/>
+            </a:endParaRPr>
+          </a:p>
+        </p:txBody>
+      </p:sp>
+      <p:sp>
+        <p:nvSpPr>
+          <p:cNvPr id="131" name="CustomShape 2"/>
+          <p:cNvSpPr/>
           <p:nvPr/>
         </p:nvSpPr>
         <p:spPr>
           <a:xfrm>
             <a:off x="838080" y="1825560"/>
-            <a:ext cx="10515240" cy="4350960"/>
+            <a:ext cx="10514880" cy="4350600"/>
           </a:xfrm>
           <a:prstGeom prst="rect">
             <a:avLst/>
@@ -7919,10 +6983,16 @@
             <a:noFill/>
           </a:ln>
         </p:spPr>
-        <p:txBody>
-          <a:bodyPr/>
-          <a:p>
-            <a:pPr marL="228600" indent="-228240">
+        <p:style>
+          <a:lnRef idx="0"/>
+          <a:fillRef idx="0"/>
+          <a:effectRef idx="0"/>
+          <a:fontRef idx="minor"/>
+        </p:style>
+        <p:txBody>
+          <a:bodyPr lIns="90000" rIns="90000" tIns="45000" bIns="45000"/>
+          <a:p>
+            <a:pPr marL="228600" indent="-227880">
               <a:lnSpc>
                 <a:spcPct val="90000"/>
               </a:lnSpc>
@@ -7936,7 +7006,7 @@
               <a:buChar char="•"/>
             </a:pPr>
             <a:r>
-              <a:rPr b="0" lang="de-DE" sz="2800" spc="-1" strike="noStrike">
+              <a:rPr b="0" lang="en-US" sz="2400" spc="-1" strike="noStrike">
                 <a:solidFill>
                   <a:srgbClr val="ffffff"/>
                 </a:solidFill>
@@ -7944,15 +7014,12 @@
               </a:rPr>
               <a:t>Images generated</a:t>
             </a:r>
-            <a:endParaRPr b="0" lang="de-DE" sz="2800" spc="-1" strike="noStrike">
-              <a:solidFill>
-                <a:srgbClr val="ffffff"/>
-              </a:solidFill>
-              <a:latin typeface="Calibri"/>
-            </a:endParaRPr>
-          </a:p>
-          <a:p>
-            <a:pPr lvl="1" marL="685800" indent="-228240">
+            <a:endParaRPr b="0" lang="en-US" sz="2400" spc="-1" strike="noStrike">
+              <a:latin typeface="Arial"/>
+            </a:endParaRPr>
+          </a:p>
+          <a:p>
+            <a:pPr lvl="1" marL="685800" indent="-227880">
               <a:lnSpc>
                 <a:spcPct val="90000"/>
               </a:lnSpc>
@@ -7966,7 +7033,7 @@
               <a:buChar char="•"/>
             </a:pPr>
             <a:r>
-              <a:rPr b="0" lang="de-DE" sz="2400" spc="-1" strike="noStrike">
+              <a:rPr b="0" lang="en-US" sz="2000" spc="-1" strike="noStrike">
                 <a:solidFill>
                   <a:srgbClr val="ffffff"/>
                 </a:solidFill>
@@ -7974,15 +7041,12 @@
               </a:rPr>
               <a:t>10 different figures each figure with 1000 different positions</a:t>
             </a:r>
-            <a:endParaRPr b="0" lang="de-DE" sz="2400" spc="-1" strike="noStrike">
-              <a:solidFill>
-                <a:srgbClr val="ffffff"/>
-              </a:solidFill>
-              <a:latin typeface="Calibri"/>
-            </a:endParaRPr>
-          </a:p>
-          <a:p>
-            <a:pPr lvl="1" marL="685800" indent="-228240">
+            <a:endParaRPr b="0" lang="en-US" sz="2000" spc="-1" strike="noStrike">
+              <a:latin typeface="Arial"/>
+            </a:endParaRPr>
+          </a:p>
+          <a:p>
+            <a:pPr lvl="1" marL="685800" indent="-227880">
               <a:lnSpc>
                 <a:spcPct val="90000"/>
               </a:lnSpc>
@@ -7996,7 +7060,7 @@
               <a:buChar char="•"/>
             </a:pPr>
             <a:r>
-              <a:rPr b="0" lang="de-DE" sz="2400" spc="-1" strike="noStrike">
+              <a:rPr b="0" lang="en-US" sz="2000" spc="-1" strike="noStrike">
                 <a:solidFill>
                   <a:srgbClr val="ffffff"/>
                 </a:solidFill>
@@ -8004,15 +7068,12 @@
               </a:rPr>
               <a:t>Arduino programm for moving the figures „pseudo randomly“ in circles</a:t>
             </a:r>
-            <a:endParaRPr b="0" lang="de-DE" sz="2400" spc="-1" strike="noStrike">
-              <a:solidFill>
-                <a:srgbClr val="ffffff"/>
-              </a:solidFill>
-              <a:latin typeface="Calibri"/>
-            </a:endParaRPr>
-          </a:p>
-          <a:p>
-            <a:pPr lvl="1" marL="685800" indent="-228240">
+            <a:endParaRPr b="0" lang="en-US" sz="2000" spc="-1" strike="noStrike">
+              <a:latin typeface="Arial"/>
+            </a:endParaRPr>
+          </a:p>
+          <a:p>
+            <a:pPr lvl="1" marL="685800" indent="-227880">
               <a:lnSpc>
                 <a:spcPct val="90000"/>
               </a:lnSpc>
@@ -8026,7 +7087,7 @@
               <a:buChar char="•"/>
             </a:pPr>
             <a:r>
-              <a:rPr b="0" lang="de-DE" sz="2400" spc="-1" strike="noStrike">
+              <a:rPr b="0" lang="en-US" sz="2000" spc="-1" strike="noStrike">
                 <a:solidFill>
                   <a:srgbClr val="ffffff"/>
                 </a:solidFill>
@@ -8034,15 +7095,12 @@
               </a:rPr>
               <a:t>Python program for configuring the webcam (exposure time, focus) and saving the images</a:t>
             </a:r>
-            <a:endParaRPr b="0" lang="de-DE" sz="2400" spc="-1" strike="noStrike">
-              <a:solidFill>
-                <a:srgbClr val="ffffff"/>
-              </a:solidFill>
-              <a:latin typeface="Calibri"/>
-            </a:endParaRPr>
-          </a:p>
-          <a:p>
-            <a:pPr marL="228600" indent="-228240">
+            <a:endParaRPr b="0" lang="en-US" sz="2000" spc="-1" strike="noStrike">
+              <a:latin typeface="Arial"/>
+            </a:endParaRPr>
+          </a:p>
+          <a:p>
+            <a:pPr marL="228600" indent="-227880">
               <a:lnSpc>
                 <a:spcPct val="90000"/>
               </a:lnSpc>
@@ -8056,7 +7114,7 @@
               <a:buChar char="•"/>
             </a:pPr>
             <a:r>
-              <a:rPr b="0" lang="de-DE" sz="2800" spc="-1" strike="noStrike">
+              <a:rPr b="0" lang="en-US" sz="2400" spc="-1" strike="noStrike">
                 <a:solidFill>
                   <a:srgbClr val="ffffff"/>
                 </a:solidFill>
@@ -8064,15 +7122,12 @@
               </a:rPr>
               <a:t>Model created</a:t>
             </a:r>
-            <a:endParaRPr b="0" lang="de-DE" sz="2800" spc="-1" strike="noStrike">
-              <a:solidFill>
-                <a:srgbClr val="ffffff"/>
-              </a:solidFill>
-              <a:latin typeface="Calibri"/>
-            </a:endParaRPr>
-          </a:p>
-          <a:p>
-            <a:pPr lvl="1" marL="685800" indent="-228240">
+            <a:endParaRPr b="0" lang="en-US" sz="2400" spc="-1" strike="noStrike">
+              <a:latin typeface="Arial"/>
+            </a:endParaRPr>
+          </a:p>
+          <a:p>
+            <a:pPr lvl="1" marL="685800" indent="-227880">
               <a:lnSpc>
                 <a:spcPct val="90000"/>
               </a:lnSpc>
@@ -8086,7 +7141,7 @@
               <a:buChar char="•"/>
             </a:pPr>
             <a:r>
-              <a:rPr b="0" lang="de-DE" sz="2400" spc="-1" strike="noStrike">
+              <a:rPr b="0" lang="en-US" sz="2000" spc="-1" strike="noStrike">
                 <a:solidFill>
                   <a:srgbClr val="ffffff"/>
                 </a:solidFill>
@@ -8094,15 +7149,12 @@
               </a:rPr>
               <a:t>Using tensorflow 2</a:t>
             </a:r>
-            <a:endParaRPr b="0" lang="de-DE" sz="2400" spc="-1" strike="noStrike">
-              <a:solidFill>
-                <a:srgbClr val="ffffff"/>
-              </a:solidFill>
-              <a:latin typeface="Calibri"/>
-            </a:endParaRPr>
-          </a:p>
-          <a:p>
-            <a:pPr lvl="1" marL="685800" indent="-228240">
+            <a:endParaRPr b="0" lang="en-US" sz="2000" spc="-1" strike="noStrike">
+              <a:latin typeface="Arial"/>
+            </a:endParaRPr>
+          </a:p>
+          <a:p>
+            <a:pPr lvl="1" marL="685800" indent="-227880">
               <a:lnSpc>
                 <a:spcPct val="90000"/>
               </a:lnSpc>
@@ -8116,7 +7168,7 @@
               <a:buChar char="•"/>
             </a:pPr>
             <a:r>
-              <a:rPr b="0" lang="de-DE" sz="2400" spc="-1" strike="noStrike">
+              <a:rPr b="0" lang="en-US" sz="2000" spc="-1" strike="noStrike">
                 <a:solidFill>
                   <a:srgbClr val="ffffff"/>
                 </a:solidFill>
@@ -8124,15 +7176,12 @@
               </a:rPr>
               <a:t>[Using CUDA and cuDNN] → Many issues with drivers and „black screens“ but apperently working</a:t>
             </a:r>
-            <a:endParaRPr b="0" lang="de-DE" sz="2400" spc="-1" strike="noStrike">
-              <a:solidFill>
-                <a:srgbClr val="ffffff"/>
-              </a:solidFill>
-              <a:latin typeface="Calibri"/>
-            </a:endParaRPr>
-          </a:p>
-          <a:p>
-            <a:pPr lvl="1" marL="685800" indent="-228240">
+            <a:endParaRPr b="0" lang="en-US" sz="2000" spc="-1" strike="noStrike">
+              <a:latin typeface="Arial"/>
+            </a:endParaRPr>
+          </a:p>
+          <a:p>
+            <a:pPr lvl="1" marL="685800" indent="-227880">
               <a:lnSpc>
                 <a:spcPct val="90000"/>
               </a:lnSpc>
@@ -8146,7 +7195,7 @@
               <a:buChar char="•"/>
             </a:pPr>
             <a:r>
-              <a:rPr b="0" lang="de-DE" sz="2400" spc="-1" strike="noStrike">
+              <a:rPr b="0" lang="en-US" sz="2000" spc="-1" strike="noStrike">
                 <a:solidFill>
                   <a:srgbClr val="ffffff"/>
                 </a:solidFill>
@@ -8154,11 +7203,62 @@
               </a:rPr>
               <a:t>Some little twerking on the model was done, but the accuracy was still at around 35% → Better model and more images needed → Milestone 2&amp;3</a:t>
             </a:r>
-            <a:endParaRPr b="0" lang="de-DE" sz="2400" spc="-1" strike="noStrike">
-              <a:solidFill>
+            <a:endParaRPr b="0" lang="en-US" sz="2000" spc="-1" strike="noStrike">
+              <a:latin typeface="Arial"/>
+            </a:endParaRPr>
+          </a:p>
+          <a:p>
+            <a:pPr marL="228600" indent="-227880">
+              <a:lnSpc>
+                <a:spcPct val="90000"/>
+              </a:lnSpc>
+              <a:spcBef>
+                <a:spcPts val="499"/>
+              </a:spcBef>
+              <a:buClr>
                 <a:srgbClr val="ffffff"/>
-              </a:solidFill>
-              <a:latin typeface="Calibri"/>
+              </a:buClr>
+              <a:buFont typeface="Arial"/>
+              <a:buChar char="•"/>
+            </a:pPr>
+            <a:r>
+              <a:rPr b="0" lang="en-US" sz="2000" spc="-1" strike="noStrike">
+                <a:solidFill>
+                  <a:srgbClr val="ffffff"/>
+                </a:solidFill>
+                <a:latin typeface="Calibri"/>
+              </a:rPr>
+              <a:t>Overfitting the model with 6 images for two figures</a:t>
+            </a:r>
+            <a:endParaRPr b="0" lang="en-US" sz="2000" spc="-1" strike="noStrike">
+              <a:latin typeface="Arial"/>
+            </a:endParaRPr>
+          </a:p>
+          <a:p>
+            <a:pPr lvl="1" marL="685800" indent="-227880">
+              <a:lnSpc>
+                <a:spcPct val="90000"/>
+              </a:lnSpc>
+              <a:spcBef>
+                <a:spcPts val="499"/>
+              </a:spcBef>
+              <a:buClr>
+                <a:srgbClr val="ffffff"/>
+              </a:buClr>
+              <a:buFont typeface="Arial"/>
+              <a:buChar char="•"/>
+            </a:pPr>
+            <a:r>
+              <a:rPr b="0" lang="en-US" sz="2000" spc="-1" strike="noStrike">
+                <a:solidFill>
+                  <a:srgbClr val="ffffff"/>
+                </a:solidFill>
+                <a:latin typeface="Calibri"/>
+              </a:rPr>
+              <a:t>Proofing the model idea and set up</a:t>
+            </a:r>
+            <a:endParaRPr b="0" lang="en-US" sz="2000" spc="-1" strike="noStrike">
+              <a:latin typeface="Arial"/>
             </a:endParaRPr>
           </a:p>
         </p:txBody>
@@ -8217,14 +7317,14 @@
       </p:grpSpPr>
       <p:sp>
         <p:nvSpPr>
-          <p:cNvPr id="144" name="TextShape 1"/>
-          <p:cNvSpPr txBox="1"/>
+          <p:cNvPr id="132" name="CustomShape 1"/>
+          <p:cNvSpPr/>
           <p:nvPr/>
         </p:nvSpPr>
         <p:spPr>
           <a:xfrm>
             <a:off x="839880" y="365040"/>
-            <a:ext cx="10515240" cy="1325160"/>
+            <a:ext cx="10514880" cy="1324800"/>
           </a:xfrm>
           <a:prstGeom prst="rect">
             <a:avLst/>
@@ -8234,8 +7334,14 @@
             <a:noFill/>
           </a:ln>
         </p:spPr>
-        <p:txBody>
-          <a:bodyPr anchor="ctr"/>
+        <p:style>
+          <a:lnRef idx="0"/>
+          <a:fillRef idx="0"/>
+          <a:effectRef idx="0"/>
+          <a:fontRef idx="minor"/>
+        </p:style>
+        <p:txBody>
+          <a:bodyPr lIns="90000" rIns="90000" tIns="45000" bIns="45000" anchor="ctr"/>
           <a:p>
             <a:pPr>
               <a:lnSpc>
@@ -8243,7 +7349,7 @@
               </a:lnSpc>
             </a:pPr>
             <a:r>
-              <a:rPr b="0" lang="de-DE" sz="4400" spc="-1" strike="noStrike">
+              <a:rPr b="0" lang="en-US" sz="4400" spc="-1" strike="noStrike">
                 <a:solidFill>
                   <a:srgbClr val="ffffff"/>
                 </a:solidFill>
@@ -8251,25 +7357,22 @@
               </a:rPr>
               <a:t>Sample images</a:t>
             </a:r>
-            <a:endParaRPr b="0" lang="de-DE" sz="4400" spc="-1" strike="noStrike">
-              <a:solidFill>
-                <a:srgbClr val="000000"/>
-              </a:solidFill>
-              <a:latin typeface="Calibri"/>
-            </a:endParaRPr>
-          </a:p>
-        </p:txBody>
-      </p:sp>
-      <p:sp>
-        <p:nvSpPr>
-          <p:cNvPr id="145" name="TextShape 2"/>
-          <p:cNvSpPr txBox="1"/>
+            <a:endParaRPr b="0" lang="en-US" sz="4400" spc="-1" strike="noStrike">
+              <a:latin typeface="Arial"/>
+            </a:endParaRPr>
+          </a:p>
+        </p:txBody>
+      </p:sp>
+      <p:sp>
+        <p:nvSpPr>
+          <p:cNvPr id="133" name="CustomShape 2"/>
+          <p:cNvSpPr/>
           <p:nvPr/>
         </p:nvSpPr>
         <p:spPr>
           <a:xfrm>
             <a:off x="839880" y="1681200"/>
-            <a:ext cx="5157360" cy="823680"/>
+            <a:ext cx="5157000" cy="823320"/>
           </a:xfrm>
           <a:prstGeom prst="rect">
             <a:avLst/>
@@ -8279,8 +7382,14 @@
             <a:noFill/>
           </a:ln>
         </p:spPr>
-        <p:txBody>
-          <a:bodyPr anchor="b"/>
+        <p:style>
+          <a:lnRef idx="0"/>
+          <a:fillRef idx="0"/>
+          <a:effectRef idx="0"/>
+          <a:fontRef idx="minor"/>
+        </p:style>
+        <p:txBody>
+          <a:bodyPr lIns="90000" rIns="90000" tIns="45000" bIns="45000" anchor="b"/>
           <a:p>
             <a:pPr>
               <a:lnSpc>
@@ -8291,7 +7400,7 @@
               </a:spcBef>
             </a:pPr>
             <a:r>
-              <a:rPr b="1" lang="de-DE" sz="2400" spc="-1" strike="noStrike">
+              <a:rPr b="1" lang="en-US" sz="2400" spc="-1" strike="noStrike">
                 <a:solidFill>
                   <a:srgbClr val="ffffff"/>
                 </a:solidFill>
@@ -8299,25 +7408,22 @@
               </a:rPr>
               <a:t>Batman</a:t>
             </a:r>
-            <a:endParaRPr b="0" lang="de-DE" sz="2400" spc="-1" strike="noStrike">
-              <a:solidFill>
-                <a:srgbClr val="ffffff"/>
-              </a:solidFill>
-              <a:latin typeface="Calibri"/>
-            </a:endParaRPr>
-          </a:p>
-        </p:txBody>
-      </p:sp>
-      <p:sp>
-        <p:nvSpPr>
-          <p:cNvPr id="146" name="TextShape 3"/>
-          <p:cNvSpPr txBox="1"/>
+            <a:endParaRPr b="0" lang="en-US" sz="2400" spc="-1" strike="noStrike">
+              <a:latin typeface="Arial"/>
+            </a:endParaRPr>
+          </a:p>
+        </p:txBody>
+      </p:sp>
+      <p:sp>
+        <p:nvSpPr>
+          <p:cNvPr id="134" name="CustomShape 3"/>
+          <p:cNvSpPr/>
           <p:nvPr/>
         </p:nvSpPr>
         <p:spPr>
           <a:xfrm>
             <a:off x="839880" y="2505240"/>
-            <a:ext cx="5157360" cy="3684240"/>
+            <a:ext cx="5157000" cy="3683880"/>
           </a:xfrm>
           <a:prstGeom prst="rect">
             <a:avLst/>
@@ -8327,28 +7433,23 @@
             <a:noFill/>
           </a:ln>
         </p:spPr>
-        <p:txBody>
-          <a:bodyPr/>
-          <a:p>
-            <a:endParaRPr b="0" lang="de-DE" sz="2800" spc="-1" strike="noStrike">
-              <a:solidFill>
-                <a:srgbClr val="ffffff"/>
-              </a:solidFill>
-              <a:latin typeface="Calibri"/>
-            </a:endParaRPr>
-          </a:p>
-        </p:txBody>
-      </p:sp>
-      <p:sp>
-        <p:nvSpPr>
-          <p:cNvPr id="147" name="TextShape 4"/>
-          <p:cNvSpPr txBox="1"/>
+        <p:style>
+          <a:lnRef idx="0"/>
+          <a:fillRef idx="0"/>
+          <a:effectRef idx="0"/>
+          <a:fontRef idx="minor"/>
+        </p:style>
+      </p:sp>
+      <p:sp>
+        <p:nvSpPr>
+          <p:cNvPr id="135" name="CustomShape 4"/>
+          <p:cNvSpPr/>
           <p:nvPr/>
         </p:nvSpPr>
         <p:spPr>
           <a:xfrm>
             <a:off x="6172200" y="1681200"/>
-            <a:ext cx="5182920" cy="823680"/>
+            <a:ext cx="5182560" cy="823320"/>
           </a:xfrm>
           <a:prstGeom prst="rect">
             <a:avLst/>
@@ -8358,8 +7459,14 @@
             <a:noFill/>
           </a:ln>
         </p:spPr>
-        <p:txBody>
-          <a:bodyPr anchor="b"/>
+        <p:style>
+          <a:lnRef idx="0"/>
+          <a:fillRef idx="0"/>
+          <a:effectRef idx="0"/>
+          <a:fontRef idx="minor"/>
+        </p:style>
+        <p:txBody>
+          <a:bodyPr lIns="90000" rIns="90000" tIns="45000" bIns="45000" anchor="b"/>
           <a:p>
             <a:pPr>
               <a:lnSpc>
@@ -8370,7 +7477,7 @@
               </a:spcBef>
             </a:pPr>
             <a:r>
-              <a:rPr b="1" lang="de-DE" sz="2400" spc="-1" strike="noStrike">
+              <a:rPr b="1" lang="en-US" sz="2400" spc="-1" strike="noStrike">
                 <a:solidFill>
                   <a:srgbClr val="ffffff"/>
                 </a:solidFill>
@@ -8378,25 +7485,22 @@
               </a:rPr>
               <a:t>Deadpool</a:t>
             </a:r>
-            <a:endParaRPr b="0" lang="de-DE" sz="2400" spc="-1" strike="noStrike">
-              <a:solidFill>
-                <a:srgbClr val="ffffff"/>
-              </a:solidFill>
-              <a:latin typeface="Calibri"/>
-            </a:endParaRPr>
-          </a:p>
-        </p:txBody>
-      </p:sp>
-      <p:sp>
-        <p:nvSpPr>
-          <p:cNvPr id="148" name="TextShape 5"/>
-          <p:cNvSpPr txBox="1"/>
+            <a:endParaRPr b="0" lang="en-US" sz="2400" spc="-1" strike="noStrike">
+              <a:latin typeface="Arial"/>
+            </a:endParaRPr>
+          </a:p>
+        </p:txBody>
+      </p:sp>
+      <p:sp>
+        <p:nvSpPr>
+          <p:cNvPr id="136" name="CustomShape 5"/>
+          <p:cNvSpPr/>
           <p:nvPr/>
         </p:nvSpPr>
         <p:spPr>
           <a:xfrm>
             <a:off x="6172200" y="2505240"/>
-            <a:ext cx="5182920" cy="3684240"/>
+            <a:ext cx="5182560" cy="3683880"/>
           </a:xfrm>
           <a:prstGeom prst="rect">
             <a:avLst/>
@@ -8406,21 +7510,16 @@
             <a:noFill/>
           </a:ln>
         </p:spPr>
-        <p:txBody>
-          <a:bodyPr/>
-          <a:p>
-            <a:endParaRPr b="0" lang="de-DE" sz="2800" spc="-1" strike="noStrike">
-              <a:solidFill>
-                <a:srgbClr val="ffffff"/>
-              </a:solidFill>
-              <a:latin typeface="Calibri"/>
-            </a:endParaRPr>
-          </a:p>
-        </p:txBody>
+        <p:style>
+          <a:lnRef idx="0"/>
+          <a:fillRef idx="0"/>
+          <a:effectRef idx="0"/>
+          <a:fontRef idx="minor"/>
+        </p:style>
       </p:sp>
       <p:pic>
         <p:nvPicPr>
-          <p:cNvPr id="149" name="" descr=""/>
+          <p:cNvPr id="137" name="" descr=""/>
           <p:cNvPicPr/>
           <p:nvPr/>
         </p:nvPicPr>
@@ -8431,7 +7530,7 @@
         <p:spPr>
           <a:xfrm>
             <a:off x="853920" y="2505240"/>
-            <a:ext cx="4723920" cy="3543120"/>
+            <a:ext cx="4723560" cy="3542760"/>
           </a:xfrm>
           <a:prstGeom prst="rect">
             <a:avLst/>
@@ -8443,7 +7542,7 @@
       </p:pic>
       <p:pic>
         <p:nvPicPr>
-          <p:cNvPr id="150" name="" descr=""/>
+          <p:cNvPr id="138" name="" descr=""/>
           <p:cNvPicPr/>
           <p:nvPr/>
         </p:nvPicPr>
@@ -8454,7 +7553,7 @@
         <p:spPr>
           <a:xfrm>
             <a:off x="853920" y="2505240"/>
-            <a:ext cx="4912200" cy="3684240"/>
+            <a:ext cx="4911840" cy="3683880"/>
           </a:xfrm>
           <a:prstGeom prst="rect">
             <a:avLst/>
@@ -8466,7 +7565,7 @@
       </p:pic>
       <p:pic>
         <p:nvPicPr>
-          <p:cNvPr id="151" name="" descr=""/>
+          <p:cNvPr id="139" name="" descr=""/>
           <p:cNvPicPr/>
           <p:nvPr/>
         </p:nvPicPr>
@@ -8477,7 +7576,7 @@
         <p:spPr>
           <a:xfrm>
             <a:off x="6172200" y="2504880"/>
-            <a:ext cx="4912560" cy="3684600"/>
+            <a:ext cx="4912200" cy="3684240"/>
           </a:xfrm>
           <a:prstGeom prst="rect">
             <a:avLst/>
